--- a/doc/SoftwareDesign/NetworkController/RyuDesign.pptx
+++ b/doc/SoftwareDesign/NetworkController/RyuDesign.pptx
@@ -262,7 +262,7 @@
           <a:p>
             <a:fld id="{DE8D974D-2A96-4C40-9B63-5F95199987CD}" type="datetimeFigureOut">
               <a:rPr lang="zh-CN" altLang="en-US" smtClean="0"/>
-              <a:t>2020/7/19</a:t>
+              <a:t>2020/8/9</a:t>
             </a:fld>
             <a:endParaRPr lang="zh-CN" altLang="en-US"/>
           </a:p>
@@ -460,7 +460,7 @@
           <a:p>
             <a:fld id="{DE8D974D-2A96-4C40-9B63-5F95199987CD}" type="datetimeFigureOut">
               <a:rPr lang="zh-CN" altLang="en-US" smtClean="0"/>
-              <a:t>2020/7/19</a:t>
+              <a:t>2020/8/9</a:t>
             </a:fld>
             <a:endParaRPr lang="zh-CN" altLang="en-US"/>
           </a:p>
@@ -668,7 +668,7 @@
           <a:p>
             <a:fld id="{DE8D974D-2A96-4C40-9B63-5F95199987CD}" type="datetimeFigureOut">
               <a:rPr lang="zh-CN" altLang="en-US" smtClean="0"/>
-              <a:t>2020/7/19</a:t>
+              <a:t>2020/8/9</a:t>
             </a:fld>
             <a:endParaRPr lang="zh-CN" altLang="en-US"/>
           </a:p>
@@ -866,7 +866,7 @@
           <a:p>
             <a:fld id="{DE8D974D-2A96-4C40-9B63-5F95199987CD}" type="datetimeFigureOut">
               <a:rPr lang="zh-CN" altLang="en-US" smtClean="0"/>
-              <a:t>2020/7/19</a:t>
+              <a:t>2020/8/9</a:t>
             </a:fld>
             <a:endParaRPr lang="zh-CN" altLang="en-US"/>
           </a:p>
@@ -1141,7 +1141,7 @@
           <a:p>
             <a:fld id="{DE8D974D-2A96-4C40-9B63-5F95199987CD}" type="datetimeFigureOut">
               <a:rPr lang="zh-CN" altLang="en-US" smtClean="0"/>
-              <a:t>2020/7/19</a:t>
+              <a:t>2020/8/9</a:t>
             </a:fld>
             <a:endParaRPr lang="zh-CN" altLang="en-US"/>
           </a:p>
@@ -1406,7 +1406,7 @@
           <a:p>
             <a:fld id="{DE8D974D-2A96-4C40-9B63-5F95199987CD}" type="datetimeFigureOut">
               <a:rPr lang="zh-CN" altLang="en-US" smtClean="0"/>
-              <a:t>2020/7/19</a:t>
+              <a:t>2020/8/9</a:t>
             </a:fld>
             <a:endParaRPr lang="zh-CN" altLang="en-US"/>
           </a:p>
@@ -1818,7 +1818,7 @@
           <a:p>
             <a:fld id="{DE8D974D-2A96-4C40-9B63-5F95199987CD}" type="datetimeFigureOut">
               <a:rPr lang="zh-CN" altLang="en-US" smtClean="0"/>
-              <a:t>2020/7/19</a:t>
+              <a:t>2020/8/9</a:t>
             </a:fld>
             <a:endParaRPr lang="zh-CN" altLang="en-US"/>
           </a:p>
@@ -1959,7 +1959,7 @@
           <a:p>
             <a:fld id="{DE8D974D-2A96-4C40-9B63-5F95199987CD}" type="datetimeFigureOut">
               <a:rPr lang="zh-CN" altLang="en-US" smtClean="0"/>
-              <a:t>2020/7/19</a:t>
+              <a:t>2020/8/9</a:t>
             </a:fld>
             <a:endParaRPr lang="zh-CN" altLang="en-US"/>
           </a:p>
@@ -2072,7 +2072,7 @@
           <a:p>
             <a:fld id="{DE8D974D-2A96-4C40-9B63-5F95199987CD}" type="datetimeFigureOut">
               <a:rPr lang="zh-CN" altLang="en-US" smtClean="0"/>
-              <a:t>2020/7/19</a:t>
+              <a:t>2020/8/9</a:t>
             </a:fld>
             <a:endParaRPr lang="zh-CN" altLang="en-US"/>
           </a:p>
@@ -2383,7 +2383,7 @@
           <a:p>
             <a:fld id="{DE8D974D-2A96-4C40-9B63-5F95199987CD}" type="datetimeFigureOut">
               <a:rPr lang="zh-CN" altLang="en-US" smtClean="0"/>
-              <a:t>2020/7/19</a:t>
+              <a:t>2020/8/9</a:t>
             </a:fld>
             <a:endParaRPr lang="zh-CN" altLang="en-US"/>
           </a:p>
@@ -2671,7 +2671,7 @@
           <a:p>
             <a:fld id="{DE8D974D-2A96-4C40-9B63-5F95199987CD}" type="datetimeFigureOut">
               <a:rPr lang="zh-CN" altLang="en-US" smtClean="0"/>
-              <a:t>2020/7/19</a:t>
+              <a:t>2020/8/9</a:t>
             </a:fld>
             <a:endParaRPr lang="zh-CN" altLang="en-US"/>
           </a:p>
@@ -2912,7 +2912,7 @@
           <a:p>
             <a:fld id="{DE8D974D-2A96-4C40-9B63-5F95199987CD}" type="datetimeFigureOut">
               <a:rPr lang="zh-CN" altLang="en-US" smtClean="0"/>
-              <a:t>2020/7/19</a:t>
+              <a:t>2020/8/9</a:t>
             </a:fld>
             <a:endParaRPr lang="zh-CN" altLang="en-US"/>
           </a:p>

--- a/doc/SoftwareDesign/NetworkController/RyuDesign.pptx
+++ b/doc/SoftwareDesign/NetworkController/RyuDesign.pptx
@@ -6,9 +6,11 @@
   </p:sldMasterIdLst>
   <p:sldIdLst>
     <p:sldId id="256" r:id="rId2"/>
-    <p:sldId id="257" r:id="rId3"/>
-    <p:sldId id="258" r:id="rId4"/>
-    <p:sldId id="259" r:id="rId5"/>
+    <p:sldId id="265" r:id="rId3"/>
+    <p:sldId id="266" r:id="rId4"/>
+    <p:sldId id="257" r:id="rId5"/>
+    <p:sldId id="258" r:id="rId6"/>
+    <p:sldId id="259" r:id="rId7"/>
   </p:sldIdLst>
   <p:sldSz cx="12192000" cy="6858000"/>
   <p:notesSz cx="6858000" cy="9144000"/>
@@ -262,7 +264,7 @@
           <a:p>
             <a:fld id="{DE8D974D-2A96-4C40-9B63-5F95199987CD}" type="datetimeFigureOut">
               <a:rPr lang="zh-CN" altLang="en-US" smtClean="0"/>
-              <a:t>2020/8/9</a:t>
+              <a:t>2021/01/31</a:t>
             </a:fld>
             <a:endParaRPr lang="zh-CN" altLang="en-US"/>
           </a:p>
@@ -460,7 +462,7 @@
           <a:p>
             <a:fld id="{DE8D974D-2A96-4C40-9B63-5F95199987CD}" type="datetimeFigureOut">
               <a:rPr lang="zh-CN" altLang="en-US" smtClean="0"/>
-              <a:t>2020/8/9</a:t>
+              <a:t>2021/01/31</a:t>
             </a:fld>
             <a:endParaRPr lang="zh-CN" altLang="en-US"/>
           </a:p>
@@ -668,7 +670,7 @@
           <a:p>
             <a:fld id="{DE8D974D-2A96-4C40-9B63-5F95199987CD}" type="datetimeFigureOut">
               <a:rPr lang="zh-CN" altLang="en-US" smtClean="0"/>
-              <a:t>2020/8/9</a:t>
+              <a:t>2021/01/31</a:t>
             </a:fld>
             <a:endParaRPr lang="zh-CN" altLang="en-US"/>
           </a:p>
@@ -866,7 +868,7 @@
           <a:p>
             <a:fld id="{DE8D974D-2A96-4C40-9B63-5F95199987CD}" type="datetimeFigureOut">
               <a:rPr lang="zh-CN" altLang="en-US" smtClean="0"/>
-              <a:t>2020/8/9</a:t>
+              <a:t>2021/01/31</a:t>
             </a:fld>
             <a:endParaRPr lang="zh-CN" altLang="en-US"/>
           </a:p>
@@ -1141,7 +1143,7 @@
           <a:p>
             <a:fld id="{DE8D974D-2A96-4C40-9B63-5F95199987CD}" type="datetimeFigureOut">
               <a:rPr lang="zh-CN" altLang="en-US" smtClean="0"/>
-              <a:t>2020/8/9</a:t>
+              <a:t>2021/01/31</a:t>
             </a:fld>
             <a:endParaRPr lang="zh-CN" altLang="en-US"/>
           </a:p>
@@ -1406,7 +1408,7 @@
           <a:p>
             <a:fld id="{DE8D974D-2A96-4C40-9B63-5F95199987CD}" type="datetimeFigureOut">
               <a:rPr lang="zh-CN" altLang="en-US" smtClean="0"/>
-              <a:t>2020/8/9</a:t>
+              <a:t>2021/01/31</a:t>
             </a:fld>
             <a:endParaRPr lang="zh-CN" altLang="en-US"/>
           </a:p>
@@ -1818,7 +1820,7 @@
           <a:p>
             <a:fld id="{DE8D974D-2A96-4C40-9B63-5F95199987CD}" type="datetimeFigureOut">
               <a:rPr lang="zh-CN" altLang="en-US" smtClean="0"/>
-              <a:t>2020/8/9</a:t>
+              <a:t>2021/01/31</a:t>
             </a:fld>
             <a:endParaRPr lang="zh-CN" altLang="en-US"/>
           </a:p>
@@ -1959,7 +1961,7 @@
           <a:p>
             <a:fld id="{DE8D974D-2A96-4C40-9B63-5F95199987CD}" type="datetimeFigureOut">
               <a:rPr lang="zh-CN" altLang="en-US" smtClean="0"/>
-              <a:t>2020/8/9</a:t>
+              <a:t>2021/01/31</a:t>
             </a:fld>
             <a:endParaRPr lang="zh-CN" altLang="en-US"/>
           </a:p>
@@ -2072,7 +2074,7 @@
           <a:p>
             <a:fld id="{DE8D974D-2A96-4C40-9B63-5F95199987CD}" type="datetimeFigureOut">
               <a:rPr lang="zh-CN" altLang="en-US" smtClean="0"/>
-              <a:t>2020/8/9</a:t>
+              <a:t>2021/01/31</a:t>
             </a:fld>
             <a:endParaRPr lang="zh-CN" altLang="en-US"/>
           </a:p>
@@ -2383,7 +2385,7 @@
           <a:p>
             <a:fld id="{DE8D974D-2A96-4C40-9B63-5F95199987CD}" type="datetimeFigureOut">
               <a:rPr lang="zh-CN" altLang="en-US" smtClean="0"/>
-              <a:t>2020/8/9</a:t>
+              <a:t>2021/01/31</a:t>
             </a:fld>
             <a:endParaRPr lang="zh-CN" altLang="en-US"/>
           </a:p>
@@ -2671,7 +2673,7 @@
           <a:p>
             <a:fld id="{DE8D974D-2A96-4C40-9B63-5F95199987CD}" type="datetimeFigureOut">
               <a:rPr lang="zh-CN" altLang="en-US" smtClean="0"/>
-              <a:t>2020/8/9</a:t>
+              <a:t>2021/01/31</a:t>
             </a:fld>
             <a:endParaRPr lang="zh-CN" altLang="en-US"/>
           </a:p>
@@ -2912,7 +2914,7 @@
           <a:p>
             <a:fld id="{DE8D974D-2A96-4C40-9B63-5F95199987CD}" type="datetimeFigureOut">
               <a:rPr lang="zh-CN" altLang="en-US" smtClean="0"/>
-              <a:t>2020/8/9</a:t>
+              <a:t>2021/01/31</a:t>
             </a:fld>
             <a:endParaRPr lang="zh-CN" altLang="en-US"/>
           </a:p>
@@ -3425,7 +3427,7 @@
           <p:cNvPr id="2" name="标题 1">
             <a:extLst>
               <a:ext uri="{FF2B5EF4-FFF2-40B4-BE49-F238E27FC236}">
-                <a16:creationId xmlns:a16="http://schemas.microsoft.com/office/drawing/2014/main" id="{75FA18FA-C233-48A7-AF85-B2D1F5F89946}"/>
+                <a16:creationId xmlns:a16="http://schemas.microsoft.com/office/drawing/2014/main" id="{B60BA84E-374A-4715-ABFC-8092B546EDE0}"/>
               </a:ext>
             </a:extLst>
           </p:cNvPr>
@@ -3442,8 +3444,57 @@
           <a:lstStyle/>
           <a:p>
             <a:r>
+              <a:rPr lang="en-US" altLang="zh-CN" b="1" dirty="0"/>
+              <a:t>Fat-Tree</a:t>
+            </a:r>
+            <a:endParaRPr lang="zh-CN" altLang="en-US" b="1" dirty="0"/>
+          </a:p>
+        </p:txBody>
+      </p:sp>
+      <p:sp>
+        <p:nvSpPr>
+          <p:cNvPr id="8" name="椭圆 7">
+            <a:extLst>
+              <a:ext uri="{FF2B5EF4-FFF2-40B4-BE49-F238E27FC236}">
+                <a16:creationId xmlns:a16="http://schemas.microsoft.com/office/drawing/2014/main" id="{0424160C-DE5B-4A0B-A6AD-3157A4E344A1}"/>
+              </a:ext>
+            </a:extLst>
+          </p:cNvPr>
+          <p:cNvSpPr/>
+          <p:nvPr/>
+        </p:nvSpPr>
+        <p:spPr>
+          <a:xfrm>
+            <a:off x="3364494" y="3567745"/>
+            <a:ext cx="834312" cy="818585"/>
+          </a:xfrm>
+          <a:prstGeom prst="ellipse">
+            <a:avLst/>
+          </a:prstGeom>
+          <a:ln w="38100"/>
+        </p:spPr>
+        <p:style>
+          <a:lnRef idx="2">
+            <a:schemeClr val="dk1"/>
+          </a:lnRef>
+          <a:fillRef idx="1">
+            <a:schemeClr val="lt1"/>
+          </a:fillRef>
+          <a:effectRef idx="0">
+            <a:schemeClr val="dk1"/>
+          </a:effectRef>
+          <a:fontRef idx="minor">
+            <a:schemeClr val="dk1"/>
+          </a:fontRef>
+        </p:style>
+        <p:txBody>
+          <a:bodyPr rtlCol="0" anchor="ctr"/>
+          <a:lstStyle/>
+          <a:p>
+            <a:pPr algn="ctr"/>
+            <a:r>
               <a:rPr lang="en-US" altLang="zh-CN" dirty="0"/>
-              <a:t>SAM Design – Ryu(border)</a:t>
+              <a:t>6</a:t>
             </a:r>
             <a:endParaRPr lang="zh-CN" altLang="en-US" dirty="0"/>
           </a:p>
@@ -3451,10 +3502,10 @@
       </p:sp>
       <p:sp>
         <p:nvSpPr>
-          <p:cNvPr id="4" name="矩形 3">
-            <a:extLst>
-              <a:ext uri="{FF2B5EF4-FFF2-40B4-BE49-F238E27FC236}">
-                <a16:creationId xmlns:a16="http://schemas.microsoft.com/office/drawing/2014/main" id="{4936DC08-1554-470C-A2BD-377C9EF887DD}"/>
+          <p:cNvPr id="9" name="椭圆 8">
+            <a:extLst>
+              <a:ext uri="{FF2B5EF4-FFF2-40B4-BE49-F238E27FC236}">
+                <a16:creationId xmlns:a16="http://schemas.microsoft.com/office/drawing/2014/main" id="{E62B2377-5FE7-408F-8550-0286E4FF2C5F}"/>
               </a:ext>
             </a:extLst>
           </p:cNvPr>
@@ -3463,22 +3514,23 @@
         </p:nvSpPr>
         <p:spPr>
           <a:xfrm>
-            <a:off x="844941" y="2661800"/>
-            <a:ext cx="10644326" cy="3126441"/>
-          </a:xfrm>
-          <a:prstGeom prst="rect">
-            <a:avLst/>
-          </a:prstGeom>
-        </p:spPr>
-        <p:style>
-          <a:lnRef idx="2">
-            <a:schemeClr val="accent6"/>
-          </a:lnRef>
-          <a:fillRef idx="1">
-            <a:schemeClr val="lt1"/>
-          </a:fillRef>
-          <a:effectRef idx="0">
-            <a:schemeClr val="accent6"/>
+            <a:off x="4781848" y="4717781"/>
+            <a:ext cx="834312" cy="818585"/>
+          </a:xfrm>
+          <a:prstGeom prst="ellipse">
+            <a:avLst/>
+          </a:prstGeom>
+          <a:ln w="38100"/>
+        </p:spPr>
+        <p:style>
+          <a:lnRef idx="2">
+            <a:schemeClr val="dk1"/>
+          </a:lnRef>
+          <a:fillRef idx="1">
+            <a:schemeClr val="lt1"/>
+          </a:fillRef>
+          <a:effectRef idx="0">
+            <a:schemeClr val="dk1"/>
           </a:effectRef>
           <a:fontRef idx="minor">
             <a:schemeClr val="dk1"/>
@@ -3489,16 +3541,20 @@
           <a:lstStyle/>
           <a:p>
             <a:pPr algn="ctr"/>
+            <a:r>
+              <a:rPr lang="en-US" altLang="zh-CN" dirty="0"/>
+              <a:t>15</a:t>
+            </a:r>
             <a:endParaRPr lang="zh-CN" altLang="en-US" dirty="0"/>
           </a:p>
         </p:txBody>
       </p:sp>
       <p:sp>
         <p:nvSpPr>
-          <p:cNvPr id="5" name="矩形 4">
-            <a:extLst>
-              <a:ext uri="{FF2B5EF4-FFF2-40B4-BE49-F238E27FC236}">
-                <a16:creationId xmlns:a16="http://schemas.microsoft.com/office/drawing/2014/main" id="{D3D897B1-4F28-4913-9605-0F11B3D0EAD4}"/>
+          <p:cNvPr id="10" name="椭圆 9">
+            <a:extLst>
+              <a:ext uri="{FF2B5EF4-FFF2-40B4-BE49-F238E27FC236}">
+                <a16:creationId xmlns:a16="http://schemas.microsoft.com/office/drawing/2014/main" id="{15966527-8762-4815-88AA-67854EEDEFDB}"/>
               </a:ext>
             </a:extLst>
           </p:cNvPr>
@@ -3507,27 +3563,26 @@
         </p:nvSpPr>
         <p:spPr>
           <a:xfrm>
-            <a:off x="4226124" y="4793010"/>
-            <a:ext cx="2997615" cy="556988"/>
-          </a:xfrm>
-          <a:prstGeom prst="rect">
-            <a:avLst/>
-          </a:prstGeom>
-        </p:spPr>
-        <p:style>
-          <a:lnRef idx="2">
-            <a:schemeClr val="accent1">
-              <a:shade val="50000"/>
-            </a:schemeClr>
-          </a:lnRef>
-          <a:fillRef idx="1">
-            <a:schemeClr val="accent1"/>
-          </a:fillRef>
-          <a:effectRef idx="0">
-            <a:schemeClr val="accent1"/>
-          </a:effectRef>
-          <a:fontRef idx="minor">
-            <a:schemeClr val="lt1"/>
+            <a:off x="4791702" y="3579426"/>
+            <a:ext cx="834312" cy="818585"/>
+          </a:xfrm>
+          <a:prstGeom prst="ellipse">
+            <a:avLst/>
+          </a:prstGeom>
+          <a:ln w="38100"/>
+        </p:spPr>
+        <p:style>
+          <a:lnRef idx="2">
+            <a:schemeClr val="dk1"/>
+          </a:lnRef>
+          <a:fillRef idx="1">
+            <a:schemeClr val="lt1"/>
+          </a:fillRef>
+          <a:effectRef idx="0">
+            <a:schemeClr val="dk1"/>
+          </a:effectRef>
+          <a:fontRef idx="minor">
+            <a:schemeClr val="dk1"/>
           </a:fontRef>
         </p:style>
         <p:txBody>
@@ -3537,54 +3592,231 @@
             <a:pPr algn="ctr"/>
             <a:r>
               <a:rPr lang="en-US" altLang="zh-CN" dirty="0"/>
-              <a:t>Routing command processor </a:t>
+              <a:t>7</a:t>
             </a:r>
             <a:endParaRPr lang="zh-CN" altLang="en-US" dirty="0"/>
           </a:p>
         </p:txBody>
       </p:sp>
-      <p:sp>
-        <p:nvSpPr>
-          <p:cNvPr id="7" name="文本框 6">
-            <a:extLst>
-              <a:ext uri="{FF2B5EF4-FFF2-40B4-BE49-F238E27FC236}">
-                <a16:creationId xmlns:a16="http://schemas.microsoft.com/office/drawing/2014/main" id="{23FC44CC-61B5-48F9-A828-E5266467FEDD}"/>
-              </a:ext>
-            </a:extLst>
-          </p:cNvPr>
-          <p:cNvSpPr txBox="1"/>
+      <p:cxnSp>
+        <p:nvCxnSpPr>
+          <p:cNvPr id="11" name="直接连接符 10">
+            <a:extLst>
+              <a:ext uri="{FF2B5EF4-FFF2-40B4-BE49-F238E27FC236}">
+                <a16:creationId xmlns:a16="http://schemas.microsoft.com/office/drawing/2014/main" id="{E8822EC6-9585-4878-8F07-21DD18FEAE09}"/>
+              </a:ext>
+            </a:extLst>
+          </p:cNvPr>
+          <p:cNvCxnSpPr>
+            <a:cxnSpLocks/>
+            <a:stCxn id="9" idx="0"/>
+            <a:endCxn id="10" idx="4"/>
+          </p:cNvCxnSpPr>
+          <p:nvPr/>
+        </p:nvCxnSpPr>
+        <p:spPr>
+          <a:xfrm flipV="1">
+            <a:off x="5199004" y="4398011"/>
+            <a:ext cx="9854" cy="319770"/>
+          </a:xfrm>
+          <a:prstGeom prst="line">
+            <a:avLst/>
+          </a:prstGeom>
+          <a:ln w="38100"/>
+        </p:spPr>
+        <p:style>
+          <a:lnRef idx="2">
+            <a:schemeClr val="dk1"/>
+          </a:lnRef>
+          <a:fillRef idx="1">
+            <a:schemeClr val="lt1"/>
+          </a:fillRef>
+          <a:effectRef idx="0">
+            <a:schemeClr val="dk1"/>
+          </a:effectRef>
+          <a:fontRef idx="minor">
+            <a:schemeClr val="dk1"/>
+          </a:fontRef>
+        </p:style>
+      </p:cxnSp>
+      <p:cxnSp>
+        <p:nvCxnSpPr>
+          <p:cNvPr id="12" name="直接连接符 11">
+            <a:extLst>
+              <a:ext uri="{FF2B5EF4-FFF2-40B4-BE49-F238E27FC236}">
+                <a16:creationId xmlns:a16="http://schemas.microsoft.com/office/drawing/2014/main" id="{953405B9-68E9-40E7-884E-319BB78DBABF}"/>
+              </a:ext>
+            </a:extLst>
+          </p:cNvPr>
+          <p:cNvCxnSpPr>
+            <a:cxnSpLocks/>
+            <a:stCxn id="42" idx="0"/>
+            <a:endCxn id="8" idx="4"/>
+          </p:cNvCxnSpPr>
+          <p:nvPr/>
+        </p:nvCxnSpPr>
+        <p:spPr>
+          <a:xfrm flipV="1">
+            <a:off x="3781650" y="4386330"/>
+            <a:ext cx="0" cy="331451"/>
+          </a:xfrm>
+          <a:prstGeom prst="line">
+            <a:avLst/>
+          </a:prstGeom>
+          <a:ln w="38100"/>
+        </p:spPr>
+        <p:style>
+          <a:lnRef idx="2">
+            <a:schemeClr val="dk1"/>
+          </a:lnRef>
+          <a:fillRef idx="1">
+            <a:schemeClr val="lt1"/>
+          </a:fillRef>
+          <a:effectRef idx="0">
+            <a:schemeClr val="dk1"/>
+          </a:effectRef>
+          <a:fontRef idx="minor">
+            <a:schemeClr val="dk1"/>
+          </a:fontRef>
+        </p:style>
+      </p:cxnSp>
+      <p:cxnSp>
+        <p:nvCxnSpPr>
+          <p:cNvPr id="13" name="直接连接符 12">
+            <a:extLst>
+              <a:ext uri="{FF2B5EF4-FFF2-40B4-BE49-F238E27FC236}">
+                <a16:creationId xmlns:a16="http://schemas.microsoft.com/office/drawing/2014/main" id="{4EFEB6E5-5D0A-4378-8944-8FDAC11AD907}"/>
+              </a:ext>
+            </a:extLst>
+          </p:cNvPr>
+          <p:cNvCxnSpPr>
+            <a:cxnSpLocks/>
+            <a:stCxn id="9" idx="2"/>
+            <a:endCxn id="8" idx="6"/>
+          </p:cNvCxnSpPr>
+          <p:nvPr/>
+        </p:nvCxnSpPr>
+        <p:spPr>
+          <a:xfrm flipH="1" flipV="1">
+            <a:off x="4198806" y="3977038"/>
+            <a:ext cx="583042" cy="1150036"/>
+          </a:xfrm>
+          <a:prstGeom prst="line">
+            <a:avLst/>
+          </a:prstGeom>
+          <a:ln w="38100"/>
+        </p:spPr>
+        <p:style>
+          <a:lnRef idx="2">
+            <a:schemeClr val="dk1"/>
+          </a:lnRef>
+          <a:fillRef idx="1">
+            <a:schemeClr val="lt1"/>
+          </a:fillRef>
+          <a:effectRef idx="0">
+            <a:schemeClr val="dk1"/>
+          </a:effectRef>
+          <a:fontRef idx="minor">
+            <a:schemeClr val="dk1"/>
+          </a:fontRef>
+        </p:style>
+      </p:cxnSp>
+      <p:sp>
+        <p:nvSpPr>
+          <p:cNvPr id="42" name="椭圆 41">
+            <a:extLst>
+              <a:ext uri="{FF2B5EF4-FFF2-40B4-BE49-F238E27FC236}">
+                <a16:creationId xmlns:a16="http://schemas.microsoft.com/office/drawing/2014/main" id="{D6D6623C-D3D5-4B71-B1F7-813C5B181048}"/>
+              </a:ext>
+            </a:extLst>
+          </p:cNvPr>
+          <p:cNvSpPr/>
           <p:nvPr/>
         </p:nvSpPr>
         <p:spPr>
           <a:xfrm>
-            <a:off x="5902254" y="2290421"/>
-            <a:ext cx="1053494" cy="369332"/>
-          </a:xfrm>
-          <a:prstGeom prst="rect">
-            <a:avLst/>
-          </a:prstGeom>
-          <a:noFill/>
-        </p:spPr>
-        <p:txBody>
-          <a:bodyPr wrap="none" rtlCol="0">
-            <a:spAutoFit/>
-          </a:bodyPr>
-          <a:lstStyle/>
-          <a:p>
+            <a:off x="3364494" y="4717781"/>
+            <a:ext cx="834312" cy="818585"/>
+          </a:xfrm>
+          <a:prstGeom prst="ellipse">
+            <a:avLst/>
+          </a:prstGeom>
+          <a:ln w="38100"/>
+        </p:spPr>
+        <p:style>
+          <a:lnRef idx="2">
+            <a:schemeClr val="dk1"/>
+          </a:lnRef>
+          <a:fillRef idx="1">
+            <a:schemeClr val="lt1"/>
+          </a:fillRef>
+          <a:effectRef idx="0">
+            <a:schemeClr val="dk1"/>
+          </a:effectRef>
+          <a:fontRef idx="minor">
+            <a:schemeClr val="dk1"/>
+          </a:fontRef>
+        </p:style>
+        <p:txBody>
+          <a:bodyPr rtlCol="0" anchor="ctr"/>
+          <a:lstStyle/>
+          <a:p>
+            <a:pPr algn="ctr"/>
             <a:r>
               <a:rPr lang="en-US" altLang="zh-CN" dirty="0"/>
-              <a:t>message</a:t>
+              <a:t>14</a:t>
             </a:r>
             <a:endParaRPr lang="zh-CN" altLang="en-US" dirty="0"/>
           </a:p>
         </p:txBody>
       </p:sp>
-      <p:sp>
-        <p:nvSpPr>
-          <p:cNvPr id="8" name="矩形 7">
-            <a:extLst>
-              <a:ext uri="{FF2B5EF4-FFF2-40B4-BE49-F238E27FC236}">
-                <a16:creationId xmlns:a16="http://schemas.microsoft.com/office/drawing/2014/main" id="{A6C2DB94-9DFA-4E47-A700-016BCB4BA960}"/>
+      <p:cxnSp>
+        <p:nvCxnSpPr>
+          <p:cNvPr id="43" name="直接连接符 42">
+            <a:extLst>
+              <a:ext uri="{FF2B5EF4-FFF2-40B4-BE49-F238E27FC236}">
+                <a16:creationId xmlns:a16="http://schemas.microsoft.com/office/drawing/2014/main" id="{26921F3E-8F67-400F-B28D-918B6FC32D09}"/>
+              </a:ext>
+            </a:extLst>
+          </p:cNvPr>
+          <p:cNvCxnSpPr>
+            <a:cxnSpLocks/>
+            <a:stCxn id="10" idx="2"/>
+            <a:endCxn id="42" idx="6"/>
+          </p:cNvCxnSpPr>
+          <p:nvPr/>
+        </p:nvCxnSpPr>
+        <p:spPr>
+          <a:xfrm flipH="1">
+            <a:off x="4198806" y="3988719"/>
+            <a:ext cx="592896" cy="1138355"/>
+          </a:xfrm>
+          <a:prstGeom prst="line">
+            <a:avLst/>
+          </a:prstGeom>
+          <a:ln w="38100"/>
+        </p:spPr>
+        <p:style>
+          <a:lnRef idx="2">
+            <a:schemeClr val="dk1"/>
+          </a:lnRef>
+          <a:fillRef idx="1">
+            <a:schemeClr val="lt1"/>
+          </a:fillRef>
+          <a:effectRef idx="0">
+            <a:schemeClr val="dk1"/>
+          </a:effectRef>
+          <a:fontRef idx="minor">
+            <a:schemeClr val="dk1"/>
+          </a:fontRef>
+        </p:style>
+      </p:cxnSp>
+      <p:sp>
+        <p:nvSpPr>
+          <p:cNvPr id="97" name="椭圆 96">
+            <a:extLst>
+              <a:ext uri="{FF2B5EF4-FFF2-40B4-BE49-F238E27FC236}">
+                <a16:creationId xmlns:a16="http://schemas.microsoft.com/office/drawing/2014/main" id="{05849583-F7ED-4349-B86E-72BE53637397}"/>
               </a:ext>
             </a:extLst>
           </p:cNvPr>
@@ -3593,27 +3825,26 @@
         </p:nvSpPr>
         <p:spPr>
           <a:xfrm>
-            <a:off x="4770347" y="2822959"/>
-            <a:ext cx="2007831" cy="535762"/>
-          </a:xfrm>
-          <a:prstGeom prst="rect">
-            <a:avLst/>
-          </a:prstGeom>
-        </p:spPr>
-        <p:style>
-          <a:lnRef idx="2">
-            <a:schemeClr val="accent1">
-              <a:shade val="50000"/>
-            </a:schemeClr>
-          </a:lnRef>
-          <a:fillRef idx="1">
-            <a:schemeClr val="accent1"/>
-          </a:fillRef>
-          <a:effectRef idx="0">
-            <a:schemeClr val="accent1"/>
-          </a:effectRef>
-          <a:fontRef idx="minor">
-            <a:schemeClr val="lt1"/>
+            <a:off x="2112280" y="1601165"/>
+            <a:ext cx="834312" cy="818585"/>
+          </a:xfrm>
+          <a:prstGeom prst="ellipse">
+            <a:avLst/>
+          </a:prstGeom>
+          <a:ln w="38100"/>
+        </p:spPr>
+        <p:style>
+          <a:lnRef idx="2">
+            <a:schemeClr val="dk1"/>
+          </a:lnRef>
+          <a:fillRef idx="1">
+            <a:schemeClr val="lt1"/>
+          </a:fillRef>
+          <a:effectRef idx="0">
+            <a:schemeClr val="dk1"/>
+          </a:effectRef>
+          <a:fontRef idx="minor">
+            <a:schemeClr val="dk1"/>
           </a:fontRef>
         </p:style>
         <p:txBody>
@@ -3622,8 +3853,8 @@
           <a:p>
             <a:pPr algn="ctr"/>
             <a:r>
-              <a:rPr lang="en-US" altLang="zh-CN" dirty="0" err="1"/>
-              <a:t>MessageAgent</a:t>
+              <a:rPr lang="en-US" altLang="zh-CN" dirty="0"/>
+              <a:t>0</a:t>
             </a:r>
             <a:endParaRPr lang="zh-CN" altLang="en-US" dirty="0"/>
           </a:p>
@@ -3631,10 +3862,10 @@
       </p:sp>
       <p:sp>
         <p:nvSpPr>
-          <p:cNvPr id="6" name="箭头: 右 5">
-            <a:extLst>
-              <a:ext uri="{FF2B5EF4-FFF2-40B4-BE49-F238E27FC236}">
-                <a16:creationId xmlns:a16="http://schemas.microsoft.com/office/drawing/2014/main" id="{AFABD06F-FE3C-44CB-A355-AF185771326E}"/>
+          <p:cNvPr id="103" name="椭圆 102">
+            <a:extLst>
+              <a:ext uri="{FF2B5EF4-FFF2-40B4-BE49-F238E27FC236}">
+                <a16:creationId xmlns:a16="http://schemas.microsoft.com/office/drawing/2014/main" id="{F73040EE-69AB-4FAC-99F1-6A79CDFEF56B}"/>
               </a:ext>
             </a:extLst>
           </p:cNvPr>
@@ -3642,28 +3873,27 @@
           <p:nvPr/>
         </p:nvSpPr>
         <p:spPr>
-          <a:xfrm rot="5400000">
-            <a:off x="5330278" y="2442053"/>
-            <a:ext cx="673434" cy="470517"/>
-          </a:xfrm>
-          <a:prstGeom prst="rightArrow">
-            <a:avLst/>
-          </a:prstGeom>
-        </p:spPr>
-        <p:style>
-          <a:lnRef idx="2">
-            <a:schemeClr val="accent2">
-              <a:shade val="50000"/>
-            </a:schemeClr>
-          </a:lnRef>
-          <a:fillRef idx="1">
-            <a:schemeClr val="accent2"/>
-          </a:fillRef>
-          <a:effectRef idx="0">
-            <a:schemeClr val="accent2"/>
-          </a:effectRef>
-          <a:fontRef idx="minor">
-            <a:schemeClr val="lt1"/>
+          <a:xfrm>
+            <a:off x="4612999" y="1441281"/>
+            <a:ext cx="834312" cy="818585"/>
+          </a:xfrm>
+          <a:prstGeom prst="ellipse">
+            <a:avLst/>
+          </a:prstGeom>
+          <a:ln w="38100"/>
+        </p:spPr>
+        <p:style>
+          <a:lnRef idx="2">
+            <a:schemeClr val="dk1"/>
+          </a:lnRef>
+          <a:fillRef idx="1">
+            <a:schemeClr val="lt1"/>
+          </a:fillRef>
+          <a:effectRef idx="0">
+            <a:schemeClr val="dk1"/>
+          </a:effectRef>
+          <a:fontRef idx="minor">
+            <a:schemeClr val="dk1"/>
           </a:fontRef>
         </p:style>
         <p:txBody>
@@ -3671,16 +3901,20 @@
           <a:lstStyle/>
           <a:p>
             <a:pPr algn="ctr"/>
-            <a:endParaRPr lang="zh-CN" altLang="en-US"/>
-          </a:p>
-        </p:txBody>
-      </p:sp>
-      <p:sp>
-        <p:nvSpPr>
-          <p:cNvPr id="9" name="箭头: 右 8">
-            <a:extLst>
-              <a:ext uri="{FF2B5EF4-FFF2-40B4-BE49-F238E27FC236}">
-                <a16:creationId xmlns:a16="http://schemas.microsoft.com/office/drawing/2014/main" id="{2F585151-A179-46E0-9CC1-346AE0024840}"/>
+            <a:r>
+              <a:rPr lang="en-US" altLang="zh-CN" dirty="0"/>
+              <a:t>1</a:t>
+            </a:r>
+            <a:endParaRPr lang="zh-CN" altLang="en-US" dirty="0"/>
+          </a:p>
+        </p:txBody>
+      </p:sp>
+      <p:sp>
+        <p:nvSpPr>
+          <p:cNvPr id="116" name="椭圆 115">
+            <a:extLst>
+              <a:ext uri="{FF2B5EF4-FFF2-40B4-BE49-F238E27FC236}">
+                <a16:creationId xmlns:a16="http://schemas.microsoft.com/office/drawing/2014/main" id="{277F45B3-4E19-4D56-B4F5-6BDAE9D65631}"/>
               </a:ext>
             </a:extLst>
           </p:cNvPr>
@@ -3688,28 +3922,27 @@
           <p:nvPr/>
         </p:nvSpPr>
         <p:spPr>
-          <a:xfrm rot="5400000">
-            <a:off x="5024645" y="3757857"/>
-            <a:ext cx="1299811" cy="470517"/>
-          </a:xfrm>
-          <a:prstGeom prst="rightArrow">
-            <a:avLst/>
-          </a:prstGeom>
-        </p:spPr>
-        <p:style>
-          <a:lnRef idx="2">
-            <a:schemeClr val="accent2">
-              <a:shade val="50000"/>
-            </a:schemeClr>
-          </a:lnRef>
-          <a:fillRef idx="1">
-            <a:schemeClr val="accent2"/>
-          </a:fillRef>
-          <a:effectRef idx="0">
-            <a:schemeClr val="accent2"/>
-          </a:effectRef>
-          <a:fontRef idx="minor">
-            <a:schemeClr val="lt1"/>
+          <a:xfrm>
+            <a:off x="443353" y="3618852"/>
+            <a:ext cx="834312" cy="818585"/>
+          </a:xfrm>
+          <a:prstGeom prst="ellipse">
+            <a:avLst/>
+          </a:prstGeom>
+          <a:ln w="38100"/>
+        </p:spPr>
+        <p:style>
+          <a:lnRef idx="2">
+            <a:schemeClr val="dk1"/>
+          </a:lnRef>
+          <a:fillRef idx="1">
+            <a:schemeClr val="lt1"/>
+          </a:fillRef>
+          <a:effectRef idx="0">
+            <a:schemeClr val="dk1"/>
+          </a:effectRef>
+          <a:fontRef idx="minor">
+            <a:schemeClr val="dk1"/>
           </a:fontRef>
         </p:style>
         <p:txBody>
@@ -3717,41 +3950,58 @@
           <a:lstStyle/>
           <a:p>
             <a:pPr algn="ctr"/>
-            <a:endParaRPr lang="zh-CN" altLang="en-US"/>
-          </a:p>
-        </p:txBody>
-      </p:sp>
-      <p:sp>
-        <p:nvSpPr>
-          <p:cNvPr id="10" name="文本框 9">
-            <a:extLst>
-              <a:ext uri="{FF2B5EF4-FFF2-40B4-BE49-F238E27FC236}">
-                <a16:creationId xmlns:a16="http://schemas.microsoft.com/office/drawing/2014/main" id="{F34AEDBD-6E79-4E09-A697-32C6CCA48809}"/>
-              </a:ext>
-            </a:extLst>
-          </p:cNvPr>
-          <p:cNvSpPr txBox="1"/>
+            <a:r>
+              <a:rPr lang="en-US" altLang="zh-CN" dirty="0"/>
+              <a:t>4</a:t>
+            </a:r>
+            <a:endParaRPr lang="zh-CN" altLang="en-US" dirty="0"/>
+          </a:p>
+        </p:txBody>
+      </p:sp>
+      <p:sp>
+        <p:nvSpPr>
+          <p:cNvPr id="117" name="椭圆 116">
+            <a:extLst>
+              <a:ext uri="{FF2B5EF4-FFF2-40B4-BE49-F238E27FC236}">
+                <a16:creationId xmlns:a16="http://schemas.microsoft.com/office/drawing/2014/main" id="{E4977E2A-8A1C-495A-A324-EE70B11C8B4E}"/>
+              </a:ext>
+            </a:extLst>
+          </p:cNvPr>
+          <p:cNvSpPr/>
           <p:nvPr/>
         </p:nvSpPr>
         <p:spPr>
           <a:xfrm>
-            <a:off x="4471136" y="4089198"/>
-            <a:ext cx="2307042" cy="369332"/>
-          </a:xfrm>
-          <a:prstGeom prst="rect">
-            <a:avLst/>
-          </a:prstGeom>
-          <a:noFill/>
-        </p:spPr>
-        <p:txBody>
-          <a:bodyPr wrap="none" rtlCol="0">
-            <a:spAutoFit/>
-          </a:bodyPr>
-          <a:lstStyle/>
-          <a:p>
+            <a:off x="1885738" y="4717781"/>
+            <a:ext cx="834312" cy="818585"/>
+          </a:xfrm>
+          <a:prstGeom prst="ellipse">
+            <a:avLst/>
+          </a:prstGeom>
+          <a:ln w="38100"/>
+        </p:spPr>
+        <p:style>
+          <a:lnRef idx="2">
+            <a:schemeClr val="dk1"/>
+          </a:lnRef>
+          <a:fillRef idx="1">
+            <a:schemeClr val="lt1"/>
+          </a:fillRef>
+          <a:effectRef idx="0">
+            <a:schemeClr val="dk1"/>
+          </a:effectRef>
+          <a:fontRef idx="minor">
+            <a:schemeClr val="dk1"/>
+          </a:fontRef>
+        </p:style>
+        <p:txBody>
+          <a:bodyPr rtlCol="0" anchor="ctr"/>
+          <a:lstStyle/>
+          <a:p>
+            <a:pPr algn="ctr"/>
             <a:r>
               <a:rPr lang="en-US" altLang="zh-CN" dirty="0"/>
-              <a:t>FIB update command</a:t>
+              <a:t>13</a:t>
             </a:r>
             <a:endParaRPr lang="zh-CN" altLang="en-US" dirty="0"/>
           </a:p>
@@ -3759,10 +4009,10 @@
       </p:sp>
       <p:sp>
         <p:nvSpPr>
-          <p:cNvPr id="15" name="箭头: 右 14">
-            <a:extLst>
-              <a:ext uri="{FF2B5EF4-FFF2-40B4-BE49-F238E27FC236}">
-                <a16:creationId xmlns:a16="http://schemas.microsoft.com/office/drawing/2014/main" id="{07AD1ED3-A9F9-4AB0-8CF3-F0CDF5D120F7}"/>
+          <p:cNvPr id="118" name="椭圆 117">
+            <a:extLst>
+              <a:ext uri="{FF2B5EF4-FFF2-40B4-BE49-F238E27FC236}">
+                <a16:creationId xmlns:a16="http://schemas.microsoft.com/office/drawing/2014/main" id="{2C6D59D9-50D3-4B9E-9CE0-FDE974615B93}"/>
               </a:ext>
             </a:extLst>
           </p:cNvPr>
@@ -3770,28 +4020,27 @@
           <p:nvPr/>
         </p:nvSpPr>
         <p:spPr>
-          <a:xfrm rot="8426562">
-            <a:off x="1909336" y="3481173"/>
-            <a:ext cx="2716749" cy="470517"/>
-          </a:xfrm>
-          <a:prstGeom prst="rightArrow">
-            <a:avLst/>
-          </a:prstGeom>
-        </p:spPr>
-        <p:style>
-          <a:lnRef idx="2">
-            <a:schemeClr val="accent2">
-              <a:shade val="50000"/>
-            </a:schemeClr>
-          </a:lnRef>
-          <a:fillRef idx="1">
-            <a:schemeClr val="accent2"/>
-          </a:fillRef>
-          <a:effectRef idx="0">
-            <a:schemeClr val="accent2"/>
-          </a:effectRef>
-          <a:fontRef idx="minor">
-            <a:schemeClr val="lt1"/>
+          <a:xfrm>
+            <a:off x="1895592" y="3579426"/>
+            <a:ext cx="834312" cy="818585"/>
+          </a:xfrm>
+          <a:prstGeom prst="ellipse">
+            <a:avLst/>
+          </a:prstGeom>
+          <a:ln w="38100"/>
+        </p:spPr>
+        <p:style>
+          <a:lnRef idx="2">
+            <a:schemeClr val="dk1"/>
+          </a:lnRef>
+          <a:fillRef idx="1">
+            <a:schemeClr val="lt1"/>
+          </a:fillRef>
+          <a:effectRef idx="0">
+            <a:schemeClr val="dk1"/>
+          </a:effectRef>
+          <a:fontRef idx="minor">
+            <a:schemeClr val="dk1"/>
           </a:fontRef>
         </p:style>
         <p:txBody>
@@ -3799,16 +4048,143 @@
           <a:lstStyle/>
           <a:p>
             <a:pPr algn="ctr"/>
-            <a:endParaRPr lang="zh-CN" altLang="en-US"/>
-          </a:p>
-        </p:txBody>
-      </p:sp>
-      <p:sp>
-        <p:nvSpPr>
-          <p:cNvPr id="17" name="矩形 16">
-            <a:extLst>
-              <a:ext uri="{FF2B5EF4-FFF2-40B4-BE49-F238E27FC236}">
-                <a16:creationId xmlns:a16="http://schemas.microsoft.com/office/drawing/2014/main" id="{2A017AB5-B7FD-407D-B7D6-CC3CD80B42E4}"/>
+            <a:r>
+              <a:rPr lang="en-US" altLang="zh-CN" dirty="0"/>
+              <a:t>5</a:t>
+            </a:r>
+            <a:endParaRPr lang="zh-CN" altLang="en-US" dirty="0"/>
+          </a:p>
+        </p:txBody>
+      </p:sp>
+      <p:cxnSp>
+        <p:nvCxnSpPr>
+          <p:cNvPr id="119" name="直接连接符 118">
+            <a:extLst>
+              <a:ext uri="{FF2B5EF4-FFF2-40B4-BE49-F238E27FC236}">
+                <a16:creationId xmlns:a16="http://schemas.microsoft.com/office/drawing/2014/main" id="{51AAEB29-32CC-4C77-9F33-55CCD07AC0C9}"/>
+              </a:ext>
+            </a:extLst>
+          </p:cNvPr>
+          <p:cNvCxnSpPr>
+            <a:cxnSpLocks/>
+            <a:stCxn id="117" idx="0"/>
+            <a:endCxn id="118" idx="4"/>
+          </p:cNvCxnSpPr>
+          <p:nvPr/>
+        </p:nvCxnSpPr>
+        <p:spPr>
+          <a:xfrm flipV="1">
+            <a:off x="2302894" y="4398011"/>
+            <a:ext cx="9854" cy="319770"/>
+          </a:xfrm>
+          <a:prstGeom prst="line">
+            <a:avLst/>
+          </a:prstGeom>
+          <a:ln w="38100"/>
+        </p:spPr>
+        <p:style>
+          <a:lnRef idx="2">
+            <a:schemeClr val="dk1"/>
+          </a:lnRef>
+          <a:fillRef idx="1">
+            <a:schemeClr val="lt1"/>
+          </a:fillRef>
+          <a:effectRef idx="0">
+            <a:schemeClr val="dk1"/>
+          </a:effectRef>
+          <a:fontRef idx="minor">
+            <a:schemeClr val="dk1"/>
+          </a:fontRef>
+        </p:style>
+      </p:cxnSp>
+      <p:cxnSp>
+        <p:nvCxnSpPr>
+          <p:cNvPr id="120" name="直接连接符 119">
+            <a:extLst>
+              <a:ext uri="{FF2B5EF4-FFF2-40B4-BE49-F238E27FC236}">
+                <a16:creationId xmlns:a16="http://schemas.microsoft.com/office/drawing/2014/main" id="{B8BF4F0A-D6DA-4796-93FE-FC9B4B92623B}"/>
+              </a:ext>
+            </a:extLst>
+          </p:cNvPr>
+          <p:cNvCxnSpPr>
+            <a:cxnSpLocks/>
+            <a:stCxn id="123" idx="0"/>
+            <a:endCxn id="116" idx="4"/>
+          </p:cNvCxnSpPr>
+          <p:nvPr/>
+        </p:nvCxnSpPr>
+        <p:spPr>
+          <a:xfrm flipV="1">
+            <a:off x="860509" y="4437437"/>
+            <a:ext cx="0" cy="331451"/>
+          </a:xfrm>
+          <a:prstGeom prst="line">
+            <a:avLst/>
+          </a:prstGeom>
+          <a:ln w="38100"/>
+        </p:spPr>
+        <p:style>
+          <a:lnRef idx="2">
+            <a:schemeClr val="dk1"/>
+          </a:lnRef>
+          <a:fillRef idx="1">
+            <a:schemeClr val="lt1"/>
+          </a:fillRef>
+          <a:effectRef idx="0">
+            <a:schemeClr val="dk1"/>
+          </a:effectRef>
+          <a:fontRef idx="minor">
+            <a:schemeClr val="dk1"/>
+          </a:fontRef>
+        </p:style>
+      </p:cxnSp>
+      <p:cxnSp>
+        <p:nvCxnSpPr>
+          <p:cNvPr id="121" name="直接连接符 120">
+            <a:extLst>
+              <a:ext uri="{FF2B5EF4-FFF2-40B4-BE49-F238E27FC236}">
+                <a16:creationId xmlns:a16="http://schemas.microsoft.com/office/drawing/2014/main" id="{BA853F07-6576-4A71-951B-6A00BB754615}"/>
+              </a:ext>
+            </a:extLst>
+          </p:cNvPr>
+          <p:cNvCxnSpPr>
+            <a:cxnSpLocks/>
+            <a:stCxn id="117" idx="2"/>
+            <a:endCxn id="116" idx="6"/>
+          </p:cNvCxnSpPr>
+          <p:nvPr/>
+        </p:nvCxnSpPr>
+        <p:spPr>
+          <a:xfrm flipH="1" flipV="1">
+            <a:off x="1277665" y="4028145"/>
+            <a:ext cx="608073" cy="1098929"/>
+          </a:xfrm>
+          <a:prstGeom prst="line">
+            <a:avLst/>
+          </a:prstGeom>
+          <a:ln w="38100"/>
+        </p:spPr>
+        <p:style>
+          <a:lnRef idx="2">
+            <a:schemeClr val="dk1"/>
+          </a:lnRef>
+          <a:fillRef idx="1">
+            <a:schemeClr val="lt1"/>
+          </a:fillRef>
+          <a:effectRef idx="0">
+            <a:schemeClr val="dk1"/>
+          </a:effectRef>
+          <a:fontRef idx="minor">
+            <a:schemeClr val="dk1"/>
+          </a:fontRef>
+        </p:style>
+      </p:cxnSp>
+      <p:sp>
+        <p:nvSpPr>
+          <p:cNvPr id="123" name="椭圆 122">
+            <a:extLst>
+              <a:ext uri="{FF2B5EF4-FFF2-40B4-BE49-F238E27FC236}">
+                <a16:creationId xmlns:a16="http://schemas.microsoft.com/office/drawing/2014/main" id="{9277894C-66DA-449B-87B0-FFF2950E101D}"/>
               </a:ext>
             </a:extLst>
           </p:cNvPr>
@@ -3817,27 +4193,26 @@
         </p:nvSpPr>
         <p:spPr>
           <a:xfrm>
-            <a:off x="1676288" y="4779781"/>
-            <a:ext cx="2007831" cy="535762"/>
-          </a:xfrm>
-          <a:prstGeom prst="rect">
-            <a:avLst/>
-          </a:prstGeom>
-        </p:spPr>
-        <p:style>
-          <a:lnRef idx="2">
-            <a:schemeClr val="accent1">
-              <a:shade val="50000"/>
-            </a:schemeClr>
-          </a:lnRef>
-          <a:fillRef idx="1">
-            <a:schemeClr val="accent1"/>
-          </a:fillRef>
-          <a:effectRef idx="0">
-            <a:schemeClr val="accent1"/>
-          </a:effectRef>
-          <a:fontRef idx="minor">
-            <a:schemeClr val="lt1"/>
+            <a:off x="443353" y="4768888"/>
+            <a:ext cx="834312" cy="818585"/>
+          </a:xfrm>
+          <a:prstGeom prst="ellipse">
+            <a:avLst/>
+          </a:prstGeom>
+          <a:ln w="38100"/>
+        </p:spPr>
+        <p:style>
+          <a:lnRef idx="2">
+            <a:schemeClr val="dk1"/>
+          </a:lnRef>
+          <a:fillRef idx="1">
+            <a:schemeClr val="lt1"/>
+          </a:fillRef>
+          <a:effectRef idx="0">
+            <a:schemeClr val="dk1"/>
+          </a:effectRef>
+          <a:fontRef idx="minor">
+            <a:schemeClr val="dk1"/>
           </a:fontRef>
         </p:style>
         <p:txBody>
@@ -3847,18 +4222,182 @@
             <a:pPr algn="ctr"/>
             <a:r>
               <a:rPr lang="en-US" altLang="zh-CN" dirty="0"/>
-              <a:t>network States Manager</a:t>
+              <a:t>12</a:t>
             </a:r>
             <a:endParaRPr lang="zh-CN" altLang="en-US" dirty="0"/>
           </a:p>
         </p:txBody>
       </p:sp>
-      <p:sp>
-        <p:nvSpPr>
-          <p:cNvPr id="22" name="箭头: 右 21">
-            <a:extLst>
-              <a:ext uri="{FF2B5EF4-FFF2-40B4-BE49-F238E27FC236}">
-                <a16:creationId xmlns:a16="http://schemas.microsoft.com/office/drawing/2014/main" id="{1D2DE9E9-CF05-4E33-B5DE-8B46427E9E87}"/>
+      <p:cxnSp>
+        <p:nvCxnSpPr>
+          <p:cNvPr id="124" name="直接连接符 123">
+            <a:extLst>
+              <a:ext uri="{FF2B5EF4-FFF2-40B4-BE49-F238E27FC236}">
+                <a16:creationId xmlns:a16="http://schemas.microsoft.com/office/drawing/2014/main" id="{F05E685A-8050-4A84-8D76-7922FAEB91C1}"/>
+              </a:ext>
+            </a:extLst>
+          </p:cNvPr>
+          <p:cNvCxnSpPr>
+            <a:cxnSpLocks/>
+            <a:stCxn id="118" idx="2"/>
+            <a:endCxn id="123" idx="6"/>
+          </p:cNvCxnSpPr>
+          <p:nvPr/>
+        </p:nvCxnSpPr>
+        <p:spPr>
+          <a:xfrm flipH="1">
+            <a:off x="1277665" y="3988719"/>
+            <a:ext cx="617927" cy="1189462"/>
+          </a:xfrm>
+          <a:prstGeom prst="line">
+            <a:avLst/>
+          </a:prstGeom>
+          <a:ln w="38100"/>
+        </p:spPr>
+        <p:style>
+          <a:lnRef idx="2">
+            <a:schemeClr val="dk1"/>
+          </a:lnRef>
+          <a:fillRef idx="1">
+            <a:schemeClr val="lt1"/>
+          </a:fillRef>
+          <a:effectRef idx="0">
+            <a:schemeClr val="dk1"/>
+          </a:effectRef>
+          <a:fontRef idx="minor">
+            <a:schemeClr val="dk1"/>
+          </a:fontRef>
+        </p:style>
+      </p:cxnSp>
+      <p:cxnSp>
+        <p:nvCxnSpPr>
+          <p:cNvPr id="126" name="直接连接符 125">
+            <a:extLst>
+              <a:ext uri="{FF2B5EF4-FFF2-40B4-BE49-F238E27FC236}">
+                <a16:creationId xmlns:a16="http://schemas.microsoft.com/office/drawing/2014/main" id="{A97BF71B-FAC3-4E5E-A0B2-2237E5688361}"/>
+              </a:ext>
+            </a:extLst>
+          </p:cNvPr>
+          <p:cNvCxnSpPr>
+            <a:cxnSpLocks/>
+            <a:stCxn id="116" idx="0"/>
+            <a:endCxn id="97" idx="4"/>
+          </p:cNvCxnSpPr>
+          <p:nvPr/>
+        </p:nvCxnSpPr>
+        <p:spPr>
+          <a:xfrm flipV="1">
+            <a:off x="860509" y="2419750"/>
+            <a:ext cx="1668927" cy="1199102"/>
+          </a:xfrm>
+          <a:prstGeom prst="line">
+            <a:avLst/>
+          </a:prstGeom>
+          <a:ln w="38100"/>
+        </p:spPr>
+        <p:style>
+          <a:lnRef idx="2">
+            <a:schemeClr val="dk1"/>
+          </a:lnRef>
+          <a:fillRef idx="1">
+            <a:schemeClr val="lt1"/>
+          </a:fillRef>
+          <a:effectRef idx="0">
+            <a:schemeClr val="dk1"/>
+          </a:effectRef>
+          <a:fontRef idx="minor">
+            <a:schemeClr val="dk1"/>
+          </a:fontRef>
+        </p:style>
+      </p:cxnSp>
+      <p:cxnSp>
+        <p:nvCxnSpPr>
+          <p:cNvPr id="149" name="直接连接符 148">
+            <a:extLst>
+              <a:ext uri="{FF2B5EF4-FFF2-40B4-BE49-F238E27FC236}">
+                <a16:creationId xmlns:a16="http://schemas.microsoft.com/office/drawing/2014/main" id="{64CE883E-6481-4493-B2BB-77B1A7CD62D7}"/>
+              </a:ext>
+            </a:extLst>
+          </p:cNvPr>
+          <p:cNvCxnSpPr>
+            <a:cxnSpLocks/>
+            <a:stCxn id="116" idx="0"/>
+            <a:endCxn id="103" idx="4"/>
+          </p:cNvCxnSpPr>
+          <p:nvPr/>
+        </p:nvCxnSpPr>
+        <p:spPr>
+          <a:xfrm flipV="1">
+            <a:off x="860509" y="2259866"/>
+            <a:ext cx="4169646" cy="1358986"/>
+          </a:xfrm>
+          <a:prstGeom prst="line">
+            <a:avLst/>
+          </a:prstGeom>
+          <a:ln w="38100"/>
+        </p:spPr>
+        <p:style>
+          <a:lnRef idx="2">
+            <a:schemeClr val="dk1"/>
+          </a:lnRef>
+          <a:fillRef idx="1">
+            <a:schemeClr val="lt1"/>
+          </a:fillRef>
+          <a:effectRef idx="0">
+            <a:schemeClr val="dk1"/>
+          </a:effectRef>
+          <a:fontRef idx="minor">
+            <a:schemeClr val="dk1"/>
+          </a:fontRef>
+        </p:style>
+      </p:cxnSp>
+      <p:cxnSp>
+        <p:nvCxnSpPr>
+          <p:cNvPr id="158" name="直接连接符 157">
+            <a:extLst>
+              <a:ext uri="{FF2B5EF4-FFF2-40B4-BE49-F238E27FC236}">
+                <a16:creationId xmlns:a16="http://schemas.microsoft.com/office/drawing/2014/main" id="{F96F5B71-5750-416D-83B8-EA8FD3FBC80F}"/>
+              </a:ext>
+            </a:extLst>
+          </p:cNvPr>
+          <p:cNvCxnSpPr>
+            <a:cxnSpLocks/>
+            <a:stCxn id="118" idx="0"/>
+            <a:endCxn id="100" idx="4"/>
+          </p:cNvCxnSpPr>
+          <p:nvPr/>
+        </p:nvCxnSpPr>
+        <p:spPr>
+          <a:xfrm flipV="1">
+            <a:off x="2312748" y="2259865"/>
+            <a:ext cx="4823552" cy="1319561"/>
+          </a:xfrm>
+          <a:prstGeom prst="line">
+            <a:avLst/>
+          </a:prstGeom>
+          <a:ln w="38100"/>
+        </p:spPr>
+        <p:style>
+          <a:lnRef idx="2">
+            <a:schemeClr val="dk1"/>
+          </a:lnRef>
+          <a:fillRef idx="1">
+            <a:schemeClr val="lt1"/>
+          </a:fillRef>
+          <a:effectRef idx="0">
+            <a:schemeClr val="dk1"/>
+          </a:effectRef>
+          <a:fontRef idx="minor">
+            <a:schemeClr val="dk1"/>
+          </a:fontRef>
+        </p:style>
+      </p:cxnSp>
+      <p:sp>
+        <p:nvSpPr>
+          <p:cNvPr id="91" name="椭圆 90">
+            <a:extLst>
+              <a:ext uri="{FF2B5EF4-FFF2-40B4-BE49-F238E27FC236}">
+                <a16:creationId xmlns:a16="http://schemas.microsoft.com/office/drawing/2014/main" id="{5E2585AF-ED94-4CC2-B026-80CAC705ABE1}"/>
               </a:ext>
             </a:extLst>
           </p:cNvPr>
@@ -3866,28 +4405,27 @@
           <p:nvPr/>
         </p:nvSpPr>
         <p:spPr>
-          <a:xfrm rot="5400000">
-            <a:off x="5151452" y="5659063"/>
-            <a:ext cx="1046195" cy="470517"/>
-          </a:xfrm>
-          <a:prstGeom prst="rightArrow">
-            <a:avLst/>
-          </a:prstGeom>
-        </p:spPr>
-        <p:style>
-          <a:lnRef idx="2">
-            <a:schemeClr val="accent2">
-              <a:shade val="50000"/>
-            </a:schemeClr>
-          </a:lnRef>
-          <a:fillRef idx="1">
-            <a:schemeClr val="accent2"/>
-          </a:fillRef>
-          <a:effectRef idx="0">
-            <a:schemeClr val="accent2"/>
-          </a:effectRef>
-          <a:fontRef idx="minor">
-            <a:schemeClr val="lt1"/>
+          <a:xfrm>
+            <a:off x="6165898" y="3553235"/>
+            <a:ext cx="834312" cy="818585"/>
+          </a:xfrm>
+          <a:prstGeom prst="ellipse">
+            <a:avLst/>
+          </a:prstGeom>
+          <a:ln w="38100"/>
+        </p:spPr>
+        <p:style>
+          <a:lnRef idx="2">
+            <a:schemeClr val="dk1"/>
+          </a:lnRef>
+          <a:fillRef idx="1">
+            <a:schemeClr val="lt1"/>
+          </a:fillRef>
+          <a:effectRef idx="0">
+            <a:schemeClr val="dk1"/>
+          </a:effectRef>
+          <a:fontRef idx="minor">
+            <a:schemeClr val="dk1"/>
           </a:fontRef>
         </p:style>
         <p:txBody>
@@ -3895,41 +4433,58 @@
           <a:lstStyle/>
           <a:p>
             <a:pPr algn="ctr"/>
-            <a:endParaRPr lang="zh-CN" altLang="en-US"/>
-          </a:p>
-        </p:txBody>
-      </p:sp>
-      <p:sp>
-        <p:nvSpPr>
-          <p:cNvPr id="23" name="文本框 22">
-            <a:extLst>
-              <a:ext uri="{FF2B5EF4-FFF2-40B4-BE49-F238E27FC236}">
-                <a16:creationId xmlns:a16="http://schemas.microsoft.com/office/drawing/2014/main" id="{29F985CD-57EF-4F39-AAE9-738690372240}"/>
-              </a:ext>
-            </a:extLst>
-          </p:cNvPr>
-          <p:cNvSpPr txBox="1"/>
+            <a:r>
+              <a:rPr lang="en-US" altLang="zh-CN" dirty="0"/>
+              <a:t>8</a:t>
+            </a:r>
+            <a:endParaRPr lang="zh-CN" altLang="en-US" dirty="0"/>
+          </a:p>
+        </p:txBody>
+      </p:sp>
+      <p:sp>
+        <p:nvSpPr>
+          <p:cNvPr id="92" name="椭圆 91">
+            <a:extLst>
+              <a:ext uri="{FF2B5EF4-FFF2-40B4-BE49-F238E27FC236}">
+                <a16:creationId xmlns:a16="http://schemas.microsoft.com/office/drawing/2014/main" id="{0E1E0125-7FCC-4C64-8912-7FD022EB44E4}"/>
+              </a:ext>
+            </a:extLst>
+          </p:cNvPr>
+          <p:cNvSpPr/>
           <p:nvPr/>
         </p:nvSpPr>
         <p:spPr>
           <a:xfrm>
-            <a:off x="3698272" y="6005357"/>
-            <a:ext cx="1109599" cy="369332"/>
-          </a:xfrm>
-          <a:prstGeom prst="rect">
-            <a:avLst/>
-          </a:prstGeom>
-          <a:noFill/>
-        </p:spPr>
-        <p:txBody>
-          <a:bodyPr wrap="none" rtlCol="0">
-            <a:spAutoFit/>
-          </a:bodyPr>
-          <a:lstStyle/>
-          <a:p>
-            <a:r>
-              <a:rPr lang="en-US" altLang="zh-CN" dirty="0" err="1"/>
-              <a:t>openflow</a:t>
+            <a:off x="7503079" y="4691590"/>
+            <a:ext cx="834312" cy="818585"/>
+          </a:xfrm>
+          <a:prstGeom prst="ellipse">
+            <a:avLst/>
+          </a:prstGeom>
+          <a:ln w="38100"/>
+        </p:spPr>
+        <p:style>
+          <a:lnRef idx="2">
+            <a:schemeClr val="dk1"/>
+          </a:lnRef>
+          <a:fillRef idx="1">
+            <a:schemeClr val="lt1"/>
+          </a:fillRef>
+          <a:effectRef idx="0">
+            <a:schemeClr val="dk1"/>
+          </a:effectRef>
+          <a:fontRef idx="minor">
+            <a:schemeClr val="dk1"/>
+          </a:fontRef>
+        </p:style>
+        <p:txBody>
+          <a:bodyPr rtlCol="0" anchor="ctr"/>
+          <a:lstStyle/>
+          <a:p>
+            <a:pPr algn="ctr"/>
+            <a:r>
+              <a:rPr lang="en-US" altLang="zh-CN" dirty="0"/>
+              <a:t>17</a:t>
             </a:r>
             <a:endParaRPr lang="zh-CN" altLang="en-US" dirty="0"/>
           </a:p>
@@ -3937,46 +4492,182 @@
       </p:sp>
       <p:sp>
         <p:nvSpPr>
-          <p:cNvPr id="25" name="文本框 24">
-            <a:extLst>
-              <a:ext uri="{FF2B5EF4-FFF2-40B4-BE49-F238E27FC236}">
-                <a16:creationId xmlns:a16="http://schemas.microsoft.com/office/drawing/2014/main" id="{CCAE58D7-CE61-4357-B327-E0094950DEAC}"/>
-              </a:ext>
-            </a:extLst>
-          </p:cNvPr>
-          <p:cNvSpPr txBox="1"/>
+          <p:cNvPr id="93" name="椭圆 92">
+            <a:extLst>
+              <a:ext uri="{FF2B5EF4-FFF2-40B4-BE49-F238E27FC236}">
+                <a16:creationId xmlns:a16="http://schemas.microsoft.com/office/drawing/2014/main" id="{896611AE-EF29-4D31-9FA2-4CF211B213AD}"/>
+              </a:ext>
+            </a:extLst>
+          </p:cNvPr>
+          <p:cNvSpPr/>
           <p:nvPr/>
         </p:nvSpPr>
         <p:spPr>
           <a:xfrm>
-            <a:off x="1024617" y="3327297"/>
-            <a:ext cx="2613216" cy="369332"/>
-          </a:xfrm>
-          <a:prstGeom prst="rect">
-            <a:avLst/>
-          </a:prstGeom>
-          <a:noFill/>
-        </p:spPr>
-        <p:txBody>
-          <a:bodyPr wrap="none" rtlCol="0">
-            <a:spAutoFit/>
-          </a:bodyPr>
-          <a:lstStyle/>
-          <a:p>
+            <a:off x="7512933" y="3553235"/>
+            <a:ext cx="834312" cy="818585"/>
+          </a:xfrm>
+          <a:prstGeom prst="ellipse">
+            <a:avLst/>
+          </a:prstGeom>
+          <a:ln w="38100"/>
+        </p:spPr>
+        <p:style>
+          <a:lnRef idx="2">
+            <a:schemeClr val="dk1"/>
+          </a:lnRef>
+          <a:fillRef idx="1">
+            <a:schemeClr val="lt1"/>
+          </a:fillRef>
+          <a:effectRef idx="0">
+            <a:schemeClr val="dk1"/>
+          </a:effectRef>
+          <a:fontRef idx="minor">
+            <a:schemeClr val="dk1"/>
+          </a:fontRef>
+        </p:style>
+        <p:txBody>
+          <a:bodyPr rtlCol="0" anchor="ctr"/>
+          <a:lstStyle/>
+          <a:p>
+            <a:pPr algn="ctr"/>
             <a:r>
               <a:rPr lang="en-US" altLang="zh-CN" dirty="0"/>
-              <a:t>Measurement command</a:t>
+              <a:t>9</a:t>
             </a:r>
             <a:endParaRPr lang="zh-CN" altLang="en-US" dirty="0"/>
           </a:p>
         </p:txBody>
       </p:sp>
-      <p:sp>
-        <p:nvSpPr>
-          <p:cNvPr id="24" name="箭头: 右 23">
-            <a:extLst>
-              <a:ext uri="{FF2B5EF4-FFF2-40B4-BE49-F238E27FC236}">
-                <a16:creationId xmlns:a16="http://schemas.microsoft.com/office/drawing/2014/main" id="{85492DC0-E1C2-4BFF-A955-3B9AD2A60AE0}"/>
+      <p:cxnSp>
+        <p:nvCxnSpPr>
+          <p:cNvPr id="94" name="直接连接符 93">
+            <a:extLst>
+              <a:ext uri="{FF2B5EF4-FFF2-40B4-BE49-F238E27FC236}">
+                <a16:creationId xmlns:a16="http://schemas.microsoft.com/office/drawing/2014/main" id="{AF8CDDAB-0407-43A8-8D0F-ABEE90D9943E}"/>
+              </a:ext>
+            </a:extLst>
+          </p:cNvPr>
+          <p:cNvCxnSpPr>
+            <a:cxnSpLocks/>
+            <a:stCxn id="92" idx="0"/>
+            <a:endCxn id="93" idx="4"/>
+          </p:cNvCxnSpPr>
+          <p:nvPr/>
+        </p:nvCxnSpPr>
+        <p:spPr>
+          <a:xfrm flipV="1">
+            <a:off x="7920235" y="4371820"/>
+            <a:ext cx="9854" cy="319770"/>
+          </a:xfrm>
+          <a:prstGeom prst="line">
+            <a:avLst/>
+          </a:prstGeom>
+          <a:ln w="38100"/>
+        </p:spPr>
+        <p:style>
+          <a:lnRef idx="2">
+            <a:schemeClr val="dk1"/>
+          </a:lnRef>
+          <a:fillRef idx="1">
+            <a:schemeClr val="lt1"/>
+          </a:fillRef>
+          <a:effectRef idx="0">
+            <a:schemeClr val="dk1"/>
+          </a:effectRef>
+          <a:fontRef idx="minor">
+            <a:schemeClr val="dk1"/>
+          </a:fontRef>
+        </p:style>
+      </p:cxnSp>
+      <p:cxnSp>
+        <p:nvCxnSpPr>
+          <p:cNvPr id="95" name="直接连接符 94">
+            <a:extLst>
+              <a:ext uri="{FF2B5EF4-FFF2-40B4-BE49-F238E27FC236}">
+                <a16:creationId xmlns:a16="http://schemas.microsoft.com/office/drawing/2014/main" id="{CDC79C08-E301-4171-8739-1CE23DE4BFEC}"/>
+              </a:ext>
+            </a:extLst>
+          </p:cNvPr>
+          <p:cNvCxnSpPr>
+            <a:cxnSpLocks/>
+            <a:stCxn id="98" idx="0"/>
+            <a:endCxn id="91" idx="4"/>
+          </p:cNvCxnSpPr>
+          <p:nvPr/>
+        </p:nvCxnSpPr>
+        <p:spPr>
+          <a:xfrm flipV="1">
+            <a:off x="6583054" y="4371820"/>
+            <a:ext cx="0" cy="331451"/>
+          </a:xfrm>
+          <a:prstGeom prst="line">
+            <a:avLst/>
+          </a:prstGeom>
+          <a:ln w="38100"/>
+        </p:spPr>
+        <p:style>
+          <a:lnRef idx="2">
+            <a:schemeClr val="dk1"/>
+          </a:lnRef>
+          <a:fillRef idx="1">
+            <a:schemeClr val="lt1"/>
+          </a:fillRef>
+          <a:effectRef idx="0">
+            <a:schemeClr val="dk1"/>
+          </a:effectRef>
+          <a:fontRef idx="minor">
+            <a:schemeClr val="dk1"/>
+          </a:fontRef>
+        </p:style>
+      </p:cxnSp>
+      <p:cxnSp>
+        <p:nvCxnSpPr>
+          <p:cNvPr id="96" name="直接连接符 95">
+            <a:extLst>
+              <a:ext uri="{FF2B5EF4-FFF2-40B4-BE49-F238E27FC236}">
+                <a16:creationId xmlns:a16="http://schemas.microsoft.com/office/drawing/2014/main" id="{384B94E4-B0AD-49D0-9DE2-5691D38DF6AA}"/>
+              </a:ext>
+            </a:extLst>
+          </p:cNvPr>
+          <p:cNvCxnSpPr>
+            <a:cxnSpLocks/>
+            <a:stCxn id="92" idx="2"/>
+            <a:endCxn id="91" idx="6"/>
+          </p:cNvCxnSpPr>
+          <p:nvPr/>
+        </p:nvCxnSpPr>
+        <p:spPr>
+          <a:xfrm flipH="1" flipV="1">
+            <a:off x="7000210" y="3962528"/>
+            <a:ext cx="502869" cy="1138355"/>
+          </a:xfrm>
+          <a:prstGeom prst="line">
+            <a:avLst/>
+          </a:prstGeom>
+          <a:ln w="38100"/>
+        </p:spPr>
+        <p:style>
+          <a:lnRef idx="2">
+            <a:schemeClr val="dk1"/>
+          </a:lnRef>
+          <a:fillRef idx="1">
+            <a:schemeClr val="lt1"/>
+          </a:fillRef>
+          <a:effectRef idx="0">
+            <a:schemeClr val="dk1"/>
+          </a:effectRef>
+          <a:fontRef idx="minor">
+            <a:schemeClr val="dk1"/>
+          </a:fontRef>
+        </p:style>
+      </p:cxnSp>
+      <p:sp>
+        <p:nvSpPr>
+          <p:cNvPr id="98" name="椭圆 97">
+            <a:extLst>
+              <a:ext uri="{FF2B5EF4-FFF2-40B4-BE49-F238E27FC236}">
+                <a16:creationId xmlns:a16="http://schemas.microsoft.com/office/drawing/2014/main" id="{4935CD22-98E6-43C2-AE04-7F61BB196BB9}"/>
               </a:ext>
             </a:extLst>
           </p:cNvPr>
@@ -3984,28 +4675,27 @@
           <p:nvPr/>
         </p:nvSpPr>
         <p:spPr>
-          <a:xfrm rot="5400000">
-            <a:off x="2105195" y="5643442"/>
-            <a:ext cx="1077437" cy="470517"/>
-          </a:xfrm>
-          <a:prstGeom prst="rightArrow">
-            <a:avLst/>
-          </a:prstGeom>
-        </p:spPr>
-        <p:style>
-          <a:lnRef idx="2">
-            <a:schemeClr val="accent2">
-              <a:shade val="50000"/>
-            </a:schemeClr>
-          </a:lnRef>
-          <a:fillRef idx="1">
-            <a:schemeClr val="accent2"/>
-          </a:fillRef>
-          <a:effectRef idx="0">
-            <a:schemeClr val="accent2"/>
-          </a:effectRef>
-          <a:fontRef idx="minor">
-            <a:schemeClr val="lt1"/>
+          <a:xfrm>
+            <a:off x="6165898" y="4703271"/>
+            <a:ext cx="834312" cy="818585"/>
+          </a:xfrm>
+          <a:prstGeom prst="ellipse">
+            <a:avLst/>
+          </a:prstGeom>
+          <a:ln w="38100"/>
+        </p:spPr>
+        <p:style>
+          <a:lnRef idx="2">
+            <a:schemeClr val="dk1"/>
+          </a:lnRef>
+          <a:fillRef idx="1">
+            <a:schemeClr val="lt1"/>
+          </a:fillRef>
+          <a:effectRef idx="0">
+            <a:schemeClr val="dk1"/>
+          </a:effectRef>
+          <a:fontRef idx="minor">
+            <a:schemeClr val="dk1"/>
           </a:fontRef>
         </p:style>
         <p:txBody>
@@ -4013,77 +4703,230 @@
           <a:lstStyle/>
           <a:p>
             <a:pPr algn="ctr"/>
-            <a:endParaRPr lang="zh-CN" altLang="en-US"/>
-          </a:p>
-        </p:txBody>
-      </p:sp>
-      <p:sp>
-        <p:nvSpPr>
-          <p:cNvPr id="26" name="文本框 25">
-            <a:extLst>
-              <a:ext uri="{FF2B5EF4-FFF2-40B4-BE49-F238E27FC236}">
-                <a16:creationId xmlns:a16="http://schemas.microsoft.com/office/drawing/2014/main" id="{39629660-4674-448D-BC19-7EFD5BFB3910}"/>
-              </a:ext>
-            </a:extLst>
-          </p:cNvPr>
-          <p:cNvSpPr txBox="1"/>
+            <a:r>
+              <a:rPr lang="en-US" altLang="zh-CN" dirty="0"/>
+              <a:t>16</a:t>
+            </a:r>
+            <a:endParaRPr lang="zh-CN" altLang="en-US" dirty="0"/>
+          </a:p>
+        </p:txBody>
+      </p:sp>
+      <p:cxnSp>
+        <p:nvCxnSpPr>
+          <p:cNvPr id="99" name="直接连接符 98">
+            <a:extLst>
+              <a:ext uri="{FF2B5EF4-FFF2-40B4-BE49-F238E27FC236}">
+                <a16:creationId xmlns:a16="http://schemas.microsoft.com/office/drawing/2014/main" id="{6DF1F40A-FF28-49ED-9C61-97323C1F8C61}"/>
+              </a:ext>
+            </a:extLst>
+          </p:cNvPr>
+          <p:cNvCxnSpPr>
+            <a:cxnSpLocks/>
+            <a:stCxn id="93" idx="2"/>
+            <a:endCxn id="98" idx="6"/>
+          </p:cNvCxnSpPr>
+          <p:nvPr/>
+        </p:nvCxnSpPr>
+        <p:spPr>
+          <a:xfrm flipH="1">
+            <a:off x="7000210" y="3962528"/>
+            <a:ext cx="512723" cy="1150036"/>
+          </a:xfrm>
+          <a:prstGeom prst="line">
+            <a:avLst/>
+          </a:prstGeom>
+          <a:ln w="38100"/>
+        </p:spPr>
+        <p:style>
+          <a:lnRef idx="2">
+            <a:schemeClr val="dk1"/>
+          </a:lnRef>
+          <a:fillRef idx="1">
+            <a:schemeClr val="lt1"/>
+          </a:fillRef>
+          <a:effectRef idx="0">
+            <a:schemeClr val="dk1"/>
+          </a:effectRef>
+          <a:fontRef idx="minor">
+            <a:schemeClr val="dk1"/>
+          </a:fontRef>
+        </p:style>
+      </p:cxnSp>
+      <p:sp>
+        <p:nvSpPr>
+          <p:cNvPr id="100" name="椭圆 99">
+            <a:extLst>
+              <a:ext uri="{FF2B5EF4-FFF2-40B4-BE49-F238E27FC236}">
+                <a16:creationId xmlns:a16="http://schemas.microsoft.com/office/drawing/2014/main" id="{25CF5191-5FB7-41C1-9CB4-EE92548E3A32}"/>
+              </a:ext>
+            </a:extLst>
+          </p:cNvPr>
+          <p:cNvSpPr/>
           <p:nvPr/>
         </p:nvSpPr>
         <p:spPr>
           <a:xfrm>
-            <a:off x="1763127" y="5429522"/>
-            <a:ext cx="1935145" cy="369332"/>
-          </a:xfrm>
-          <a:prstGeom prst="rect">
-            <a:avLst/>
-          </a:prstGeom>
-          <a:noFill/>
-        </p:spPr>
-        <p:txBody>
-          <a:bodyPr wrap="none" rtlCol="0">
-            <a:spAutoFit/>
-          </a:bodyPr>
-          <a:lstStyle/>
-          <a:p>
+            <a:off x="6719144" y="1441280"/>
+            <a:ext cx="834312" cy="818585"/>
+          </a:xfrm>
+          <a:prstGeom prst="ellipse">
+            <a:avLst/>
+          </a:prstGeom>
+          <a:ln w="38100"/>
+        </p:spPr>
+        <p:style>
+          <a:lnRef idx="2">
+            <a:schemeClr val="dk1"/>
+          </a:lnRef>
+          <a:fillRef idx="1">
+            <a:schemeClr val="lt1"/>
+          </a:fillRef>
+          <a:effectRef idx="0">
+            <a:schemeClr val="dk1"/>
+          </a:effectRef>
+          <a:fontRef idx="minor">
+            <a:schemeClr val="dk1"/>
+          </a:fontRef>
+        </p:style>
+        <p:txBody>
+          <a:bodyPr rtlCol="0" anchor="ctr"/>
+          <a:lstStyle/>
+          <a:p>
+            <a:pPr algn="ctr"/>
             <a:r>
               <a:rPr lang="en-US" altLang="zh-CN" dirty="0"/>
-              <a:t>Get network state</a:t>
+              <a:t>2</a:t>
             </a:r>
             <a:endParaRPr lang="zh-CN" altLang="en-US" dirty="0"/>
           </a:p>
         </p:txBody>
       </p:sp>
-      <p:sp>
-        <p:nvSpPr>
-          <p:cNvPr id="29" name="文本框 28">
-            <a:extLst>
-              <a:ext uri="{FF2B5EF4-FFF2-40B4-BE49-F238E27FC236}">
-                <a16:creationId xmlns:a16="http://schemas.microsoft.com/office/drawing/2014/main" id="{79AD754F-D05B-438E-86E2-88B3661ABCD8}"/>
-              </a:ext>
-            </a:extLst>
-          </p:cNvPr>
-          <p:cNvSpPr txBox="1"/>
+      <p:cxnSp>
+        <p:nvCxnSpPr>
+          <p:cNvPr id="101" name="直接连接符 100">
+            <a:extLst>
+              <a:ext uri="{FF2B5EF4-FFF2-40B4-BE49-F238E27FC236}">
+                <a16:creationId xmlns:a16="http://schemas.microsoft.com/office/drawing/2014/main" id="{A40D5826-D818-446C-BDB4-4EFC369E00C6}"/>
+              </a:ext>
+            </a:extLst>
+          </p:cNvPr>
+          <p:cNvCxnSpPr>
+            <a:cxnSpLocks/>
+            <a:stCxn id="118" idx="0"/>
+            <a:endCxn id="114" idx="4"/>
+          </p:cNvCxnSpPr>
+          <p:nvPr/>
+        </p:nvCxnSpPr>
+        <p:spPr>
+          <a:xfrm flipV="1">
+            <a:off x="2312748" y="2259865"/>
+            <a:ext cx="7324271" cy="1319561"/>
+          </a:xfrm>
+          <a:prstGeom prst="line">
+            <a:avLst/>
+          </a:prstGeom>
+          <a:ln w="38100"/>
+        </p:spPr>
+        <p:style>
+          <a:lnRef idx="2">
+            <a:schemeClr val="dk1"/>
+          </a:lnRef>
+          <a:fillRef idx="1">
+            <a:schemeClr val="lt1"/>
+          </a:fillRef>
+          <a:effectRef idx="0">
+            <a:schemeClr val="dk1"/>
+          </a:effectRef>
+          <a:fontRef idx="minor">
+            <a:schemeClr val="dk1"/>
+          </a:fontRef>
+        </p:style>
+      </p:cxnSp>
+      <p:cxnSp>
+        <p:nvCxnSpPr>
+          <p:cNvPr id="102" name="直接连接符 101">
+            <a:extLst>
+              <a:ext uri="{FF2B5EF4-FFF2-40B4-BE49-F238E27FC236}">
+                <a16:creationId xmlns:a16="http://schemas.microsoft.com/office/drawing/2014/main" id="{86CDD4C0-1677-40CF-A86F-8E2FCB9678BC}"/>
+              </a:ext>
+            </a:extLst>
+          </p:cNvPr>
+          <p:cNvCxnSpPr>
+            <a:cxnSpLocks/>
+            <a:stCxn id="8" idx="0"/>
+            <a:endCxn id="97" idx="4"/>
+          </p:cNvCxnSpPr>
+          <p:nvPr/>
+        </p:nvCxnSpPr>
+        <p:spPr>
+          <a:xfrm flipH="1" flipV="1">
+            <a:off x="2529436" y="2419750"/>
+            <a:ext cx="1252214" cy="1147995"/>
+          </a:xfrm>
+          <a:prstGeom prst="line">
+            <a:avLst/>
+          </a:prstGeom>
+          <a:ln w="38100"/>
+        </p:spPr>
+        <p:style>
+          <a:lnRef idx="2">
+            <a:schemeClr val="dk1"/>
+          </a:lnRef>
+          <a:fillRef idx="1">
+            <a:schemeClr val="lt1"/>
+          </a:fillRef>
+          <a:effectRef idx="0">
+            <a:schemeClr val="dk1"/>
+          </a:effectRef>
+          <a:fontRef idx="minor">
+            <a:schemeClr val="dk1"/>
+          </a:fontRef>
+        </p:style>
+      </p:cxnSp>
+      <p:sp>
+        <p:nvSpPr>
+          <p:cNvPr id="106" name="椭圆 105">
+            <a:extLst>
+              <a:ext uri="{FF2B5EF4-FFF2-40B4-BE49-F238E27FC236}">
+                <a16:creationId xmlns:a16="http://schemas.microsoft.com/office/drawing/2014/main" id="{4A57E310-1F2A-4252-84C7-105269117C79}"/>
+              </a:ext>
+            </a:extLst>
+          </p:cNvPr>
+          <p:cNvSpPr/>
           <p:nvPr/>
         </p:nvSpPr>
         <p:spPr>
           <a:xfrm>
-            <a:off x="5591379" y="5453364"/>
-            <a:ext cx="1657826" cy="369332"/>
-          </a:xfrm>
-          <a:prstGeom prst="rect">
-            <a:avLst/>
-          </a:prstGeom>
-          <a:noFill/>
-        </p:spPr>
-        <p:txBody>
-          <a:bodyPr wrap="none" rtlCol="0">
-            <a:spAutoFit/>
-          </a:bodyPr>
-          <a:lstStyle/>
-          <a:p>
+            <a:off x="9002861" y="3524462"/>
+            <a:ext cx="834312" cy="818585"/>
+          </a:xfrm>
+          <a:prstGeom prst="ellipse">
+            <a:avLst/>
+          </a:prstGeom>
+          <a:ln w="38100"/>
+        </p:spPr>
+        <p:style>
+          <a:lnRef idx="2">
+            <a:schemeClr val="dk1"/>
+          </a:lnRef>
+          <a:fillRef idx="1">
+            <a:schemeClr val="lt1"/>
+          </a:fillRef>
+          <a:effectRef idx="0">
+            <a:schemeClr val="dk1"/>
+          </a:effectRef>
+          <a:fontRef idx="minor">
+            <a:schemeClr val="dk1"/>
+          </a:fontRef>
+        </p:style>
+        <p:txBody>
+          <a:bodyPr rtlCol="0" anchor="ctr"/>
+          <a:lstStyle/>
+          <a:p>
+            <a:pPr algn="ctr"/>
             <a:r>
               <a:rPr lang="en-US" altLang="zh-CN" dirty="0"/>
-              <a:t>Add/delete FIB</a:t>
+              <a:t>10</a:t>
             </a:r>
             <a:endParaRPr lang="zh-CN" altLang="en-US" dirty="0"/>
           </a:p>
@@ -4091,10 +4934,10 @@
       </p:sp>
       <p:sp>
         <p:nvSpPr>
-          <p:cNvPr id="30" name="箭头: 右 29">
-            <a:extLst>
-              <a:ext uri="{FF2B5EF4-FFF2-40B4-BE49-F238E27FC236}">
-                <a16:creationId xmlns:a16="http://schemas.microsoft.com/office/drawing/2014/main" id="{DA6C83AD-B90B-4554-85E9-C70AB0209804}"/>
+          <p:cNvPr id="107" name="椭圆 106">
+            <a:extLst>
+              <a:ext uri="{FF2B5EF4-FFF2-40B4-BE49-F238E27FC236}">
+                <a16:creationId xmlns:a16="http://schemas.microsoft.com/office/drawing/2014/main" id="{FFCF20C9-0C53-4F61-B696-E4C843CBFABF}"/>
               </a:ext>
             </a:extLst>
           </p:cNvPr>
@@ -4102,28 +4945,27 @@
           <p:nvPr/>
         </p:nvSpPr>
         <p:spPr>
-          <a:xfrm rot="19173331">
-            <a:off x="2731911" y="3609002"/>
-            <a:ext cx="2373043" cy="470517"/>
-          </a:xfrm>
-          <a:prstGeom prst="rightArrow">
-            <a:avLst/>
-          </a:prstGeom>
-        </p:spPr>
-        <p:style>
-          <a:lnRef idx="2">
-            <a:schemeClr val="accent2">
-              <a:shade val="50000"/>
-            </a:schemeClr>
-          </a:lnRef>
-          <a:fillRef idx="1">
-            <a:schemeClr val="accent2"/>
-          </a:fillRef>
-          <a:effectRef idx="0">
-            <a:schemeClr val="accent2"/>
-          </a:effectRef>
-          <a:fontRef idx="minor">
-            <a:schemeClr val="lt1"/>
+          <a:xfrm>
+            <a:off x="10436139" y="4706100"/>
+            <a:ext cx="834312" cy="818585"/>
+          </a:xfrm>
+          <a:prstGeom prst="ellipse">
+            <a:avLst/>
+          </a:prstGeom>
+          <a:ln w="38100"/>
+        </p:spPr>
+        <p:style>
+          <a:lnRef idx="2">
+            <a:schemeClr val="dk1"/>
+          </a:lnRef>
+          <a:fillRef idx="1">
+            <a:schemeClr val="lt1"/>
+          </a:fillRef>
+          <a:effectRef idx="0">
+            <a:schemeClr val="dk1"/>
+          </a:effectRef>
+          <a:fontRef idx="minor">
+            <a:schemeClr val="dk1"/>
           </a:fontRef>
         </p:style>
         <p:txBody>
@@ -4131,353 +4973,780 @@
           <a:lstStyle/>
           <a:p>
             <a:pPr algn="ctr"/>
-            <a:endParaRPr lang="zh-CN" altLang="en-US"/>
-          </a:p>
-        </p:txBody>
-      </p:sp>
-      <p:sp>
-        <p:nvSpPr>
-          <p:cNvPr id="31" name="文本框 30">
-            <a:extLst>
-              <a:ext uri="{FF2B5EF4-FFF2-40B4-BE49-F238E27FC236}">
-                <a16:creationId xmlns:a16="http://schemas.microsoft.com/office/drawing/2014/main" id="{7AAB98CF-1257-41C2-A537-27B603DFED8E}"/>
-              </a:ext>
-            </a:extLst>
-          </p:cNvPr>
-          <p:cNvSpPr txBox="1"/>
+            <a:r>
+              <a:rPr lang="en-US" altLang="zh-CN" dirty="0"/>
+              <a:t>19</a:t>
+            </a:r>
+            <a:endParaRPr lang="zh-CN" altLang="en-US" dirty="0"/>
+          </a:p>
+        </p:txBody>
+      </p:sp>
+      <p:sp>
+        <p:nvSpPr>
+          <p:cNvPr id="108" name="椭圆 107">
+            <a:extLst>
+              <a:ext uri="{FF2B5EF4-FFF2-40B4-BE49-F238E27FC236}">
+                <a16:creationId xmlns:a16="http://schemas.microsoft.com/office/drawing/2014/main" id="{75F4593B-90FE-4B68-9F09-7B46FFBF3740}"/>
+              </a:ext>
+            </a:extLst>
+          </p:cNvPr>
+          <p:cNvSpPr/>
           <p:nvPr/>
         </p:nvSpPr>
         <p:spPr>
           <a:xfrm>
-            <a:off x="3637833" y="3852921"/>
-            <a:ext cx="728084" cy="369332"/>
-          </a:xfrm>
-          <a:prstGeom prst="rect">
-            <a:avLst/>
-          </a:prstGeom>
-          <a:noFill/>
-        </p:spPr>
-        <p:txBody>
-          <a:bodyPr wrap="none" rtlCol="0">
-            <a:spAutoFit/>
-          </a:bodyPr>
-          <a:lstStyle/>
-          <a:p>
+            <a:off x="10445993" y="3567745"/>
+            <a:ext cx="834312" cy="818585"/>
+          </a:xfrm>
+          <a:prstGeom prst="ellipse">
+            <a:avLst/>
+          </a:prstGeom>
+          <a:ln w="38100"/>
+        </p:spPr>
+        <p:style>
+          <a:lnRef idx="2">
+            <a:schemeClr val="dk1"/>
+          </a:lnRef>
+          <a:fillRef idx="1">
+            <a:schemeClr val="lt1"/>
+          </a:fillRef>
+          <a:effectRef idx="0">
+            <a:schemeClr val="dk1"/>
+          </a:effectRef>
+          <a:fontRef idx="minor">
+            <a:schemeClr val="dk1"/>
+          </a:fontRef>
+        </p:style>
+        <p:txBody>
+          <a:bodyPr rtlCol="0" anchor="ctr"/>
+          <a:lstStyle/>
+          <a:p>
+            <a:pPr algn="ctr"/>
             <a:r>
               <a:rPr lang="en-US" altLang="zh-CN" dirty="0"/>
-              <a:t>result</a:t>
+              <a:t>11</a:t>
             </a:r>
             <a:endParaRPr lang="zh-CN" altLang="en-US" dirty="0"/>
           </a:p>
         </p:txBody>
       </p:sp>
-      <p:sp>
-        <p:nvSpPr>
-          <p:cNvPr id="3" name="文本框 2">
-            <a:extLst>
-              <a:ext uri="{FF2B5EF4-FFF2-40B4-BE49-F238E27FC236}">
-                <a16:creationId xmlns:a16="http://schemas.microsoft.com/office/drawing/2014/main" id="{6F916721-FD16-4113-BCDD-BA227813A647}"/>
-              </a:ext>
-            </a:extLst>
-          </p:cNvPr>
-          <p:cNvSpPr txBox="1"/>
+      <p:cxnSp>
+        <p:nvCxnSpPr>
+          <p:cNvPr id="109" name="直接连接符 108">
+            <a:extLst>
+              <a:ext uri="{FF2B5EF4-FFF2-40B4-BE49-F238E27FC236}">
+                <a16:creationId xmlns:a16="http://schemas.microsoft.com/office/drawing/2014/main" id="{DDCD43D8-CA89-4660-918E-8BF874AEBE29}"/>
+              </a:ext>
+            </a:extLst>
+          </p:cNvPr>
+          <p:cNvCxnSpPr>
+            <a:cxnSpLocks/>
+            <a:stCxn id="107" idx="0"/>
+            <a:endCxn id="108" idx="4"/>
+          </p:cNvCxnSpPr>
+          <p:nvPr/>
+        </p:nvCxnSpPr>
+        <p:spPr>
+          <a:xfrm flipV="1">
+            <a:off x="10853295" y="4386330"/>
+            <a:ext cx="9854" cy="319770"/>
+          </a:xfrm>
+          <a:prstGeom prst="line">
+            <a:avLst/>
+          </a:prstGeom>
+          <a:ln w="38100"/>
+        </p:spPr>
+        <p:style>
+          <a:lnRef idx="2">
+            <a:schemeClr val="dk1"/>
+          </a:lnRef>
+          <a:fillRef idx="1">
+            <a:schemeClr val="lt1"/>
+          </a:fillRef>
+          <a:effectRef idx="0">
+            <a:schemeClr val="dk1"/>
+          </a:effectRef>
+          <a:fontRef idx="minor">
+            <a:schemeClr val="dk1"/>
+          </a:fontRef>
+        </p:style>
+      </p:cxnSp>
+      <p:cxnSp>
+        <p:nvCxnSpPr>
+          <p:cNvPr id="110" name="直接连接符 109">
+            <a:extLst>
+              <a:ext uri="{FF2B5EF4-FFF2-40B4-BE49-F238E27FC236}">
+                <a16:creationId xmlns:a16="http://schemas.microsoft.com/office/drawing/2014/main" id="{B6E5547E-284E-4639-954A-5C613C367143}"/>
+              </a:ext>
+            </a:extLst>
+          </p:cNvPr>
+          <p:cNvCxnSpPr>
+            <a:cxnSpLocks/>
+            <a:stCxn id="112" idx="0"/>
+            <a:endCxn id="106" idx="4"/>
+          </p:cNvCxnSpPr>
+          <p:nvPr/>
+        </p:nvCxnSpPr>
+        <p:spPr>
+          <a:xfrm flipV="1">
+            <a:off x="9420017" y="4343047"/>
+            <a:ext cx="0" cy="331451"/>
+          </a:xfrm>
+          <a:prstGeom prst="line">
+            <a:avLst/>
+          </a:prstGeom>
+          <a:ln w="38100"/>
+        </p:spPr>
+        <p:style>
+          <a:lnRef idx="2">
+            <a:schemeClr val="dk1"/>
+          </a:lnRef>
+          <a:fillRef idx="1">
+            <a:schemeClr val="lt1"/>
+          </a:fillRef>
+          <a:effectRef idx="0">
+            <a:schemeClr val="dk1"/>
+          </a:effectRef>
+          <a:fontRef idx="minor">
+            <a:schemeClr val="dk1"/>
+          </a:fontRef>
+        </p:style>
+      </p:cxnSp>
+      <p:cxnSp>
+        <p:nvCxnSpPr>
+          <p:cNvPr id="111" name="直接连接符 110">
+            <a:extLst>
+              <a:ext uri="{FF2B5EF4-FFF2-40B4-BE49-F238E27FC236}">
+                <a16:creationId xmlns:a16="http://schemas.microsoft.com/office/drawing/2014/main" id="{B8C4E4A3-B8D7-4A04-8DF4-C6E685AB4186}"/>
+              </a:ext>
+            </a:extLst>
+          </p:cNvPr>
+          <p:cNvCxnSpPr>
+            <a:cxnSpLocks/>
+            <a:stCxn id="107" idx="2"/>
+            <a:endCxn id="106" idx="6"/>
+          </p:cNvCxnSpPr>
+          <p:nvPr/>
+        </p:nvCxnSpPr>
+        <p:spPr>
+          <a:xfrm flipH="1" flipV="1">
+            <a:off x="9837173" y="3933755"/>
+            <a:ext cx="598966" cy="1181638"/>
+          </a:xfrm>
+          <a:prstGeom prst="line">
+            <a:avLst/>
+          </a:prstGeom>
+          <a:ln w="38100"/>
+        </p:spPr>
+        <p:style>
+          <a:lnRef idx="2">
+            <a:schemeClr val="dk1"/>
+          </a:lnRef>
+          <a:fillRef idx="1">
+            <a:schemeClr val="lt1"/>
+          </a:fillRef>
+          <a:effectRef idx="0">
+            <a:schemeClr val="dk1"/>
+          </a:effectRef>
+          <a:fontRef idx="minor">
+            <a:schemeClr val="dk1"/>
+          </a:fontRef>
+        </p:style>
+      </p:cxnSp>
+      <p:sp>
+        <p:nvSpPr>
+          <p:cNvPr id="112" name="椭圆 111">
+            <a:extLst>
+              <a:ext uri="{FF2B5EF4-FFF2-40B4-BE49-F238E27FC236}">
+                <a16:creationId xmlns:a16="http://schemas.microsoft.com/office/drawing/2014/main" id="{EE0BE2C9-EF9D-4383-8FF9-41A12D54F1CC}"/>
+              </a:ext>
+            </a:extLst>
+          </p:cNvPr>
+          <p:cNvSpPr/>
           <p:nvPr/>
         </p:nvSpPr>
         <p:spPr>
           <a:xfrm>
-            <a:off x="1676288" y="3025776"/>
-            <a:ext cx="1588897" cy="369332"/>
-          </a:xfrm>
-          <a:prstGeom prst="rect">
-            <a:avLst/>
-          </a:prstGeom>
-          <a:noFill/>
-        </p:spPr>
-        <p:txBody>
-          <a:bodyPr wrap="none" rtlCol="0">
-            <a:spAutoFit/>
-          </a:bodyPr>
-          <a:lstStyle/>
-          <a:p>
-            <a:r>
-              <a:rPr lang="en-US" altLang="zh-CN" dirty="0" err="1"/>
-              <a:t>getTopology</a:t>
-            </a:r>
+            <a:off x="9002861" y="4674498"/>
+            <a:ext cx="834312" cy="818585"/>
+          </a:xfrm>
+          <a:prstGeom prst="ellipse">
+            <a:avLst/>
+          </a:prstGeom>
+          <a:ln w="38100"/>
+        </p:spPr>
+        <p:style>
+          <a:lnRef idx="2">
+            <a:schemeClr val="dk1"/>
+          </a:lnRef>
+          <a:fillRef idx="1">
+            <a:schemeClr val="lt1"/>
+          </a:fillRef>
+          <a:effectRef idx="0">
+            <a:schemeClr val="dk1"/>
+          </a:effectRef>
+          <a:fontRef idx="minor">
+            <a:schemeClr val="dk1"/>
+          </a:fontRef>
+        </p:style>
+        <p:txBody>
+          <a:bodyPr rtlCol="0" anchor="ctr"/>
+          <a:lstStyle/>
+          <a:p>
+            <a:pPr algn="ctr"/>
             <a:r>
               <a:rPr lang="en-US" altLang="zh-CN" dirty="0"/>
-              <a:t>()</a:t>
+              <a:t>18</a:t>
             </a:r>
             <a:endParaRPr lang="zh-CN" altLang="en-US" dirty="0"/>
           </a:p>
         </p:txBody>
       </p:sp>
-      <p:sp>
-        <p:nvSpPr>
-          <p:cNvPr id="21" name="文本框 20">
-            <a:extLst>
-              <a:ext uri="{FF2B5EF4-FFF2-40B4-BE49-F238E27FC236}">
-                <a16:creationId xmlns:a16="http://schemas.microsoft.com/office/drawing/2014/main" id="{764F0103-5F6A-423D-A725-C9383277D425}"/>
-              </a:ext>
-            </a:extLst>
-          </p:cNvPr>
-          <p:cNvSpPr txBox="1"/>
+      <p:cxnSp>
+        <p:nvCxnSpPr>
+          <p:cNvPr id="113" name="直接连接符 112">
+            <a:extLst>
+              <a:ext uri="{FF2B5EF4-FFF2-40B4-BE49-F238E27FC236}">
+                <a16:creationId xmlns:a16="http://schemas.microsoft.com/office/drawing/2014/main" id="{0B90F4EA-A7C9-4B5E-A7FE-F4FE3A06D02F}"/>
+              </a:ext>
+            </a:extLst>
+          </p:cNvPr>
+          <p:cNvCxnSpPr>
+            <a:cxnSpLocks/>
+            <a:stCxn id="108" idx="2"/>
+            <a:endCxn id="112" idx="6"/>
+          </p:cNvCxnSpPr>
+          <p:nvPr/>
+        </p:nvCxnSpPr>
+        <p:spPr>
+          <a:xfrm flipH="1">
+            <a:off x="9837173" y="3977038"/>
+            <a:ext cx="608820" cy="1106753"/>
+          </a:xfrm>
+          <a:prstGeom prst="line">
+            <a:avLst/>
+          </a:prstGeom>
+          <a:ln w="38100"/>
+        </p:spPr>
+        <p:style>
+          <a:lnRef idx="2">
+            <a:schemeClr val="dk1"/>
+          </a:lnRef>
+          <a:fillRef idx="1">
+            <a:schemeClr val="lt1"/>
+          </a:fillRef>
+          <a:effectRef idx="0">
+            <a:schemeClr val="dk1"/>
+          </a:effectRef>
+          <a:fontRef idx="minor">
+            <a:schemeClr val="dk1"/>
+          </a:fontRef>
+        </p:style>
+      </p:cxnSp>
+      <p:sp>
+        <p:nvSpPr>
+          <p:cNvPr id="114" name="椭圆 113">
+            <a:extLst>
+              <a:ext uri="{FF2B5EF4-FFF2-40B4-BE49-F238E27FC236}">
+                <a16:creationId xmlns:a16="http://schemas.microsoft.com/office/drawing/2014/main" id="{4739F83B-FDD7-40AD-ADB0-DBE7F0A3CF7D}"/>
+              </a:ext>
+            </a:extLst>
+          </p:cNvPr>
+          <p:cNvSpPr/>
           <p:nvPr/>
         </p:nvSpPr>
         <p:spPr>
           <a:xfrm>
-            <a:off x="6955748" y="3982551"/>
-            <a:ext cx="2898550" cy="646331"/>
-          </a:xfrm>
-          <a:prstGeom prst="rect">
-            <a:avLst/>
-          </a:prstGeom>
-          <a:noFill/>
-        </p:spPr>
-        <p:txBody>
-          <a:bodyPr wrap="none" rtlCol="0">
-            <a:spAutoFit/>
-          </a:bodyPr>
-          <a:lstStyle/>
-          <a:p>
-            <a:r>
-              <a:rPr lang="en-US" altLang="zh-CN" dirty="0" err="1"/>
-              <a:t>installFIB</a:t>
-            </a:r>
+            <a:off x="9219863" y="1441280"/>
+            <a:ext cx="834312" cy="818585"/>
+          </a:xfrm>
+          <a:prstGeom prst="ellipse">
+            <a:avLst/>
+          </a:prstGeom>
+          <a:ln w="38100"/>
+        </p:spPr>
+        <p:style>
+          <a:lnRef idx="2">
+            <a:schemeClr val="dk1"/>
+          </a:lnRef>
+          <a:fillRef idx="1">
+            <a:schemeClr val="lt1"/>
+          </a:fillRef>
+          <a:effectRef idx="0">
+            <a:schemeClr val="dk1"/>
+          </a:effectRef>
+          <a:fontRef idx="minor">
+            <a:schemeClr val="dk1"/>
+          </a:fontRef>
+        </p:style>
+        <p:txBody>
+          <a:bodyPr rtlCol="0" anchor="ctr"/>
+          <a:lstStyle/>
+          <a:p>
+            <a:pPr algn="ctr"/>
             <a:r>
               <a:rPr lang="en-US" altLang="zh-CN" dirty="0"/>
-              <a:t>(</a:t>
-            </a:r>
-            <a:r>
-              <a:rPr lang="en-US" altLang="zh-CN" dirty="0" err="1"/>
-              <a:t>switched,fibEntry</a:t>
-            </a:r>
-            <a:r>
-              <a:rPr lang="en-US" altLang="zh-CN" dirty="0"/>
-              <a:t>)</a:t>
-            </a:r>
-          </a:p>
-          <a:p>
-            <a:r>
-              <a:rPr lang="en-US" altLang="zh-CN" dirty="0" err="1"/>
-              <a:t>deleteFIB</a:t>
-            </a:r>
-            <a:r>
-              <a:rPr lang="en-US" altLang="zh-CN" dirty="0"/>
-              <a:t>(</a:t>
-            </a:r>
-            <a:r>
-              <a:rPr lang="en-US" altLang="zh-CN" dirty="0" err="1"/>
-              <a:t>switched,fibEntry</a:t>
-            </a:r>
-            <a:r>
-              <a:rPr lang="en-US" altLang="zh-CN" dirty="0"/>
-              <a:t>)</a:t>
+              <a:t>3</a:t>
             </a:r>
             <a:endParaRPr lang="zh-CN" altLang="en-US" dirty="0"/>
           </a:p>
         </p:txBody>
       </p:sp>
-      <p:sp>
-        <p:nvSpPr>
-          <p:cNvPr id="11" name="矩形 10">
-            <a:extLst>
-              <a:ext uri="{FF2B5EF4-FFF2-40B4-BE49-F238E27FC236}">
-                <a16:creationId xmlns:a16="http://schemas.microsoft.com/office/drawing/2014/main" id="{A71960F0-59CF-4375-BFB9-2D53A272F2F3}"/>
-              </a:ext>
-            </a:extLst>
-          </p:cNvPr>
-          <p:cNvSpPr/>
-          <p:nvPr/>
-        </p:nvSpPr>
-        <p:spPr>
-          <a:xfrm>
-            <a:off x="1393793" y="4679472"/>
-            <a:ext cx="6711519" cy="773892"/>
-          </a:xfrm>
-          <a:prstGeom prst="rect">
-            <a:avLst/>
-          </a:prstGeom>
-          <a:noFill/>
-          <a:ln w="57150"/>
-        </p:spPr>
-        <p:style>
-          <a:lnRef idx="2">
-            <a:schemeClr val="accent1"/>
-          </a:lnRef>
-          <a:fillRef idx="1">
-            <a:schemeClr val="lt1"/>
-          </a:fillRef>
-          <a:effectRef idx="0">
-            <a:schemeClr val="accent1"/>
-          </a:effectRef>
-          <a:fontRef idx="minor">
-            <a:schemeClr val="dk1"/>
-          </a:fontRef>
-        </p:style>
-        <p:txBody>
-          <a:bodyPr rtlCol="0" anchor="ctr"/>
-          <a:lstStyle/>
-          <a:p>
-            <a:pPr algn="ctr"/>
-            <a:endParaRPr lang="zh-CN" altLang="en-US"/>
-          </a:p>
-        </p:txBody>
-      </p:sp>
-      <p:sp>
-        <p:nvSpPr>
-          <p:cNvPr id="27" name="文本框 26">
-            <a:extLst>
-              <a:ext uri="{FF2B5EF4-FFF2-40B4-BE49-F238E27FC236}">
-                <a16:creationId xmlns:a16="http://schemas.microsoft.com/office/drawing/2014/main" id="{441C906A-C12F-4F88-8A3D-47B266542328}"/>
-              </a:ext>
-            </a:extLst>
-          </p:cNvPr>
-          <p:cNvSpPr txBox="1"/>
-          <p:nvPr/>
-        </p:nvSpPr>
-        <p:spPr>
-          <a:xfrm>
-            <a:off x="6429001" y="510722"/>
-            <a:ext cx="6080511" cy="1477328"/>
-          </a:xfrm>
-          <a:prstGeom prst="rect">
-            <a:avLst/>
-          </a:prstGeom>
-          <a:noFill/>
-        </p:spPr>
-        <p:txBody>
-          <a:bodyPr wrap="none" rtlCol="0">
-            <a:spAutoFit/>
-          </a:bodyPr>
-          <a:lstStyle/>
-          <a:p>
-            <a:pPr marL="285750" indent="-285750">
-              <a:buFont typeface="Arial" panose="020B0604020202020204" pitchFamily="34" charset="0"/>
-              <a:buChar char="•"/>
-            </a:pPr>
-            <a:r>
-              <a:rPr lang="zh-CN" altLang="en-US" dirty="0"/>
-              <a:t>收集拓扑：</a:t>
-            </a:r>
-            <a:r>
-              <a:rPr lang="en-US" altLang="zh-CN" dirty="0"/>
-              <a:t>switch</a:t>
-            </a:r>
-            <a:r>
-              <a:rPr lang="zh-CN" altLang="en-US" dirty="0"/>
-              <a:t>，</a:t>
-            </a:r>
-            <a:r>
-              <a:rPr lang="en-US" altLang="zh-CN" dirty="0"/>
-              <a:t>server</a:t>
-            </a:r>
-            <a:r>
-              <a:rPr lang="zh-CN" altLang="en-US" dirty="0"/>
-              <a:t>；</a:t>
-            </a:r>
-            <a:endParaRPr lang="en-US" altLang="zh-CN" dirty="0"/>
-          </a:p>
-          <a:p>
-            <a:pPr marL="742950" lvl="1" indent="-285750">
-              <a:buFont typeface="Arial" panose="020B0604020202020204" pitchFamily="34" charset="0"/>
-              <a:buChar char="•"/>
-            </a:pPr>
-            <a:r>
-              <a:rPr lang="zh-CN" altLang="en-US" dirty="0"/>
-              <a:t>需要能够发现</a:t>
-            </a:r>
-            <a:r>
-              <a:rPr lang="en-US" altLang="zh-CN" dirty="0"/>
-              <a:t>Server</a:t>
-            </a:r>
-            <a:r>
-              <a:rPr lang="zh-CN" altLang="en-US" dirty="0"/>
-              <a:t>的</a:t>
-            </a:r>
-            <a:r>
-              <a:rPr lang="en-US" altLang="zh-CN" dirty="0" err="1"/>
-              <a:t>datapathNIC</a:t>
-            </a:r>
-            <a:r>
-              <a:rPr lang="zh-CN" altLang="en-US" dirty="0"/>
-              <a:t>（不能用</a:t>
-            </a:r>
-            <a:r>
-              <a:rPr lang="en-US" altLang="zh-CN" dirty="0"/>
-              <a:t>LLDP</a:t>
-            </a:r>
-            <a:r>
-              <a:rPr lang="zh-CN" altLang="en-US" dirty="0"/>
-              <a:t>）</a:t>
-            </a:r>
-            <a:endParaRPr lang="en-US" altLang="zh-CN" dirty="0"/>
-          </a:p>
-          <a:p>
-            <a:pPr marL="742950" lvl="1" indent="-285750">
-              <a:buFont typeface="Arial" panose="020B0604020202020204" pitchFamily="34" charset="0"/>
-              <a:buChar char="•"/>
-            </a:pPr>
-            <a:r>
-              <a:rPr lang="en-US" altLang="zh-CN" dirty="0"/>
-              <a:t>Server</a:t>
-            </a:r>
-            <a:r>
-              <a:rPr lang="zh-CN" altLang="en-US" dirty="0"/>
-              <a:t>的</a:t>
-            </a:r>
-            <a:r>
-              <a:rPr lang="en-US" altLang="zh-CN" dirty="0"/>
-              <a:t>BESS</a:t>
-            </a:r>
-            <a:r>
-              <a:rPr lang="zh-CN" altLang="en-US" dirty="0"/>
-              <a:t>必须能够发送免费</a:t>
-            </a:r>
-            <a:r>
-              <a:rPr lang="en-US" altLang="zh-CN" dirty="0" err="1"/>
-              <a:t>arp</a:t>
-            </a:r>
-            <a:endParaRPr lang="en-US" altLang="zh-CN" dirty="0"/>
-          </a:p>
-          <a:p>
-            <a:pPr marL="285750" indent="-285750">
-              <a:buFont typeface="Arial" panose="020B0604020202020204" pitchFamily="34" charset="0"/>
-              <a:buChar char="•"/>
-            </a:pPr>
-            <a:r>
-              <a:rPr lang="zh-CN" altLang="en-US" dirty="0"/>
-              <a:t>部署</a:t>
-            </a:r>
-            <a:r>
-              <a:rPr lang="en-US" altLang="zh-CN" dirty="0"/>
-              <a:t>/</a:t>
-            </a:r>
-            <a:r>
-              <a:rPr lang="zh-CN" altLang="en-US" dirty="0"/>
-              <a:t>删除</a:t>
-            </a:r>
-            <a:r>
-              <a:rPr lang="en-US" altLang="zh-CN" dirty="0"/>
-              <a:t>SFC</a:t>
-            </a:r>
-          </a:p>
-          <a:p>
-            <a:pPr marL="285750" indent="-285750">
-              <a:buFont typeface="Arial" panose="020B0604020202020204" pitchFamily="34" charset="0"/>
-              <a:buChar char="•"/>
-            </a:pPr>
-            <a:r>
-              <a:rPr lang="zh-CN" altLang="en-US" dirty="0"/>
-              <a:t>静态路由</a:t>
-            </a:r>
-            <a:endParaRPr lang="en-US" altLang="zh-CN" dirty="0"/>
-          </a:p>
-        </p:txBody>
-      </p:sp>
+      <p:cxnSp>
+        <p:nvCxnSpPr>
+          <p:cNvPr id="115" name="直接连接符 114">
+            <a:extLst>
+              <a:ext uri="{FF2B5EF4-FFF2-40B4-BE49-F238E27FC236}">
+                <a16:creationId xmlns:a16="http://schemas.microsoft.com/office/drawing/2014/main" id="{E137791A-D88E-44A7-A72C-051C5110671E}"/>
+              </a:ext>
+            </a:extLst>
+          </p:cNvPr>
+          <p:cNvCxnSpPr>
+            <a:cxnSpLocks/>
+            <a:stCxn id="8" idx="0"/>
+            <a:endCxn id="103" idx="4"/>
+          </p:cNvCxnSpPr>
+          <p:nvPr/>
+        </p:nvCxnSpPr>
+        <p:spPr>
+          <a:xfrm flipV="1">
+            <a:off x="3781650" y="2259866"/>
+            <a:ext cx="1248505" cy="1307879"/>
+          </a:xfrm>
+          <a:prstGeom prst="line">
+            <a:avLst/>
+          </a:prstGeom>
+          <a:ln w="38100"/>
+        </p:spPr>
+        <p:style>
+          <a:lnRef idx="2">
+            <a:schemeClr val="dk1"/>
+          </a:lnRef>
+          <a:fillRef idx="1">
+            <a:schemeClr val="lt1"/>
+          </a:fillRef>
+          <a:effectRef idx="0">
+            <a:schemeClr val="dk1"/>
+          </a:effectRef>
+          <a:fontRef idx="minor">
+            <a:schemeClr val="dk1"/>
+          </a:fontRef>
+        </p:style>
+      </p:cxnSp>
+      <p:cxnSp>
+        <p:nvCxnSpPr>
+          <p:cNvPr id="122" name="直接连接符 121">
+            <a:extLst>
+              <a:ext uri="{FF2B5EF4-FFF2-40B4-BE49-F238E27FC236}">
+                <a16:creationId xmlns:a16="http://schemas.microsoft.com/office/drawing/2014/main" id="{F9B1471F-DE3D-4461-8C78-08767F6C16EE}"/>
+              </a:ext>
+            </a:extLst>
+          </p:cNvPr>
+          <p:cNvCxnSpPr>
+            <a:cxnSpLocks/>
+            <a:stCxn id="91" idx="0"/>
+            <a:endCxn id="97" idx="4"/>
+          </p:cNvCxnSpPr>
+          <p:nvPr/>
+        </p:nvCxnSpPr>
+        <p:spPr>
+          <a:xfrm flipH="1" flipV="1">
+            <a:off x="2529436" y="2419750"/>
+            <a:ext cx="4053618" cy="1133485"/>
+          </a:xfrm>
+          <a:prstGeom prst="line">
+            <a:avLst/>
+          </a:prstGeom>
+          <a:ln w="38100"/>
+        </p:spPr>
+        <p:style>
+          <a:lnRef idx="2">
+            <a:schemeClr val="dk1"/>
+          </a:lnRef>
+          <a:fillRef idx="1">
+            <a:schemeClr val="lt1"/>
+          </a:fillRef>
+          <a:effectRef idx="0">
+            <a:schemeClr val="dk1"/>
+          </a:effectRef>
+          <a:fontRef idx="minor">
+            <a:schemeClr val="dk1"/>
+          </a:fontRef>
+        </p:style>
+      </p:cxnSp>
+      <p:cxnSp>
+        <p:nvCxnSpPr>
+          <p:cNvPr id="177" name="直接连接符 176">
+            <a:extLst>
+              <a:ext uri="{FF2B5EF4-FFF2-40B4-BE49-F238E27FC236}">
+                <a16:creationId xmlns:a16="http://schemas.microsoft.com/office/drawing/2014/main" id="{8CB5C2A0-C5B7-4FC2-966C-A970731088E6}"/>
+              </a:ext>
+            </a:extLst>
+          </p:cNvPr>
+          <p:cNvCxnSpPr>
+            <a:cxnSpLocks/>
+            <a:stCxn id="106" idx="0"/>
+            <a:endCxn id="97" idx="4"/>
+          </p:cNvCxnSpPr>
+          <p:nvPr/>
+        </p:nvCxnSpPr>
+        <p:spPr>
+          <a:xfrm flipH="1" flipV="1">
+            <a:off x="2529436" y="2419750"/>
+            <a:ext cx="6890581" cy="1104712"/>
+          </a:xfrm>
+          <a:prstGeom prst="line">
+            <a:avLst/>
+          </a:prstGeom>
+          <a:ln w="38100"/>
+        </p:spPr>
+        <p:style>
+          <a:lnRef idx="2">
+            <a:schemeClr val="dk1"/>
+          </a:lnRef>
+          <a:fillRef idx="1">
+            <a:schemeClr val="lt1"/>
+          </a:fillRef>
+          <a:effectRef idx="0">
+            <a:schemeClr val="dk1"/>
+          </a:effectRef>
+          <a:fontRef idx="minor">
+            <a:schemeClr val="dk1"/>
+          </a:fontRef>
+        </p:style>
+      </p:cxnSp>
+      <p:cxnSp>
+        <p:nvCxnSpPr>
+          <p:cNvPr id="180" name="直接连接符 179">
+            <a:extLst>
+              <a:ext uri="{FF2B5EF4-FFF2-40B4-BE49-F238E27FC236}">
+                <a16:creationId xmlns:a16="http://schemas.microsoft.com/office/drawing/2014/main" id="{4EE856E8-8C75-430A-B253-5CFE55ED1B8F}"/>
+              </a:ext>
+            </a:extLst>
+          </p:cNvPr>
+          <p:cNvCxnSpPr>
+            <a:cxnSpLocks/>
+            <a:stCxn id="91" idx="0"/>
+            <a:endCxn id="103" idx="4"/>
+          </p:cNvCxnSpPr>
+          <p:nvPr/>
+        </p:nvCxnSpPr>
+        <p:spPr>
+          <a:xfrm flipH="1" flipV="1">
+            <a:off x="5030155" y="2259866"/>
+            <a:ext cx="1552899" cy="1293369"/>
+          </a:xfrm>
+          <a:prstGeom prst="line">
+            <a:avLst/>
+          </a:prstGeom>
+          <a:ln w="38100"/>
+        </p:spPr>
+        <p:style>
+          <a:lnRef idx="2">
+            <a:schemeClr val="dk1"/>
+          </a:lnRef>
+          <a:fillRef idx="1">
+            <a:schemeClr val="lt1"/>
+          </a:fillRef>
+          <a:effectRef idx="0">
+            <a:schemeClr val="dk1"/>
+          </a:effectRef>
+          <a:fontRef idx="minor">
+            <a:schemeClr val="dk1"/>
+          </a:fontRef>
+        </p:style>
+      </p:cxnSp>
+      <p:cxnSp>
+        <p:nvCxnSpPr>
+          <p:cNvPr id="183" name="直接连接符 182">
+            <a:extLst>
+              <a:ext uri="{FF2B5EF4-FFF2-40B4-BE49-F238E27FC236}">
+                <a16:creationId xmlns:a16="http://schemas.microsoft.com/office/drawing/2014/main" id="{1E141CDB-AAEE-4336-B257-E04F9DC7FE85}"/>
+              </a:ext>
+            </a:extLst>
+          </p:cNvPr>
+          <p:cNvCxnSpPr>
+            <a:cxnSpLocks/>
+            <a:stCxn id="106" idx="0"/>
+            <a:endCxn id="103" idx="4"/>
+          </p:cNvCxnSpPr>
+          <p:nvPr/>
+        </p:nvCxnSpPr>
+        <p:spPr>
+          <a:xfrm flipH="1" flipV="1">
+            <a:off x="5030155" y="2259866"/>
+            <a:ext cx="4389862" cy="1264596"/>
+          </a:xfrm>
+          <a:prstGeom prst="line">
+            <a:avLst/>
+          </a:prstGeom>
+          <a:ln w="38100"/>
+        </p:spPr>
+        <p:style>
+          <a:lnRef idx="2">
+            <a:schemeClr val="dk1"/>
+          </a:lnRef>
+          <a:fillRef idx="1">
+            <a:schemeClr val="lt1"/>
+          </a:fillRef>
+          <a:effectRef idx="0">
+            <a:schemeClr val="dk1"/>
+          </a:effectRef>
+          <a:fontRef idx="minor">
+            <a:schemeClr val="dk1"/>
+          </a:fontRef>
+        </p:style>
+      </p:cxnSp>
+      <p:cxnSp>
+        <p:nvCxnSpPr>
+          <p:cNvPr id="186" name="直接连接符 185">
+            <a:extLst>
+              <a:ext uri="{FF2B5EF4-FFF2-40B4-BE49-F238E27FC236}">
+                <a16:creationId xmlns:a16="http://schemas.microsoft.com/office/drawing/2014/main" id="{A4D2BE17-A038-4F67-B83B-DDBE7FC12626}"/>
+              </a:ext>
+            </a:extLst>
+          </p:cNvPr>
+          <p:cNvCxnSpPr>
+            <a:cxnSpLocks/>
+            <a:stCxn id="10" idx="0"/>
+            <a:endCxn id="100" idx="4"/>
+          </p:cNvCxnSpPr>
+          <p:nvPr/>
+        </p:nvCxnSpPr>
+        <p:spPr>
+          <a:xfrm flipV="1">
+            <a:off x="5208858" y="2259865"/>
+            <a:ext cx="1927442" cy="1319561"/>
+          </a:xfrm>
+          <a:prstGeom prst="line">
+            <a:avLst/>
+          </a:prstGeom>
+          <a:ln w="38100"/>
+        </p:spPr>
+        <p:style>
+          <a:lnRef idx="2">
+            <a:schemeClr val="dk1"/>
+          </a:lnRef>
+          <a:fillRef idx="1">
+            <a:schemeClr val="lt1"/>
+          </a:fillRef>
+          <a:effectRef idx="0">
+            <a:schemeClr val="dk1"/>
+          </a:effectRef>
+          <a:fontRef idx="minor">
+            <a:schemeClr val="dk1"/>
+          </a:fontRef>
+        </p:style>
+      </p:cxnSp>
+      <p:cxnSp>
+        <p:nvCxnSpPr>
+          <p:cNvPr id="189" name="直接连接符 188">
+            <a:extLst>
+              <a:ext uri="{FF2B5EF4-FFF2-40B4-BE49-F238E27FC236}">
+                <a16:creationId xmlns:a16="http://schemas.microsoft.com/office/drawing/2014/main" id="{44CDF354-9801-49AB-999C-78F377BC9618}"/>
+              </a:ext>
+            </a:extLst>
+          </p:cNvPr>
+          <p:cNvCxnSpPr>
+            <a:cxnSpLocks/>
+            <a:stCxn id="93" idx="0"/>
+            <a:endCxn id="100" idx="4"/>
+          </p:cNvCxnSpPr>
+          <p:nvPr/>
+        </p:nvCxnSpPr>
+        <p:spPr>
+          <a:xfrm flipH="1" flipV="1">
+            <a:off x="7136300" y="2259865"/>
+            <a:ext cx="793789" cy="1293370"/>
+          </a:xfrm>
+          <a:prstGeom prst="line">
+            <a:avLst/>
+          </a:prstGeom>
+          <a:ln w="38100"/>
+        </p:spPr>
+        <p:style>
+          <a:lnRef idx="2">
+            <a:schemeClr val="dk1"/>
+          </a:lnRef>
+          <a:fillRef idx="1">
+            <a:schemeClr val="lt1"/>
+          </a:fillRef>
+          <a:effectRef idx="0">
+            <a:schemeClr val="dk1"/>
+          </a:effectRef>
+          <a:fontRef idx="minor">
+            <a:schemeClr val="dk1"/>
+          </a:fontRef>
+        </p:style>
+      </p:cxnSp>
+      <p:cxnSp>
+        <p:nvCxnSpPr>
+          <p:cNvPr id="192" name="直接连接符 191">
+            <a:extLst>
+              <a:ext uri="{FF2B5EF4-FFF2-40B4-BE49-F238E27FC236}">
+                <a16:creationId xmlns:a16="http://schemas.microsoft.com/office/drawing/2014/main" id="{18849883-DC1B-459E-8FAE-C0B419486B2C}"/>
+              </a:ext>
+            </a:extLst>
+          </p:cNvPr>
+          <p:cNvCxnSpPr>
+            <a:cxnSpLocks/>
+            <a:stCxn id="108" idx="0"/>
+            <a:endCxn id="100" idx="4"/>
+          </p:cNvCxnSpPr>
+          <p:nvPr/>
+        </p:nvCxnSpPr>
+        <p:spPr>
+          <a:xfrm flipH="1" flipV="1">
+            <a:off x="7136300" y="2259865"/>
+            <a:ext cx="3726849" cy="1307880"/>
+          </a:xfrm>
+          <a:prstGeom prst="line">
+            <a:avLst/>
+          </a:prstGeom>
+          <a:ln w="38100"/>
+        </p:spPr>
+        <p:style>
+          <a:lnRef idx="2">
+            <a:schemeClr val="dk1"/>
+          </a:lnRef>
+          <a:fillRef idx="1">
+            <a:schemeClr val="lt1"/>
+          </a:fillRef>
+          <a:effectRef idx="0">
+            <a:schemeClr val="dk1"/>
+          </a:effectRef>
+          <a:fontRef idx="minor">
+            <a:schemeClr val="dk1"/>
+          </a:fontRef>
+        </p:style>
+      </p:cxnSp>
+      <p:cxnSp>
+        <p:nvCxnSpPr>
+          <p:cNvPr id="195" name="直接连接符 194">
+            <a:extLst>
+              <a:ext uri="{FF2B5EF4-FFF2-40B4-BE49-F238E27FC236}">
+                <a16:creationId xmlns:a16="http://schemas.microsoft.com/office/drawing/2014/main" id="{667E2CE2-B306-4F6C-BD66-EB219E8B43A7}"/>
+              </a:ext>
+            </a:extLst>
+          </p:cNvPr>
+          <p:cNvCxnSpPr>
+            <a:cxnSpLocks/>
+            <a:stCxn id="10" idx="0"/>
+            <a:endCxn id="114" idx="4"/>
+          </p:cNvCxnSpPr>
+          <p:nvPr/>
+        </p:nvCxnSpPr>
+        <p:spPr>
+          <a:xfrm flipV="1">
+            <a:off x="5208858" y="2259865"/>
+            <a:ext cx="4428161" cy="1319561"/>
+          </a:xfrm>
+          <a:prstGeom prst="line">
+            <a:avLst/>
+          </a:prstGeom>
+          <a:ln w="38100"/>
+        </p:spPr>
+        <p:style>
+          <a:lnRef idx="2">
+            <a:schemeClr val="dk1"/>
+          </a:lnRef>
+          <a:fillRef idx="1">
+            <a:schemeClr val="lt1"/>
+          </a:fillRef>
+          <a:effectRef idx="0">
+            <a:schemeClr val="dk1"/>
+          </a:effectRef>
+          <a:fontRef idx="minor">
+            <a:schemeClr val="dk1"/>
+          </a:fontRef>
+        </p:style>
+      </p:cxnSp>
+      <p:cxnSp>
+        <p:nvCxnSpPr>
+          <p:cNvPr id="198" name="直接连接符 197">
+            <a:extLst>
+              <a:ext uri="{FF2B5EF4-FFF2-40B4-BE49-F238E27FC236}">
+                <a16:creationId xmlns:a16="http://schemas.microsoft.com/office/drawing/2014/main" id="{440356AD-E77F-4370-A307-F2FEFE0D682F}"/>
+              </a:ext>
+            </a:extLst>
+          </p:cNvPr>
+          <p:cNvCxnSpPr>
+            <a:cxnSpLocks/>
+            <a:stCxn id="93" idx="0"/>
+            <a:endCxn id="114" idx="4"/>
+          </p:cNvCxnSpPr>
+          <p:nvPr/>
+        </p:nvCxnSpPr>
+        <p:spPr>
+          <a:xfrm flipV="1">
+            <a:off x="7930089" y="2259865"/>
+            <a:ext cx="1706930" cy="1293370"/>
+          </a:xfrm>
+          <a:prstGeom prst="line">
+            <a:avLst/>
+          </a:prstGeom>
+          <a:ln w="38100"/>
+        </p:spPr>
+        <p:style>
+          <a:lnRef idx="2">
+            <a:schemeClr val="dk1"/>
+          </a:lnRef>
+          <a:fillRef idx="1">
+            <a:schemeClr val="lt1"/>
+          </a:fillRef>
+          <a:effectRef idx="0">
+            <a:schemeClr val="dk1"/>
+          </a:effectRef>
+          <a:fontRef idx="minor">
+            <a:schemeClr val="dk1"/>
+          </a:fontRef>
+        </p:style>
+      </p:cxnSp>
+      <p:cxnSp>
+        <p:nvCxnSpPr>
+          <p:cNvPr id="201" name="直接连接符 200">
+            <a:extLst>
+              <a:ext uri="{FF2B5EF4-FFF2-40B4-BE49-F238E27FC236}">
+                <a16:creationId xmlns:a16="http://schemas.microsoft.com/office/drawing/2014/main" id="{27C98250-AF41-48A9-B190-4333593CDB27}"/>
+              </a:ext>
+            </a:extLst>
+          </p:cNvPr>
+          <p:cNvCxnSpPr>
+            <a:cxnSpLocks/>
+            <a:stCxn id="108" idx="0"/>
+            <a:endCxn id="114" idx="4"/>
+          </p:cNvCxnSpPr>
+          <p:nvPr/>
+        </p:nvCxnSpPr>
+        <p:spPr>
+          <a:xfrm flipH="1" flipV="1">
+            <a:off x="9637019" y="2259865"/>
+            <a:ext cx="1226130" cy="1307880"/>
+          </a:xfrm>
+          <a:prstGeom prst="line">
+            <a:avLst/>
+          </a:prstGeom>
+          <a:ln w="38100"/>
+        </p:spPr>
+        <p:style>
+          <a:lnRef idx="2">
+            <a:schemeClr val="dk1"/>
+          </a:lnRef>
+          <a:fillRef idx="1">
+            <a:schemeClr val="lt1"/>
+          </a:fillRef>
+          <a:effectRef idx="0">
+            <a:schemeClr val="dk1"/>
+          </a:effectRef>
+          <a:fontRef idx="minor">
+            <a:schemeClr val="dk1"/>
+          </a:fontRef>
+        </p:style>
+      </p:cxnSp>
     </p:spTree>
     <p:extLst>
       <p:ext uri="{BB962C8B-B14F-4D97-AF65-F5344CB8AC3E}">
-        <p14:creationId xmlns:p14="http://schemas.microsoft.com/office/powerpoint/2010/main" val="1452941945"/>
+        <p14:creationId xmlns:p14="http://schemas.microsoft.com/office/powerpoint/2010/main" val="2671063023"/>
       </p:ext>
     </p:extLst>
   </p:cSld>
@@ -4509,6 +5778,3195 @@
           <p:cNvPr id="2" name="标题 1">
             <a:extLst>
               <a:ext uri="{FF2B5EF4-FFF2-40B4-BE49-F238E27FC236}">
+                <a16:creationId xmlns:a16="http://schemas.microsoft.com/office/drawing/2014/main" id="{B60BA84E-374A-4715-ABFC-8092B546EDE0}"/>
+              </a:ext>
+            </a:extLst>
+          </p:cNvPr>
+          <p:cNvSpPr>
+            <a:spLocks noGrp="1"/>
+          </p:cNvSpPr>
+          <p:nvPr>
+            <p:ph type="title"/>
+          </p:nvPr>
+        </p:nvSpPr>
+        <p:spPr/>
+        <p:txBody>
+          <a:bodyPr/>
+          <a:lstStyle/>
+          <a:p>
+            <a:r>
+              <a:rPr lang="en-US" altLang="zh-CN" b="1" dirty="0"/>
+              <a:t>Fat-Tree</a:t>
+            </a:r>
+            <a:endParaRPr lang="zh-CN" altLang="en-US" b="1" dirty="0"/>
+          </a:p>
+        </p:txBody>
+      </p:sp>
+      <p:sp>
+        <p:nvSpPr>
+          <p:cNvPr id="8" name="椭圆 7">
+            <a:extLst>
+              <a:ext uri="{FF2B5EF4-FFF2-40B4-BE49-F238E27FC236}">
+                <a16:creationId xmlns:a16="http://schemas.microsoft.com/office/drawing/2014/main" id="{0424160C-DE5B-4A0B-A6AD-3157A4E344A1}"/>
+              </a:ext>
+            </a:extLst>
+          </p:cNvPr>
+          <p:cNvSpPr/>
+          <p:nvPr/>
+        </p:nvSpPr>
+        <p:spPr>
+          <a:xfrm>
+            <a:off x="3364494" y="3567745"/>
+            <a:ext cx="834312" cy="818585"/>
+          </a:xfrm>
+          <a:prstGeom prst="ellipse">
+            <a:avLst/>
+          </a:prstGeom>
+          <a:ln w="38100"/>
+        </p:spPr>
+        <p:style>
+          <a:lnRef idx="2">
+            <a:schemeClr val="dk1"/>
+          </a:lnRef>
+          <a:fillRef idx="1">
+            <a:schemeClr val="lt1"/>
+          </a:fillRef>
+          <a:effectRef idx="0">
+            <a:schemeClr val="dk1"/>
+          </a:effectRef>
+          <a:fontRef idx="minor">
+            <a:schemeClr val="dk1"/>
+          </a:fontRef>
+        </p:style>
+        <p:txBody>
+          <a:bodyPr rtlCol="0" anchor="ctr"/>
+          <a:lstStyle/>
+          <a:p>
+            <a:pPr algn="ctr"/>
+            <a:r>
+              <a:rPr lang="en-US" altLang="zh-CN" dirty="0"/>
+              <a:t>6</a:t>
+            </a:r>
+            <a:endParaRPr lang="zh-CN" altLang="en-US" dirty="0"/>
+          </a:p>
+        </p:txBody>
+      </p:sp>
+      <p:sp>
+        <p:nvSpPr>
+          <p:cNvPr id="9" name="椭圆 8">
+            <a:extLst>
+              <a:ext uri="{FF2B5EF4-FFF2-40B4-BE49-F238E27FC236}">
+                <a16:creationId xmlns:a16="http://schemas.microsoft.com/office/drawing/2014/main" id="{E62B2377-5FE7-408F-8550-0286E4FF2C5F}"/>
+              </a:ext>
+            </a:extLst>
+          </p:cNvPr>
+          <p:cNvSpPr/>
+          <p:nvPr/>
+        </p:nvSpPr>
+        <p:spPr>
+          <a:xfrm>
+            <a:off x="4781848" y="4717781"/>
+            <a:ext cx="834312" cy="818585"/>
+          </a:xfrm>
+          <a:prstGeom prst="ellipse">
+            <a:avLst/>
+          </a:prstGeom>
+          <a:ln w="38100"/>
+        </p:spPr>
+        <p:style>
+          <a:lnRef idx="2">
+            <a:schemeClr val="dk1"/>
+          </a:lnRef>
+          <a:fillRef idx="1">
+            <a:schemeClr val="lt1"/>
+          </a:fillRef>
+          <a:effectRef idx="0">
+            <a:schemeClr val="dk1"/>
+          </a:effectRef>
+          <a:fontRef idx="minor">
+            <a:schemeClr val="dk1"/>
+          </a:fontRef>
+        </p:style>
+        <p:txBody>
+          <a:bodyPr rtlCol="0" anchor="ctr"/>
+          <a:lstStyle/>
+          <a:p>
+            <a:pPr algn="ctr"/>
+            <a:r>
+              <a:rPr lang="en-US" altLang="zh-CN" dirty="0"/>
+              <a:t>15</a:t>
+            </a:r>
+            <a:endParaRPr lang="zh-CN" altLang="en-US" dirty="0"/>
+          </a:p>
+        </p:txBody>
+      </p:sp>
+      <p:sp>
+        <p:nvSpPr>
+          <p:cNvPr id="10" name="椭圆 9">
+            <a:extLst>
+              <a:ext uri="{FF2B5EF4-FFF2-40B4-BE49-F238E27FC236}">
+                <a16:creationId xmlns:a16="http://schemas.microsoft.com/office/drawing/2014/main" id="{15966527-8762-4815-88AA-67854EEDEFDB}"/>
+              </a:ext>
+            </a:extLst>
+          </p:cNvPr>
+          <p:cNvSpPr/>
+          <p:nvPr/>
+        </p:nvSpPr>
+        <p:spPr>
+          <a:xfrm>
+            <a:off x="4791702" y="3579426"/>
+            <a:ext cx="834312" cy="818585"/>
+          </a:xfrm>
+          <a:prstGeom prst="ellipse">
+            <a:avLst/>
+          </a:prstGeom>
+          <a:ln w="38100"/>
+        </p:spPr>
+        <p:style>
+          <a:lnRef idx="2">
+            <a:schemeClr val="dk1"/>
+          </a:lnRef>
+          <a:fillRef idx="1">
+            <a:schemeClr val="lt1"/>
+          </a:fillRef>
+          <a:effectRef idx="0">
+            <a:schemeClr val="dk1"/>
+          </a:effectRef>
+          <a:fontRef idx="minor">
+            <a:schemeClr val="dk1"/>
+          </a:fontRef>
+        </p:style>
+        <p:txBody>
+          <a:bodyPr rtlCol="0" anchor="ctr"/>
+          <a:lstStyle/>
+          <a:p>
+            <a:pPr algn="ctr"/>
+            <a:r>
+              <a:rPr lang="en-US" altLang="zh-CN" dirty="0"/>
+              <a:t>7</a:t>
+            </a:r>
+            <a:endParaRPr lang="zh-CN" altLang="en-US" dirty="0"/>
+          </a:p>
+        </p:txBody>
+      </p:sp>
+      <p:cxnSp>
+        <p:nvCxnSpPr>
+          <p:cNvPr id="11" name="直接连接符 10">
+            <a:extLst>
+              <a:ext uri="{FF2B5EF4-FFF2-40B4-BE49-F238E27FC236}">
+                <a16:creationId xmlns:a16="http://schemas.microsoft.com/office/drawing/2014/main" id="{E8822EC6-9585-4878-8F07-21DD18FEAE09}"/>
+              </a:ext>
+            </a:extLst>
+          </p:cNvPr>
+          <p:cNvCxnSpPr>
+            <a:cxnSpLocks/>
+            <a:stCxn id="9" idx="0"/>
+            <a:endCxn id="10" idx="4"/>
+          </p:cNvCxnSpPr>
+          <p:nvPr/>
+        </p:nvCxnSpPr>
+        <p:spPr>
+          <a:xfrm flipV="1">
+            <a:off x="5199004" y="4398011"/>
+            <a:ext cx="9854" cy="319770"/>
+          </a:xfrm>
+          <a:prstGeom prst="line">
+            <a:avLst/>
+          </a:prstGeom>
+          <a:ln w="38100"/>
+        </p:spPr>
+        <p:style>
+          <a:lnRef idx="2">
+            <a:schemeClr val="dk1"/>
+          </a:lnRef>
+          <a:fillRef idx="1">
+            <a:schemeClr val="lt1"/>
+          </a:fillRef>
+          <a:effectRef idx="0">
+            <a:schemeClr val="dk1"/>
+          </a:effectRef>
+          <a:fontRef idx="minor">
+            <a:schemeClr val="dk1"/>
+          </a:fontRef>
+        </p:style>
+      </p:cxnSp>
+      <p:cxnSp>
+        <p:nvCxnSpPr>
+          <p:cNvPr id="12" name="直接连接符 11">
+            <a:extLst>
+              <a:ext uri="{FF2B5EF4-FFF2-40B4-BE49-F238E27FC236}">
+                <a16:creationId xmlns:a16="http://schemas.microsoft.com/office/drawing/2014/main" id="{953405B9-68E9-40E7-884E-319BB78DBABF}"/>
+              </a:ext>
+            </a:extLst>
+          </p:cNvPr>
+          <p:cNvCxnSpPr>
+            <a:cxnSpLocks/>
+            <a:stCxn id="42" idx="0"/>
+            <a:endCxn id="8" idx="4"/>
+          </p:cNvCxnSpPr>
+          <p:nvPr/>
+        </p:nvCxnSpPr>
+        <p:spPr>
+          <a:xfrm flipV="1">
+            <a:off x="3781650" y="4386330"/>
+            <a:ext cx="0" cy="331451"/>
+          </a:xfrm>
+          <a:prstGeom prst="line">
+            <a:avLst/>
+          </a:prstGeom>
+          <a:ln w="38100"/>
+        </p:spPr>
+        <p:style>
+          <a:lnRef idx="2">
+            <a:schemeClr val="dk1"/>
+          </a:lnRef>
+          <a:fillRef idx="1">
+            <a:schemeClr val="lt1"/>
+          </a:fillRef>
+          <a:effectRef idx="0">
+            <a:schemeClr val="dk1"/>
+          </a:effectRef>
+          <a:fontRef idx="minor">
+            <a:schemeClr val="dk1"/>
+          </a:fontRef>
+        </p:style>
+      </p:cxnSp>
+      <p:sp>
+        <p:nvSpPr>
+          <p:cNvPr id="42" name="椭圆 41">
+            <a:extLst>
+              <a:ext uri="{FF2B5EF4-FFF2-40B4-BE49-F238E27FC236}">
+                <a16:creationId xmlns:a16="http://schemas.microsoft.com/office/drawing/2014/main" id="{D6D6623C-D3D5-4B71-B1F7-813C5B181048}"/>
+              </a:ext>
+            </a:extLst>
+          </p:cNvPr>
+          <p:cNvSpPr/>
+          <p:nvPr/>
+        </p:nvSpPr>
+        <p:spPr>
+          <a:xfrm>
+            <a:off x="3364494" y="4717781"/>
+            <a:ext cx="834312" cy="818585"/>
+          </a:xfrm>
+          <a:prstGeom prst="ellipse">
+            <a:avLst/>
+          </a:prstGeom>
+          <a:ln w="38100"/>
+        </p:spPr>
+        <p:style>
+          <a:lnRef idx="2">
+            <a:schemeClr val="dk1"/>
+          </a:lnRef>
+          <a:fillRef idx="1">
+            <a:schemeClr val="lt1"/>
+          </a:fillRef>
+          <a:effectRef idx="0">
+            <a:schemeClr val="dk1"/>
+          </a:effectRef>
+          <a:fontRef idx="minor">
+            <a:schemeClr val="dk1"/>
+          </a:fontRef>
+        </p:style>
+        <p:txBody>
+          <a:bodyPr rtlCol="0" anchor="ctr"/>
+          <a:lstStyle/>
+          <a:p>
+            <a:pPr algn="ctr"/>
+            <a:r>
+              <a:rPr lang="en-US" altLang="zh-CN" dirty="0"/>
+              <a:t>14</a:t>
+            </a:r>
+            <a:endParaRPr lang="zh-CN" altLang="en-US" dirty="0"/>
+          </a:p>
+        </p:txBody>
+      </p:sp>
+      <p:cxnSp>
+        <p:nvCxnSpPr>
+          <p:cNvPr id="43" name="直接连接符 42">
+            <a:extLst>
+              <a:ext uri="{FF2B5EF4-FFF2-40B4-BE49-F238E27FC236}">
+                <a16:creationId xmlns:a16="http://schemas.microsoft.com/office/drawing/2014/main" id="{26921F3E-8F67-400F-B28D-918B6FC32D09}"/>
+              </a:ext>
+            </a:extLst>
+          </p:cNvPr>
+          <p:cNvCxnSpPr>
+            <a:cxnSpLocks/>
+            <a:stCxn id="10" idx="2"/>
+            <a:endCxn id="42" idx="6"/>
+          </p:cNvCxnSpPr>
+          <p:nvPr/>
+        </p:nvCxnSpPr>
+        <p:spPr>
+          <a:xfrm flipH="1">
+            <a:off x="4198806" y="3988719"/>
+            <a:ext cx="592896" cy="1138355"/>
+          </a:xfrm>
+          <a:prstGeom prst="line">
+            <a:avLst/>
+          </a:prstGeom>
+          <a:ln w="38100"/>
+        </p:spPr>
+        <p:style>
+          <a:lnRef idx="2">
+            <a:schemeClr val="dk1"/>
+          </a:lnRef>
+          <a:fillRef idx="1">
+            <a:schemeClr val="lt1"/>
+          </a:fillRef>
+          <a:effectRef idx="0">
+            <a:schemeClr val="dk1"/>
+          </a:effectRef>
+          <a:fontRef idx="minor">
+            <a:schemeClr val="dk1"/>
+          </a:fontRef>
+        </p:style>
+      </p:cxnSp>
+      <p:sp>
+        <p:nvSpPr>
+          <p:cNvPr id="97" name="椭圆 96">
+            <a:extLst>
+              <a:ext uri="{FF2B5EF4-FFF2-40B4-BE49-F238E27FC236}">
+                <a16:creationId xmlns:a16="http://schemas.microsoft.com/office/drawing/2014/main" id="{05849583-F7ED-4349-B86E-72BE53637397}"/>
+              </a:ext>
+            </a:extLst>
+          </p:cNvPr>
+          <p:cNvSpPr/>
+          <p:nvPr/>
+        </p:nvSpPr>
+        <p:spPr>
+          <a:xfrm>
+            <a:off x="2112280" y="1601165"/>
+            <a:ext cx="834312" cy="818585"/>
+          </a:xfrm>
+          <a:prstGeom prst="ellipse">
+            <a:avLst/>
+          </a:prstGeom>
+          <a:ln w="38100"/>
+        </p:spPr>
+        <p:style>
+          <a:lnRef idx="2">
+            <a:schemeClr val="dk1"/>
+          </a:lnRef>
+          <a:fillRef idx="1">
+            <a:schemeClr val="lt1"/>
+          </a:fillRef>
+          <a:effectRef idx="0">
+            <a:schemeClr val="dk1"/>
+          </a:effectRef>
+          <a:fontRef idx="minor">
+            <a:schemeClr val="dk1"/>
+          </a:fontRef>
+        </p:style>
+        <p:txBody>
+          <a:bodyPr rtlCol="0" anchor="ctr"/>
+          <a:lstStyle/>
+          <a:p>
+            <a:pPr algn="ctr"/>
+            <a:r>
+              <a:rPr lang="en-US" altLang="zh-CN" dirty="0"/>
+              <a:t>0</a:t>
+            </a:r>
+            <a:endParaRPr lang="zh-CN" altLang="en-US" dirty="0"/>
+          </a:p>
+        </p:txBody>
+      </p:sp>
+      <p:sp>
+        <p:nvSpPr>
+          <p:cNvPr id="103" name="椭圆 102">
+            <a:extLst>
+              <a:ext uri="{FF2B5EF4-FFF2-40B4-BE49-F238E27FC236}">
+                <a16:creationId xmlns:a16="http://schemas.microsoft.com/office/drawing/2014/main" id="{F73040EE-69AB-4FAC-99F1-6A79CDFEF56B}"/>
+              </a:ext>
+            </a:extLst>
+          </p:cNvPr>
+          <p:cNvSpPr/>
+          <p:nvPr/>
+        </p:nvSpPr>
+        <p:spPr>
+          <a:xfrm>
+            <a:off x="4612999" y="1441281"/>
+            <a:ext cx="834312" cy="818585"/>
+          </a:xfrm>
+          <a:prstGeom prst="ellipse">
+            <a:avLst/>
+          </a:prstGeom>
+          <a:ln w="38100"/>
+        </p:spPr>
+        <p:style>
+          <a:lnRef idx="2">
+            <a:schemeClr val="dk1"/>
+          </a:lnRef>
+          <a:fillRef idx="1">
+            <a:schemeClr val="lt1"/>
+          </a:fillRef>
+          <a:effectRef idx="0">
+            <a:schemeClr val="dk1"/>
+          </a:effectRef>
+          <a:fontRef idx="minor">
+            <a:schemeClr val="dk1"/>
+          </a:fontRef>
+        </p:style>
+        <p:txBody>
+          <a:bodyPr rtlCol="0" anchor="ctr"/>
+          <a:lstStyle/>
+          <a:p>
+            <a:pPr algn="ctr"/>
+            <a:r>
+              <a:rPr lang="en-US" altLang="zh-CN" dirty="0"/>
+              <a:t>1</a:t>
+            </a:r>
+            <a:endParaRPr lang="zh-CN" altLang="en-US" dirty="0"/>
+          </a:p>
+        </p:txBody>
+      </p:sp>
+      <p:sp>
+        <p:nvSpPr>
+          <p:cNvPr id="116" name="椭圆 115">
+            <a:extLst>
+              <a:ext uri="{FF2B5EF4-FFF2-40B4-BE49-F238E27FC236}">
+                <a16:creationId xmlns:a16="http://schemas.microsoft.com/office/drawing/2014/main" id="{277F45B3-4E19-4D56-B4F5-6BDAE9D65631}"/>
+              </a:ext>
+            </a:extLst>
+          </p:cNvPr>
+          <p:cNvSpPr/>
+          <p:nvPr/>
+        </p:nvSpPr>
+        <p:spPr>
+          <a:xfrm>
+            <a:off x="443353" y="3618852"/>
+            <a:ext cx="834312" cy="818585"/>
+          </a:xfrm>
+          <a:prstGeom prst="ellipse">
+            <a:avLst/>
+          </a:prstGeom>
+          <a:ln w="38100"/>
+        </p:spPr>
+        <p:style>
+          <a:lnRef idx="2">
+            <a:schemeClr val="dk1"/>
+          </a:lnRef>
+          <a:fillRef idx="1">
+            <a:schemeClr val="lt1"/>
+          </a:fillRef>
+          <a:effectRef idx="0">
+            <a:schemeClr val="dk1"/>
+          </a:effectRef>
+          <a:fontRef idx="minor">
+            <a:schemeClr val="dk1"/>
+          </a:fontRef>
+        </p:style>
+        <p:txBody>
+          <a:bodyPr rtlCol="0" anchor="ctr"/>
+          <a:lstStyle/>
+          <a:p>
+            <a:pPr algn="ctr"/>
+            <a:r>
+              <a:rPr lang="en-US" altLang="zh-CN" dirty="0"/>
+              <a:t>4</a:t>
+            </a:r>
+            <a:endParaRPr lang="zh-CN" altLang="en-US" dirty="0"/>
+          </a:p>
+        </p:txBody>
+      </p:sp>
+      <p:sp>
+        <p:nvSpPr>
+          <p:cNvPr id="117" name="椭圆 116">
+            <a:extLst>
+              <a:ext uri="{FF2B5EF4-FFF2-40B4-BE49-F238E27FC236}">
+                <a16:creationId xmlns:a16="http://schemas.microsoft.com/office/drawing/2014/main" id="{E4977E2A-8A1C-495A-A324-EE70B11C8B4E}"/>
+              </a:ext>
+            </a:extLst>
+          </p:cNvPr>
+          <p:cNvSpPr/>
+          <p:nvPr/>
+        </p:nvSpPr>
+        <p:spPr>
+          <a:xfrm>
+            <a:off x="1885738" y="4717781"/>
+            <a:ext cx="834312" cy="818585"/>
+          </a:xfrm>
+          <a:prstGeom prst="ellipse">
+            <a:avLst/>
+          </a:prstGeom>
+          <a:ln w="38100"/>
+        </p:spPr>
+        <p:style>
+          <a:lnRef idx="2">
+            <a:schemeClr val="dk1"/>
+          </a:lnRef>
+          <a:fillRef idx="1">
+            <a:schemeClr val="lt1"/>
+          </a:fillRef>
+          <a:effectRef idx="0">
+            <a:schemeClr val="dk1"/>
+          </a:effectRef>
+          <a:fontRef idx="minor">
+            <a:schemeClr val="dk1"/>
+          </a:fontRef>
+        </p:style>
+        <p:txBody>
+          <a:bodyPr rtlCol="0" anchor="ctr"/>
+          <a:lstStyle/>
+          <a:p>
+            <a:pPr algn="ctr"/>
+            <a:r>
+              <a:rPr lang="en-US" altLang="zh-CN" dirty="0"/>
+              <a:t>13</a:t>
+            </a:r>
+            <a:endParaRPr lang="zh-CN" altLang="en-US" dirty="0"/>
+          </a:p>
+        </p:txBody>
+      </p:sp>
+      <p:sp>
+        <p:nvSpPr>
+          <p:cNvPr id="118" name="椭圆 117">
+            <a:extLst>
+              <a:ext uri="{FF2B5EF4-FFF2-40B4-BE49-F238E27FC236}">
+                <a16:creationId xmlns:a16="http://schemas.microsoft.com/office/drawing/2014/main" id="{2C6D59D9-50D3-4B9E-9CE0-FDE974615B93}"/>
+              </a:ext>
+            </a:extLst>
+          </p:cNvPr>
+          <p:cNvSpPr/>
+          <p:nvPr/>
+        </p:nvSpPr>
+        <p:spPr>
+          <a:xfrm>
+            <a:off x="1895592" y="3579426"/>
+            <a:ext cx="834312" cy="818585"/>
+          </a:xfrm>
+          <a:prstGeom prst="ellipse">
+            <a:avLst/>
+          </a:prstGeom>
+          <a:ln w="38100"/>
+        </p:spPr>
+        <p:style>
+          <a:lnRef idx="2">
+            <a:schemeClr val="dk1"/>
+          </a:lnRef>
+          <a:fillRef idx="1">
+            <a:schemeClr val="lt1"/>
+          </a:fillRef>
+          <a:effectRef idx="0">
+            <a:schemeClr val="dk1"/>
+          </a:effectRef>
+          <a:fontRef idx="minor">
+            <a:schemeClr val="dk1"/>
+          </a:fontRef>
+        </p:style>
+        <p:txBody>
+          <a:bodyPr rtlCol="0" anchor="ctr"/>
+          <a:lstStyle/>
+          <a:p>
+            <a:pPr algn="ctr"/>
+            <a:r>
+              <a:rPr lang="en-US" altLang="zh-CN" dirty="0"/>
+              <a:t>5</a:t>
+            </a:r>
+            <a:endParaRPr lang="zh-CN" altLang="en-US" dirty="0"/>
+          </a:p>
+        </p:txBody>
+      </p:sp>
+      <p:cxnSp>
+        <p:nvCxnSpPr>
+          <p:cNvPr id="119" name="直接连接符 118">
+            <a:extLst>
+              <a:ext uri="{FF2B5EF4-FFF2-40B4-BE49-F238E27FC236}">
+                <a16:creationId xmlns:a16="http://schemas.microsoft.com/office/drawing/2014/main" id="{51AAEB29-32CC-4C77-9F33-55CCD07AC0C9}"/>
+              </a:ext>
+            </a:extLst>
+          </p:cNvPr>
+          <p:cNvCxnSpPr>
+            <a:cxnSpLocks/>
+            <a:stCxn id="117" idx="0"/>
+            <a:endCxn id="118" idx="4"/>
+          </p:cNvCxnSpPr>
+          <p:nvPr/>
+        </p:nvCxnSpPr>
+        <p:spPr>
+          <a:xfrm flipV="1">
+            <a:off x="2302894" y="4398011"/>
+            <a:ext cx="9854" cy="319770"/>
+          </a:xfrm>
+          <a:prstGeom prst="line">
+            <a:avLst/>
+          </a:prstGeom>
+          <a:ln w="38100"/>
+        </p:spPr>
+        <p:style>
+          <a:lnRef idx="2">
+            <a:schemeClr val="dk1"/>
+          </a:lnRef>
+          <a:fillRef idx="1">
+            <a:schemeClr val="lt1"/>
+          </a:fillRef>
+          <a:effectRef idx="0">
+            <a:schemeClr val="dk1"/>
+          </a:effectRef>
+          <a:fontRef idx="minor">
+            <a:schemeClr val="dk1"/>
+          </a:fontRef>
+        </p:style>
+      </p:cxnSp>
+      <p:cxnSp>
+        <p:nvCxnSpPr>
+          <p:cNvPr id="120" name="直接连接符 119">
+            <a:extLst>
+              <a:ext uri="{FF2B5EF4-FFF2-40B4-BE49-F238E27FC236}">
+                <a16:creationId xmlns:a16="http://schemas.microsoft.com/office/drawing/2014/main" id="{B8BF4F0A-D6DA-4796-93FE-FC9B4B92623B}"/>
+              </a:ext>
+            </a:extLst>
+          </p:cNvPr>
+          <p:cNvCxnSpPr>
+            <a:cxnSpLocks/>
+            <a:stCxn id="123" idx="0"/>
+            <a:endCxn id="116" idx="4"/>
+          </p:cNvCxnSpPr>
+          <p:nvPr/>
+        </p:nvCxnSpPr>
+        <p:spPr>
+          <a:xfrm flipV="1">
+            <a:off x="860509" y="4437437"/>
+            <a:ext cx="0" cy="331451"/>
+          </a:xfrm>
+          <a:prstGeom prst="line">
+            <a:avLst/>
+          </a:prstGeom>
+          <a:ln w="38100"/>
+        </p:spPr>
+        <p:style>
+          <a:lnRef idx="2">
+            <a:schemeClr val="dk1"/>
+          </a:lnRef>
+          <a:fillRef idx="1">
+            <a:schemeClr val="lt1"/>
+          </a:fillRef>
+          <a:effectRef idx="0">
+            <a:schemeClr val="dk1"/>
+          </a:effectRef>
+          <a:fontRef idx="minor">
+            <a:schemeClr val="dk1"/>
+          </a:fontRef>
+        </p:style>
+      </p:cxnSp>
+      <p:sp>
+        <p:nvSpPr>
+          <p:cNvPr id="123" name="椭圆 122">
+            <a:extLst>
+              <a:ext uri="{FF2B5EF4-FFF2-40B4-BE49-F238E27FC236}">
+                <a16:creationId xmlns:a16="http://schemas.microsoft.com/office/drawing/2014/main" id="{9277894C-66DA-449B-87B0-FFF2950E101D}"/>
+              </a:ext>
+            </a:extLst>
+          </p:cNvPr>
+          <p:cNvSpPr/>
+          <p:nvPr/>
+        </p:nvSpPr>
+        <p:spPr>
+          <a:xfrm>
+            <a:off x="443353" y="4768888"/>
+            <a:ext cx="834312" cy="818585"/>
+          </a:xfrm>
+          <a:prstGeom prst="ellipse">
+            <a:avLst/>
+          </a:prstGeom>
+          <a:ln w="38100"/>
+        </p:spPr>
+        <p:style>
+          <a:lnRef idx="2">
+            <a:schemeClr val="dk1"/>
+          </a:lnRef>
+          <a:fillRef idx="1">
+            <a:schemeClr val="lt1"/>
+          </a:fillRef>
+          <a:effectRef idx="0">
+            <a:schemeClr val="dk1"/>
+          </a:effectRef>
+          <a:fontRef idx="minor">
+            <a:schemeClr val="dk1"/>
+          </a:fontRef>
+        </p:style>
+        <p:txBody>
+          <a:bodyPr rtlCol="0" anchor="ctr"/>
+          <a:lstStyle/>
+          <a:p>
+            <a:pPr algn="ctr"/>
+            <a:r>
+              <a:rPr lang="en-US" altLang="zh-CN" dirty="0"/>
+              <a:t>12</a:t>
+            </a:r>
+            <a:endParaRPr lang="zh-CN" altLang="en-US" dirty="0"/>
+          </a:p>
+        </p:txBody>
+      </p:sp>
+      <p:cxnSp>
+        <p:nvCxnSpPr>
+          <p:cNvPr id="124" name="直接连接符 123">
+            <a:extLst>
+              <a:ext uri="{FF2B5EF4-FFF2-40B4-BE49-F238E27FC236}">
+                <a16:creationId xmlns:a16="http://schemas.microsoft.com/office/drawing/2014/main" id="{F05E685A-8050-4A84-8D76-7922FAEB91C1}"/>
+              </a:ext>
+            </a:extLst>
+          </p:cNvPr>
+          <p:cNvCxnSpPr>
+            <a:cxnSpLocks/>
+            <a:stCxn id="118" idx="2"/>
+            <a:endCxn id="123" idx="6"/>
+          </p:cNvCxnSpPr>
+          <p:nvPr/>
+        </p:nvCxnSpPr>
+        <p:spPr>
+          <a:xfrm flipH="1">
+            <a:off x="1277665" y="3988719"/>
+            <a:ext cx="617927" cy="1189462"/>
+          </a:xfrm>
+          <a:prstGeom prst="line">
+            <a:avLst/>
+          </a:prstGeom>
+          <a:ln w="38100"/>
+        </p:spPr>
+        <p:style>
+          <a:lnRef idx="2">
+            <a:schemeClr val="dk1"/>
+          </a:lnRef>
+          <a:fillRef idx="1">
+            <a:schemeClr val="lt1"/>
+          </a:fillRef>
+          <a:effectRef idx="0">
+            <a:schemeClr val="dk1"/>
+          </a:effectRef>
+          <a:fontRef idx="minor">
+            <a:schemeClr val="dk1"/>
+          </a:fontRef>
+        </p:style>
+      </p:cxnSp>
+      <p:cxnSp>
+        <p:nvCxnSpPr>
+          <p:cNvPr id="126" name="直接连接符 125">
+            <a:extLst>
+              <a:ext uri="{FF2B5EF4-FFF2-40B4-BE49-F238E27FC236}">
+                <a16:creationId xmlns:a16="http://schemas.microsoft.com/office/drawing/2014/main" id="{A97BF71B-FAC3-4E5E-A0B2-2237E5688361}"/>
+              </a:ext>
+            </a:extLst>
+          </p:cNvPr>
+          <p:cNvCxnSpPr>
+            <a:cxnSpLocks/>
+            <a:stCxn id="116" idx="0"/>
+            <a:endCxn id="97" idx="4"/>
+          </p:cNvCxnSpPr>
+          <p:nvPr/>
+        </p:nvCxnSpPr>
+        <p:spPr>
+          <a:xfrm flipV="1">
+            <a:off x="860509" y="2419750"/>
+            <a:ext cx="1668927" cy="1199102"/>
+          </a:xfrm>
+          <a:prstGeom prst="line">
+            <a:avLst/>
+          </a:prstGeom>
+          <a:ln w="38100"/>
+        </p:spPr>
+        <p:style>
+          <a:lnRef idx="2">
+            <a:schemeClr val="dk1"/>
+          </a:lnRef>
+          <a:fillRef idx="1">
+            <a:schemeClr val="lt1"/>
+          </a:fillRef>
+          <a:effectRef idx="0">
+            <a:schemeClr val="dk1"/>
+          </a:effectRef>
+          <a:fontRef idx="minor">
+            <a:schemeClr val="dk1"/>
+          </a:fontRef>
+        </p:style>
+      </p:cxnSp>
+      <p:cxnSp>
+        <p:nvCxnSpPr>
+          <p:cNvPr id="158" name="直接连接符 157">
+            <a:extLst>
+              <a:ext uri="{FF2B5EF4-FFF2-40B4-BE49-F238E27FC236}">
+                <a16:creationId xmlns:a16="http://schemas.microsoft.com/office/drawing/2014/main" id="{F96F5B71-5750-416D-83B8-EA8FD3FBC80F}"/>
+              </a:ext>
+            </a:extLst>
+          </p:cNvPr>
+          <p:cNvCxnSpPr>
+            <a:cxnSpLocks/>
+            <a:stCxn id="118" idx="0"/>
+            <a:endCxn id="100" idx="4"/>
+          </p:cNvCxnSpPr>
+          <p:nvPr/>
+        </p:nvCxnSpPr>
+        <p:spPr>
+          <a:xfrm flipV="1">
+            <a:off x="2312748" y="2259865"/>
+            <a:ext cx="4823552" cy="1319561"/>
+          </a:xfrm>
+          <a:prstGeom prst="line">
+            <a:avLst/>
+          </a:prstGeom>
+          <a:ln w="38100"/>
+        </p:spPr>
+        <p:style>
+          <a:lnRef idx="2">
+            <a:schemeClr val="dk1"/>
+          </a:lnRef>
+          <a:fillRef idx="1">
+            <a:schemeClr val="lt1"/>
+          </a:fillRef>
+          <a:effectRef idx="0">
+            <a:schemeClr val="dk1"/>
+          </a:effectRef>
+          <a:fontRef idx="minor">
+            <a:schemeClr val="dk1"/>
+          </a:fontRef>
+        </p:style>
+      </p:cxnSp>
+      <p:sp>
+        <p:nvSpPr>
+          <p:cNvPr id="91" name="椭圆 90">
+            <a:extLst>
+              <a:ext uri="{FF2B5EF4-FFF2-40B4-BE49-F238E27FC236}">
+                <a16:creationId xmlns:a16="http://schemas.microsoft.com/office/drawing/2014/main" id="{5E2585AF-ED94-4CC2-B026-80CAC705ABE1}"/>
+              </a:ext>
+            </a:extLst>
+          </p:cNvPr>
+          <p:cNvSpPr/>
+          <p:nvPr/>
+        </p:nvSpPr>
+        <p:spPr>
+          <a:xfrm>
+            <a:off x="6165898" y="3553235"/>
+            <a:ext cx="834312" cy="818585"/>
+          </a:xfrm>
+          <a:prstGeom prst="ellipse">
+            <a:avLst/>
+          </a:prstGeom>
+          <a:ln w="38100"/>
+        </p:spPr>
+        <p:style>
+          <a:lnRef idx="2">
+            <a:schemeClr val="dk1"/>
+          </a:lnRef>
+          <a:fillRef idx="1">
+            <a:schemeClr val="lt1"/>
+          </a:fillRef>
+          <a:effectRef idx="0">
+            <a:schemeClr val="dk1"/>
+          </a:effectRef>
+          <a:fontRef idx="minor">
+            <a:schemeClr val="dk1"/>
+          </a:fontRef>
+        </p:style>
+        <p:txBody>
+          <a:bodyPr rtlCol="0" anchor="ctr"/>
+          <a:lstStyle/>
+          <a:p>
+            <a:pPr algn="ctr"/>
+            <a:r>
+              <a:rPr lang="en-US" altLang="zh-CN" dirty="0"/>
+              <a:t>8</a:t>
+            </a:r>
+            <a:endParaRPr lang="zh-CN" altLang="en-US" dirty="0"/>
+          </a:p>
+        </p:txBody>
+      </p:sp>
+      <p:sp>
+        <p:nvSpPr>
+          <p:cNvPr id="92" name="椭圆 91">
+            <a:extLst>
+              <a:ext uri="{FF2B5EF4-FFF2-40B4-BE49-F238E27FC236}">
+                <a16:creationId xmlns:a16="http://schemas.microsoft.com/office/drawing/2014/main" id="{0E1E0125-7FCC-4C64-8912-7FD022EB44E4}"/>
+              </a:ext>
+            </a:extLst>
+          </p:cNvPr>
+          <p:cNvSpPr/>
+          <p:nvPr/>
+        </p:nvSpPr>
+        <p:spPr>
+          <a:xfrm>
+            <a:off x="7503079" y="4691590"/>
+            <a:ext cx="834312" cy="818585"/>
+          </a:xfrm>
+          <a:prstGeom prst="ellipse">
+            <a:avLst/>
+          </a:prstGeom>
+          <a:ln w="38100"/>
+        </p:spPr>
+        <p:style>
+          <a:lnRef idx="2">
+            <a:schemeClr val="dk1"/>
+          </a:lnRef>
+          <a:fillRef idx="1">
+            <a:schemeClr val="lt1"/>
+          </a:fillRef>
+          <a:effectRef idx="0">
+            <a:schemeClr val="dk1"/>
+          </a:effectRef>
+          <a:fontRef idx="minor">
+            <a:schemeClr val="dk1"/>
+          </a:fontRef>
+        </p:style>
+        <p:txBody>
+          <a:bodyPr rtlCol="0" anchor="ctr"/>
+          <a:lstStyle/>
+          <a:p>
+            <a:pPr algn="ctr"/>
+            <a:r>
+              <a:rPr lang="en-US" altLang="zh-CN" dirty="0"/>
+              <a:t>17</a:t>
+            </a:r>
+            <a:endParaRPr lang="zh-CN" altLang="en-US" dirty="0"/>
+          </a:p>
+        </p:txBody>
+      </p:sp>
+      <p:sp>
+        <p:nvSpPr>
+          <p:cNvPr id="93" name="椭圆 92">
+            <a:extLst>
+              <a:ext uri="{FF2B5EF4-FFF2-40B4-BE49-F238E27FC236}">
+                <a16:creationId xmlns:a16="http://schemas.microsoft.com/office/drawing/2014/main" id="{896611AE-EF29-4D31-9FA2-4CF211B213AD}"/>
+              </a:ext>
+            </a:extLst>
+          </p:cNvPr>
+          <p:cNvSpPr/>
+          <p:nvPr/>
+        </p:nvSpPr>
+        <p:spPr>
+          <a:xfrm>
+            <a:off x="7512933" y="3553235"/>
+            <a:ext cx="834312" cy="818585"/>
+          </a:xfrm>
+          <a:prstGeom prst="ellipse">
+            <a:avLst/>
+          </a:prstGeom>
+          <a:ln w="38100"/>
+        </p:spPr>
+        <p:style>
+          <a:lnRef idx="2">
+            <a:schemeClr val="dk1"/>
+          </a:lnRef>
+          <a:fillRef idx="1">
+            <a:schemeClr val="lt1"/>
+          </a:fillRef>
+          <a:effectRef idx="0">
+            <a:schemeClr val="dk1"/>
+          </a:effectRef>
+          <a:fontRef idx="minor">
+            <a:schemeClr val="dk1"/>
+          </a:fontRef>
+        </p:style>
+        <p:txBody>
+          <a:bodyPr rtlCol="0" anchor="ctr"/>
+          <a:lstStyle/>
+          <a:p>
+            <a:pPr algn="ctr"/>
+            <a:r>
+              <a:rPr lang="en-US" altLang="zh-CN" dirty="0"/>
+              <a:t>9</a:t>
+            </a:r>
+            <a:endParaRPr lang="zh-CN" altLang="en-US" dirty="0"/>
+          </a:p>
+        </p:txBody>
+      </p:sp>
+      <p:cxnSp>
+        <p:nvCxnSpPr>
+          <p:cNvPr id="94" name="直接连接符 93">
+            <a:extLst>
+              <a:ext uri="{FF2B5EF4-FFF2-40B4-BE49-F238E27FC236}">
+                <a16:creationId xmlns:a16="http://schemas.microsoft.com/office/drawing/2014/main" id="{AF8CDDAB-0407-43A8-8D0F-ABEE90D9943E}"/>
+              </a:ext>
+            </a:extLst>
+          </p:cNvPr>
+          <p:cNvCxnSpPr>
+            <a:cxnSpLocks/>
+            <a:stCxn id="92" idx="0"/>
+            <a:endCxn id="93" idx="4"/>
+          </p:cNvCxnSpPr>
+          <p:nvPr/>
+        </p:nvCxnSpPr>
+        <p:spPr>
+          <a:xfrm flipV="1">
+            <a:off x="7920235" y="4371820"/>
+            <a:ext cx="9854" cy="319770"/>
+          </a:xfrm>
+          <a:prstGeom prst="line">
+            <a:avLst/>
+          </a:prstGeom>
+          <a:ln w="38100"/>
+        </p:spPr>
+        <p:style>
+          <a:lnRef idx="2">
+            <a:schemeClr val="dk1"/>
+          </a:lnRef>
+          <a:fillRef idx="1">
+            <a:schemeClr val="lt1"/>
+          </a:fillRef>
+          <a:effectRef idx="0">
+            <a:schemeClr val="dk1"/>
+          </a:effectRef>
+          <a:fontRef idx="minor">
+            <a:schemeClr val="dk1"/>
+          </a:fontRef>
+        </p:style>
+      </p:cxnSp>
+      <p:cxnSp>
+        <p:nvCxnSpPr>
+          <p:cNvPr id="95" name="直接连接符 94">
+            <a:extLst>
+              <a:ext uri="{FF2B5EF4-FFF2-40B4-BE49-F238E27FC236}">
+                <a16:creationId xmlns:a16="http://schemas.microsoft.com/office/drawing/2014/main" id="{CDC79C08-E301-4171-8739-1CE23DE4BFEC}"/>
+              </a:ext>
+            </a:extLst>
+          </p:cNvPr>
+          <p:cNvCxnSpPr>
+            <a:cxnSpLocks/>
+            <a:stCxn id="98" idx="0"/>
+            <a:endCxn id="91" idx="4"/>
+          </p:cNvCxnSpPr>
+          <p:nvPr/>
+        </p:nvCxnSpPr>
+        <p:spPr>
+          <a:xfrm flipV="1">
+            <a:off x="6583054" y="4371820"/>
+            <a:ext cx="0" cy="331451"/>
+          </a:xfrm>
+          <a:prstGeom prst="line">
+            <a:avLst/>
+          </a:prstGeom>
+          <a:ln w="38100"/>
+        </p:spPr>
+        <p:style>
+          <a:lnRef idx="2">
+            <a:schemeClr val="dk1"/>
+          </a:lnRef>
+          <a:fillRef idx="1">
+            <a:schemeClr val="lt1"/>
+          </a:fillRef>
+          <a:effectRef idx="0">
+            <a:schemeClr val="dk1"/>
+          </a:effectRef>
+          <a:fontRef idx="minor">
+            <a:schemeClr val="dk1"/>
+          </a:fontRef>
+        </p:style>
+      </p:cxnSp>
+      <p:cxnSp>
+        <p:nvCxnSpPr>
+          <p:cNvPr id="96" name="直接连接符 95">
+            <a:extLst>
+              <a:ext uri="{FF2B5EF4-FFF2-40B4-BE49-F238E27FC236}">
+                <a16:creationId xmlns:a16="http://schemas.microsoft.com/office/drawing/2014/main" id="{384B94E4-B0AD-49D0-9DE2-5691D38DF6AA}"/>
+              </a:ext>
+            </a:extLst>
+          </p:cNvPr>
+          <p:cNvCxnSpPr>
+            <a:cxnSpLocks/>
+            <a:stCxn id="92" idx="2"/>
+            <a:endCxn id="91" idx="6"/>
+          </p:cNvCxnSpPr>
+          <p:nvPr/>
+        </p:nvCxnSpPr>
+        <p:spPr>
+          <a:xfrm flipH="1" flipV="1">
+            <a:off x="7000210" y="3962528"/>
+            <a:ext cx="502869" cy="1138355"/>
+          </a:xfrm>
+          <a:prstGeom prst="line">
+            <a:avLst/>
+          </a:prstGeom>
+          <a:ln w="38100"/>
+        </p:spPr>
+        <p:style>
+          <a:lnRef idx="2">
+            <a:schemeClr val="dk1"/>
+          </a:lnRef>
+          <a:fillRef idx="1">
+            <a:schemeClr val="lt1"/>
+          </a:fillRef>
+          <a:effectRef idx="0">
+            <a:schemeClr val="dk1"/>
+          </a:effectRef>
+          <a:fontRef idx="minor">
+            <a:schemeClr val="dk1"/>
+          </a:fontRef>
+        </p:style>
+      </p:cxnSp>
+      <p:sp>
+        <p:nvSpPr>
+          <p:cNvPr id="98" name="椭圆 97">
+            <a:extLst>
+              <a:ext uri="{FF2B5EF4-FFF2-40B4-BE49-F238E27FC236}">
+                <a16:creationId xmlns:a16="http://schemas.microsoft.com/office/drawing/2014/main" id="{4935CD22-98E6-43C2-AE04-7F61BB196BB9}"/>
+              </a:ext>
+            </a:extLst>
+          </p:cNvPr>
+          <p:cNvSpPr/>
+          <p:nvPr/>
+        </p:nvSpPr>
+        <p:spPr>
+          <a:xfrm>
+            <a:off x="6165898" y="4703271"/>
+            <a:ext cx="834312" cy="818585"/>
+          </a:xfrm>
+          <a:prstGeom prst="ellipse">
+            <a:avLst/>
+          </a:prstGeom>
+          <a:ln w="38100"/>
+        </p:spPr>
+        <p:style>
+          <a:lnRef idx="2">
+            <a:schemeClr val="dk1"/>
+          </a:lnRef>
+          <a:fillRef idx="1">
+            <a:schemeClr val="lt1"/>
+          </a:fillRef>
+          <a:effectRef idx="0">
+            <a:schemeClr val="dk1"/>
+          </a:effectRef>
+          <a:fontRef idx="minor">
+            <a:schemeClr val="dk1"/>
+          </a:fontRef>
+        </p:style>
+        <p:txBody>
+          <a:bodyPr rtlCol="0" anchor="ctr"/>
+          <a:lstStyle/>
+          <a:p>
+            <a:pPr algn="ctr"/>
+            <a:r>
+              <a:rPr lang="en-US" altLang="zh-CN" dirty="0"/>
+              <a:t>16</a:t>
+            </a:r>
+            <a:endParaRPr lang="zh-CN" altLang="en-US" dirty="0"/>
+          </a:p>
+        </p:txBody>
+      </p:sp>
+      <p:cxnSp>
+        <p:nvCxnSpPr>
+          <p:cNvPr id="99" name="直接连接符 98">
+            <a:extLst>
+              <a:ext uri="{FF2B5EF4-FFF2-40B4-BE49-F238E27FC236}">
+                <a16:creationId xmlns:a16="http://schemas.microsoft.com/office/drawing/2014/main" id="{6DF1F40A-FF28-49ED-9C61-97323C1F8C61}"/>
+              </a:ext>
+            </a:extLst>
+          </p:cNvPr>
+          <p:cNvCxnSpPr>
+            <a:cxnSpLocks/>
+            <a:stCxn id="93" idx="2"/>
+            <a:endCxn id="98" idx="6"/>
+          </p:cNvCxnSpPr>
+          <p:nvPr/>
+        </p:nvCxnSpPr>
+        <p:spPr>
+          <a:xfrm flipH="1">
+            <a:off x="7000210" y="3962528"/>
+            <a:ext cx="512723" cy="1150036"/>
+          </a:xfrm>
+          <a:prstGeom prst="line">
+            <a:avLst/>
+          </a:prstGeom>
+          <a:ln w="38100"/>
+        </p:spPr>
+        <p:style>
+          <a:lnRef idx="2">
+            <a:schemeClr val="dk1"/>
+          </a:lnRef>
+          <a:fillRef idx="1">
+            <a:schemeClr val="lt1"/>
+          </a:fillRef>
+          <a:effectRef idx="0">
+            <a:schemeClr val="dk1"/>
+          </a:effectRef>
+          <a:fontRef idx="minor">
+            <a:schemeClr val="dk1"/>
+          </a:fontRef>
+        </p:style>
+      </p:cxnSp>
+      <p:sp>
+        <p:nvSpPr>
+          <p:cNvPr id="100" name="椭圆 99">
+            <a:extLst>
+              <a:ext uri="{FF2B5EF4-FFF2-40B4-BE49-F238E27FC236}">
+                <a16:creationId xmlns:a16="http://schemas.microsoft.com/office/drawing/2014/main" id="{25CF5191-5FB7-41C1-9CB4-EE92548E3A32}"/>
+              </a:ext>
+            </a:extLst>
+          </p:cNvPr>
+          <p:cNvSpPr/>
+          <p:nvPr/>
+        </p:nvSpPr>
+        <p:spPr>
+          <a:xfrm>
+            <a:off x="6719144" y="1441280"/>
+            <a:ext cx="834312" cy="818585"/>
+          </a:xfrm>
+          <a:prstGeom prst="ellipse">
+            <a:avLst/>
+          </a:prstGeom>
+          <a:ln w="38100"/>
+        </p:spPr>
+        <p:style>
+          <a:lnRef idx="2">
+            <a:schemeClr val="dk1"/>
+          </a:lnRef>
+          <a:fillRef idx="1">
+            <a:schemeClr val="lt1"/>
+          </a:fillRef>
+          <a:effectRef idx="0">
+            <a:schemeClr val="dk1"/>
+          </a:effectRef>
+          <a:fontRef idx="minor">
+            <a:schemeClr val="dk1"/>
+          </a:fontRef>
+        </p:style>
+        <p:txBody>
+          <a:bodyPr rtlCol="0" anchor="ctr"/>
+          <a:lstStyle/>
+          <a:p>
+            <a:pPr algn="ctr"/>
+            <a:r>
+              <a:rPr lang="en-US" altLang="zh-CN" dirty="0"/>
+              <a:t>2</a:t>
+            </a:r>
+            <a:endParaRPr lang="zh-CN" altLang="en-US" dirty="0"/>
+          </a:p>
+        </p:txBody>
+      </p:sp>
+      <p:cxnSp>
+        <p:nvCxnSpPr>
+          <p:cNvPr id="101" name="直接连接符 100">
+            <a:extLst>
+              <a:ext uri="{FF2B5EF4-FFF2-40B4-BE49-F238E27FC236}">
+                <a16:creationId xmlns:a16="http://schemas.microsoft.com/office/drawing/2014/main" id="{A40D5826-D818-446C-BDB4-4EFC369E00C6}"/>
+              </a:ext>
+            </a:extLst>
+          </p:cNvPr>
+          <p:cNvCxnSpPr>
+            <a:cxnSpLocks/>
+            <a:stCxn id="118" idx="0"/>
+            <a:endCxn id="114" idx="4"/>
+          </p:cNvCxnSpPr>
+          <p:nvPr/>
+        </p:nvCxnSpPr>
+        <p:spPr>
+          <a:xfrm flipV="1">
+            <a:off x="2312748" y="2259865"/>
+            <a:ext cx="7324271" cy="1319561"/>
+          </a:xfrm>
+          <a:prstGeom prst="line">
+            <a:avLst/>
+          </a:prstGeom>
+          <a:ln w="38100"/>
+        </p:spPr>
+        <p:style>
+          <a:lnRef idx="2">
+            <a:schemeClr val="dk1"/>
+          </a:lnRef>
+          <a:fillRef idx="1">
+            <a:schemeClr val="lt1"/>
+          </a:fillRef>
+          <a:effectRef idx="0">
+            <a:schemeClr val="dk1"/>
+          </a:effectRef>
+          <a:fontRef idx="minor">
+            <a:schemeClr val="dk1"/>
+          </a:fontRef>
+        </p:style>
+      </p:cxnSp>
+      <p:cxnSp>
+        <p:nvCxnSpPr>
+          <p:cNvPr id="102" name="直接连接符 101">
+            <a:extLst>
+              <a:ext uri="{FF2B5EF4-FFF2-40B4-BE49-F238E27FC236}">
+                <a16:creationId xmlns:a16="http://schemas.microsoft.com/office/drawing/2014/main" id="{86CDD4C0-1677-40CF-A86F-8E2FCB9678BC}"/>
+              </a:ext>
+            </a:extLst>
+          </p:cNvPr>
+          <p:cNvCxnSpPr>
+            <a:cxnSpLocks/>
+            <a:stCxn id="8" idx="0"/>
+            <a:endCxn id="97" idx="4"/>
+          </p:cNvCxnSpPr>
+          <p:nvPr/>
+        </p:nvCxnSpPr>
+        <p:spPr>
+          <a:xfrm flipH="1" flipV="1">
+            <a:off x="2529436" y="2419750"/>
+            <a:ext cx="1252214" cy="1147995"/>
+          </a:xfrm>
+          <a:prstGeom prst="line">
+            <a:avLst/>
+          </a:prstGeom>
+          <a:ln w="38100"/>
+        </p:spPr>
+        <p:style>
+          <a:lnRef idx="2">
+            <a:schemeClr val="dk1"/>
+          </a:lnRef>
+          <a:fillRef idx="1">
+            <a:schemeClr val="lt1"/>
+          </a:fillRef>
+          <a:effectRef idx="0">
+            <a:schemeClr val="dk1"/>
+          </a:effectRef>
+          <a:fontRef idx="minor">
+            <a:schemeClr val="dk1"/>
+          </a:fontRef>
+        </p:style>
+      </p:cxnSp>
+      <p:sp>
+        <p:nvSpPr>
+          <p:cNvPr id="106" name="椭圆 105">
+            <a:extLst>
+              <a:ext uri="{FF2B5EF4-FFF2-40B4-BE49-F238E27FC236}">
+                <a16:creationId xmlns:a16="http://schemas.microsoft.com/office/drawing/2014/main" id="{4A57E310-1F2A-4252-84C7-105269117C79}"/>
+              </a:ext>
+            </a:extLst>
+          </p:cNvPr>
+          <p:cNvSpPr/>
+          <p:nvPr/>
+        </p:nvSpPr>
+        <p:spPr>
+          <a:xfrm>
+            <a:off x="9002861" y="3524462"/>
+            <a:ext cx="834312" cy="818585"/>
+          </a:xfrm>
+          <a:prstGeom prst="ellipse">
+            <a:avLst/>
+          </a:prstGeom>
+          <a:ln w="38100"/>
+        </p:spPr>
+        <p:style>
+          <a:lnRef idx="2">
+            <a:schemeClr val="dk1"/>
+          </a:lnRef>
+          <a:fillRef idx="1">
+            <a:schemeClr val="lt1"/>
+          </a:fillRef>
+          <a:effectRef idx="0">
+            <a:schemeClr val="dk1"/>
+          </a:effectRef>
+          <a:fontRef idx="minor">
+            <a:schemeClr val="dk1"/>
+          </a:fontRef>
+        </p:style>
+        <p:txBody>
+          <a:bodyPr rtlCol="0" anchor="ctr"/>
+          <a:lstStyle/>
+          <a:p>
+            <a:pPr algn="ctr"/>
+            <a:r>
+              <a:rPr lang="en-US" altLang="zh-CN" dirty="0"/>
+              <a:t>10</a:t>
+            </a:r>
+            <a:endParaRPr lang="zh-CN" altLang="en-US" dirty="0"/>
+          </a:p>
+        </p:txBody>
+      </p:sp>
+      <p:sp>
+        <p:nvSpPr>
+          <p:cNvPr id="107" name="椭圆 106">
+            <a:extLst>
+              <a:ext uri="{FF2B5EF4-FFF2-40B4-BE49-F238E27FC236}">
+                <a16:creationId xmlns:a16="http://schemas.microsoft.com/office/drawing/2014/main" id="{FFCF20C9-0C53-4F61-B696-E4C843CBFABF}"/>
+              </a:ext>
+            </a:extLst>
+          </p:cNvPr>
+          <p:cNvSpPr/>
+          <p:nvPr/>
+        </p:nvSpPr>
+        <p:spPr>
+          <a:xfrm>
+            <a:off x="10436139" y="4706100"/>
+            <a:ext cx="834312" cy="818585"/>
+          </a:xfrm>
+          <a:prstGeom prst="ellipse">
+            <a:avLst/>
+          </a:prstGeom>
+          <a:ln w="38100"/>
+        </p:spPr>
+        <p:style>
+          <a:lnRef idx="2">
+            <a:schemeClr val="dk1"/>
+          </a:lnRef>
+          <a:fillRef idx="1">
+            <a:schemeClr val="lt1"/>
+          </a:fillRef>
+          <a:effectRef idx="0">
+            <a:schemeClr val="dk1"/>
+          </a:effectRef>
+          <a:fontRef idx="minor">
+            <a:schemeClr val="dk1"/>
+          </a:fontRef>
+        </p:style>
+        <p:txBody>
+          <a:bodyPr rtlCol="0" anchor="ctr"/>
+          <a:lstStyle/>
+          <a:p>
+            <a:pPr algn="ctr"/>
+            <a:r>
+              <a:rPr lang="en-US" altLang="zh-CN" dirty="0"/>
+              <a:t>19</a:t>
+            </a:r>
+            <a:endParaRPr lang="zh-CN" altLang="en-US" dirty="0"/>
+          </a:p>
+        </p:txBody>
+      </p:sp>
+      <p:sp>
+        <p:nvSpPr>
+          <p:cNvPr id="108" name="椭圆 107">
+            <a:extLst>
+              <a:ext uri="{FF2B5EF4-FFF2-40B4-BE49-F238E27FC236}">
+                <a16:creationId xmlns:a16="http://schemas.microsoft.com/office/drawing/2014/main" id="{75F4593B-90FE-4B68-9F09-7B46FFBF3740}"/>
+              </a:ext>
+            </a:extLst>
+          </p:cNvPr>
+          <p:cNvSpPr/>
+          <p:nvPr/>
+        </p:nvSpPr>
+        <p:spPr>
+          <a:xfrm>
+            <a:off x="10445993" y="3567745"/>
+            <a:ext cx="834312" cy="818585"/>
+          </a:xfrm>
+          <a:prstGeom prst="ellipse">
+            <a:avLst/>
+          </a:prstGeom>
+          <a:ln w="38100"/>
+        </p:spPr>
+        <p:style>
+          <a:lnRef idx="2">
+            <a:schemeClr val="dk1"/>
+          </a:lnRef>
+          <a:fillRef idx="1">
+            <a:schemeClr val="lt1"/>
+          </a:fillRef>
+          <a:effectRef idx="0">
+            <a:schemeClr val="dk1"/>
+          </a:effectRef>
+          <a:fontRef idx="minor">
+            <a:schemeClr val="dk1"/>
+          </a:fontRef>
+        </p:style>
+        <p:txBody>
+          <a:bodyPr rtlCol="0" anchor="ctr"/>
+          <a:lstStyle/>
+          <a:p>
+            <a:pPr algn="ctr"/>
+            <a:r>
+              <a:rPr lang="en-US" altLang="zh-CN" dirty="0"/>
+              <a:t>11</a:t>
+            </a:r>
+            <a:endParaRPr lang="zh-CN" altLang="en-US" dirty="0"/>
+          </a:p>
+        </p:txBody>
+      </p:sp>
+      <p:cxnSp>
+        <p:nvCxnSpPr>
+          <p:cNvPr id="109" name="直接连接符 108">
+            <a:extLst>
+              <a:ext uri="{FF2B5EF4-FFF2-40B4-BE49-F238E27FC236}">
+                <a16:creationId xmlns:a16="http://schemas.microsoft.com/office/drawing/2014/main" id="{DDCD43D8-CA89-4660-918E-8BF874AEBE29}"/>
+              </a:ext>
+            </a:extLst>
+          </p:cNvPr>
+          <p:cNvCxnSpPr>
+            <a:cxnSpLocks/>
+            <a:stCxn id="107" idx="0"/>
+            <a:endCxn id="108" idx="4"/>
+          </p:cNvCxnSpPr>
+          <p:nvPr/>
+        </p:nvCxnSpPr>
+        <p:spPr>
+          <a:xfrm flipV="1">
+            <a:off x="10853295" y="4386330"/>
+            <a:ext cx="9854" cy="319770"/>
+          </a:xfrm>
+          <a:prstGeom prst="line">
+            <a:avLst/>
+          </a:prstGeom>
+          <a:ln w="38100"/>
+        </p:spPr>
+        <p:style>
+          <a:lnRef idx="2">
+            <a:schemeClr val="dk1"/>
+          </a:lnRef>
+          <a:fillRef idx="1">
+            <a:schemeClr val="lt1"/>
+          </a:fillRef>
+          <a:effectRef idx="0">
+            <a:schemeClr val="dk1"/>
+          </a:effectRef>
+          <a:fontRef idx="minor">
+            <a:schemeClr val="dk1"/>
+          </a:fontRef>
+        </p:style>
+      </p:cxnSp>
+      <p:cxnSp>
+        <p:nvCxnSpPr>
+          <p:cNvPr id="111" name="直接连接符 110">
+            <a:extLst>
+              <a:ext uri="{FF2B5EF4-FFF2-40B4-BE49-F238E27FC236}">
+                <a16:creationId xmlns:a16="http://schemas.microsoft.com/office/drawing/2014/main" id="{B8C4E4A3-B8D7-4A04-8DF4-C6E685AB4186}"/>
+              </a:ext>
+            </a:extLst>
+          </p:cNvPr>
+          <p:cNvCxnSpPr>
+            <a:cxnSpLocks/>
+            <a:stCxn id="107" idx="2"/>
+            <a:endCxn id="106" idx="6"/>
+          </p:cNvCxnSpPr>
+          <p:nvPr/>
+        </p:nvCxnSpPr>
+        <p:spPr>
+          <a:xfrm flipH="1" flipV="1">
+            <a:off x="9837173" y="3933755"/>
+            <a:ext cx="598966" cy="1181638"/>
+          </a:xfrm>
+          <a:prstGeom prst="line">
+            <a:avLst/>
+          </a:prstGeom>
+          <a:ln w="38100"/>
+        </p:spPr>
+        <p:style>
+          <a:lnRef idx="2">
+            <a:schemeClr val="dk1"/>
+          </a:lnRef>
+          <a:fillRef idx="1">
+            <a:schemeClr val="lt1"/>
+          </a:fillRef>
+          <a:effectRef idx="0">
+            <a:schemeClr val="dk1"/>
+          </a:effectRef>
+          <a:fontRef idx="minor">
+            <a:schemeClr val="dk1"/>
+          </a:fontRef>
+        </p:style>
+      </p:cxnSp>
+      <p:sp>
+        <p:nvSpPr>
+          <p:cNvPr id="112" name="椭圆 111">
+            <a:extLst>
+              <a:ext uri="{FF2B5EF4-FFF2-40B4-BE49-F238E27FC236}">
+                <a16:creationId xmlns:a16="http://schemas.microsoft.com/office/drawing/2014/main" id="{EE0BE2C9-EF9D-4383-8FF9-41A12D54F1CC}"/>
+              </a:ext>
+            </a:extLst>
+          </p:cNvPr>
+          <p:cNvSpPr/>
+          <p:nvPr/>
+        </p:nvSpPr>
+        <p:spPr>
+          <a:xfrm>
+            <a:off x="9002861" y="4674498"/>
+            <a:ext cx="834312" cy="818585"/>
+          </a:xfrm>
+          <a:prstGeom prst="ellipse">
+            <a:avLst/>
+          </a:prstGeom>
+          <a:ln w="38100"/>
+        </p:spPr>
+        <p:style>
+          <a:lnRef idx="2">
+            <a:schemeClr val="dk1"/>
+          </a:lnRef>
+          <a:fillRef idx="1">
+            <a:schemeClr val="lt1"/>
+          </a:fillRef>
+          <a:effectRef idx="0">
+            <a:schemeClr val="dk1"/>
+          </a:effectRef>
+          <a:fontRef idx="minor">
+            <a:schemeClr val="dk1"/>
+          </a:fontRef>
+        </p:style>
+        <p:txBody>
+          <a:bodyPr rtlCol="0" anchor="ctr"/>
+          <a:lstStyle/>
+          <a:p>
+            <a:pPr algn="ctr"/>
+            <a:r>
+              <a:rPr lang="en-US" altLang="zh-CN" dirty="0"/>
+              <a:t>18</a:t>
+            </a:r>
+            <a:endParaRPr lang="zh-CN" altLang="en-US" dirty="0"/>
+          </a:p>
+        </p:txBody>
+      </p:sp>
+      <p:cxnSp>
+        <p:nvCxnSpPr>
+          <p:cNvPr id="113" name="直接连接符 112">
+            <a:extLst>
+              <a:ext uri="{FF2B5EF4-FFF2-40B4-BE49-F238E27FC236}">
+                <a16:creationId xmlns:a16="http://schemas.microsoft.com/office/drawing/2014/main" id="{0B90F4EA-A7C9-4B5E-A7FE-F4FE3A06D02F}"/>
+              </a:ext>
+            </a:extLst>
+          </p:cNvPr>
+          <p:cNvCxnSpPr>
+            <a:cxnSpLocks/>
+            <a:stCxn id="108" idx="2"/>
+            <a:endCxn id="112" idx="6"/>
+          </p:cNvCxnSpPr>
+          <p:nvPr/>
+        </p:nvCxnSpPr>
+        <p:spPr>
+          <a:xfrm flipH="1">
+            <a:off x="9837173" y="3977038"/>
+            <a:ext cx="608820" cy="1106753"/>
+          </a:xfrm>
+          <a:prstGeom prst="line">
+            <a:avLst/>
+          </a:prstGeom>
+          <a:ln w="38100"/>
+        </p:spPr>
+        <p:style>
+          <a:lnRef idx="2">
+            <a:schemeClr val="dk1"/>
+          </a:lnRef>
+          <a:fillRef idx="1">
+            <a:schemeClr val="lt1"/>
+          </a:fillRef>
+          <a:effectRef idx="0">
+            <a:schemeClr val="dk1"/>
+          </a:effectRef>
+          <a:fontRef idx="minor">
+            <a:schemeClr val="dk1"/>
+          </a:fontRef>
+        </p:style>
+      </p:cxnSp>
+      <p:sp>
+        <p:nvSpPr>
+          <p:cNvPr id="114" name="椭圆 113">
+            <a:extLst>
+              <a:ext uri="{FF2B5EF4-FFF2-40B4-BE49-F238E27FC236}">
+                <a16:creationId xmlns:a16="http://schemas.microsoft.com/office/drawing/2014/main" id="{4739F83B-FDD7-40AD-ADB0-DBE7F0A3CF7D}"/>
+              </a:ext>
+            </a:extLst>
+          </p:cNvPr>
+          <p:cNvSpPr/>
+          <p:nvPr/>
+        </p:nvSpPr>
+        <p:spPr>
+          <a:xfrm>
+            <a:off x="9219863" y="1441280"/>
+            <a:ext cx="834312" cy="818585"/>
+          </a:xfrm>
+          <a:prstGeom prst="ellipse">
+            <a:avLst/>
+          </a:prstGeom>
+          <a:ln w="38100"/>
+        </p:spPr>
+        <p:style>
+          <a:lnRef idx="2">
+            <a:schemeClr val="dk1"/>
+          </a:lnRef>
+          <a:fillRef idx="1">
+            <a:schemeClr val="lt1"/>
+          </a:fillRef>
+          <a:effectRef idx="0">
+            <a:schemeClr val="dk1"/>
+          </a:effectRef>
+          <a:fontRef idx="minor">
+            <a:schemeClr val="dk1"/>
+          </a:fontRef>
+        </p:style>
+        <p:txBody>
+          <a:bodyPr rtlCol="0" anchor="ctr"/>
+          <a:lstStyle/>
+          <a:p>
+            <a:pPr algn="ctr"/>
+            <a:r>
+              <a:rPr lang="en-US" altLang="zh-CN" dirty="0"/>
+              <a:t>3</a:t>
+            </a:r>
+            <a:endParaRPr lang="zh-CN" altLang="en-US" dirty="0"/>
+          </a:p>
+        </p:txBody>
+      </p:sp>
+      <p:cxnSp>
+        <p:nvCxnSpPr>
+          <p:cNvPr id="122" name="直接连接符 121">
+            <a:extLst>
+              <a:ext uri="{FF2B5EF4-FFF2-40B4-BE49-F238E27FC236}">
+                <a16:creationId xmlns:a16="http://schemas.microsoft.com/office/drawing/2014/main" id="{F9B1471F-DE3D-4461-8C78-08767F6C16EE}"/>
+              </a:ext>
+            </a:extLst>
+          </p:cNvPr>
+          <p:cNvCxnSpPr>
+            <a:cxnSpLocks/>
+            <a:stCxn id="91" idx="0"/>
+            <a:endCxn id="97" idx="4"/>
+          </p:cNvCxnSpPr>
+          <p:nvPr/>
+        </p:nvCxnSpPr>
+        <p:spPr>
+          <a:xfrm flipH="1" flipV="1">
+            <a:off x="2529436" y="2419750"/>
+            <a:ext cx="4053618" cy="1133485"/>
+          </a:xfrm>
+          <a:prstGeom prst="line">
+            <a:avLst/>
+          </a:prstGeom>
+          <a:ln w="38100"/>
+        </p:spPr>
+        <p:style>
+          <a:lnRef idx="2">
+            <a:schemeClr val="dk1"/>
+          </a:lnRef>
+          <a:fillRef idx="1">
+            <a:schemeClr val="lt1"/>
+          </a:fillRef>
+          <a:effectRef idx="0">
+            <a:schemeClr val="dk1"/>
+          </a:effectRef>
+          <a:fontRef idx="minor">
+            <a:schemeClr val="dk1"/>
+          </a:fontRef>
+        </p:style>
+      </p:cxnSp>
+      <p:cxnSp>
+        <p:nvCxnSpPr>
+          <p:cNvPr id="177" name="直接连接符 176">
+            <a:extLst>
+              <a:ext uri="{FF2B5EF4-FFF2-40B4-BE49-F238E27FC236}">
+                <a16:creationId xmlns:a16="http://schemas.microsoft.com/office/drawing/2014/main" id="{8CB5C2A0-C5B7-4FC2-966C-A970731088E6}"/>
+              </a:ext>
+            </a:extLst>
+          </p:cNvPr>
+          <p:cNvCxnSpPr>
+            <a:cxnSpLocks/>
+            <a:stCxn id="106" idx="0"/>
+            <a:endCxn id="97" idx="4"/>
+          </p:cNvCxnSpPr>
+          <p:nvPr/>
+        </p:nvCxnSpPr>
+        <p:spPr>
+          <a:xfrm flipH="1" flipV="1">
+            <a:off x="2529436" y="2419750"/>
+            <a:ext cx="6890581" cy="1104712"/>
+          </a:xfrm>
+          <a:prstGeom prst="line">
+            <a:avLst/>
+          </a:prstGeom>
+          <a:ln w="38100"/>
+        </p:spPr>
+        <p:style>
+          <a:lnRef idx="2">
+            <a:schemeClr val="dk1"/>
+          </a:lnRef>
+          <a:fillRef idx="1">
+            <a:schemeClr val="lt1"/>
+          </a:fillRef>
+          <a:effectRef idx="0">
+            <a:schemeClr val="dk1"/>
+          </a:effectRef>
+          <a:fontRef idx="minor">
+            <a:schemeClr val="dk1"/>
+          </a:fontRef>
+        </p:style>
+      </p:cxnSp>
+      <p:cxnSp>
+        <p:nvCxnSpPr>
+          <p:cNvPr id="180" name="直接连接符 179">
+            <a:extLst>
+              <a:ext uri="{FF2B5EF4-FFF2-40B4-BE49-F238E27FC236}">
+                <a16:creationId xmlns:a16="http://schemas.microsoft.com/office/drawing/2014/main" id="{4EE856E8-8C75-430A-B253-5CFE55ED1B8F}"/>
+              </a:ext>
+            </a:extLst>
+          </p:cNvPr>
+          <p:cNvCxnSpPr>
+            <a:cxnSpLocks/>
+            <a:stCxn id="91" idx="0"/>
+            <a:endCxn id="103" idx="4"/>
+          </p:cNvCxnSpPr>
+          <p:nvPr/>
+        </p:nvCxnSpPr>
+        <p:spPr>
+          <a:xfrm flipH="1" flipV="1">
+            <a:off x="5030155" y="2259866"/>
+            <a:ext cx="1552899" cy="1293369"/>
+          </a:xfrm>
+          <a:prstGeom prst="line">
+            <a:avLst/>
+          </a:prstGeom>
+          <a:ln w="38100"/>
+        </p:spPr>
+        <p:style>
+          <a:lnRef idx="2">
+            <a:schemeClr val="dk1"/>
+          </a:lnRef>
+          <a:fillRef idx="1">
+            <a:schemeClr val="lt1"/>
+          </a:fillRef>
+          <a:effectRef idx="0">
+            <a:schemeClr val="dk1"/>
+          </a:effectRef>
+          <a:fontRef idx="minor">
+            <a:schemeClr val="dk1"/>
+          </a:fontRef>
+        </p:style>
+      </p:cxnSp>
+      <p:cxnSp>
+        <p:nvCxnSpPr>
+          <p:cNvPr id="186" name="直接连接符 185">
+            <a:extLst>
+              <a:ext uri="{FF2B5EF4-FFF2-40B4-BE49-F238E27FC236}">
+                <a16:creationId xmlns:a16="http://schemas.microsoft.com/office/drawing/2014/main" id="{A4D2BE17-A038-4F67-B83B-DDBE7FC12626}"/>
+              </a:ext>
+            </a:extLst>
+          </p:cNvPr>
+          <p:cNvCxnSpPr>
+            <a:cxnSpLocks/>
+            <a:stCxn id="10" idx="0"/>
+            <a:endCxn id="100" idx="4"/>
+          </p:cNvCxnSpPr>
+          <p:nvPr/>
+        </p:nvCxnSpPr>
+        <p:spPr>
+          <a:xfrm flipV="1">
+            <a:off x="5208858" y="2259865"/>
+            <a:ext cx="1927442" cy="1319561"/>
+          </a:xfrm>
+          <a:prstGeom prst="line">
+            <a:avLst/>
+          </a:prstGeom>
+          <a:ln w="38100"/>
+        </p:spPr>
+        <p:style>
+          <a:lnRef idx="2">
+            <a:schemeClr val="dk1"/>
+          </a:lnRef>
+          <a:fillRef idx="1">
+            <a:schemeClr val="lt1"/>
+          </a:fillRef>
+          <a:effectRef idx="0">
+            <a:schemeClr val="dk1"/>
+          </a:effectRef>
+          <a:fontRef idx="minor">
+            <a:schemeClr val="dk1"/>
+          </a:fontRef>
+        </p:style>
+      </p:cxnSp>
+      <p:cxnSp>
+        <p:nvCxnSpPr>
+          <p:cNvPr id="189" name="直接连接符 188">
+            <a:extLst>
+              <a:ext uri="{FF2B5EF4-FFF2-40B4-BE49-F238E27FC236}">
+                <a16:creationId xmlns:a16="http://schemas.microsoft.com/office/drawing/2014/main" id="{44CDF354-9801-49AB-999C-78F377BC9618}"/>
+              </a:ext>
+            </a:extLst>
+          </p:cNvPr>
+          <p:cNvCxnSpPr>
+            <a:cxnSpLocks/>
+            <a:stCxn id="93" idx="0"/>
+            <a:endCxn id="100" idx="4"/>
+          </p:cNvCxnSpPr>
+          <p:nvPr/>
+        </p:nvCxnSpPr>
+        <p:spPr>
+          <a:xfrm flipH="1" flipV="1">
+            <a:off x="7136300" y="2259865"/>
+            <a:ext cx="793789" cy="1293370"/>
+          </a:xfrm>
+          <a:prstGeom prst="line">
+            <a:avLst/>
+          </a:prstGeom>
+          <a:ln w="38100"/>
+        </p:spPr>
+        <p:style>
+          <a:lnRef idx="2">
+            <a:schemeClr val="dk1"/>
+          </a:lnRef>
+          <a:fillRef idx="1">
+            <a:schemeClr val="lt1"/>
+          </a:fillRef>
+          <a:effectRef idx="0">
+            <a:schemeClr val="dk1"/>
+          </a:effectRef>
+          <a:fontRef idx="minor">
+            <a:schemeClr val="dk1"/>
+          </a:fontRef>
+        </p:style>
+      </p:cxnSp>
+      <p:cxnSp>
+        <p:nvCxnSpPr>
+          <p:cNvPr id="192" name="直接连接符 191">
+            <a:extLst>
+              <a:ext uri="{FF2B5EF4-FFF2-40B4-BE49-F238E27FC236}">
+                <a16:creationId xmlns:a16="http://schemas.microsoft.com/office/drawing/2014/main" id="{18849883-DC1B-459E-8FAE-C0B419486B2C}"/>
+              </a:ext>
+            </a:extLst>
+          </p:cNvPr>
+          <p:cNvCxnSpPr>
+            <a:cxnSpLocks/>
+            <a:stCxn id="108" idx="0"/>
+            <a:endCxn id="100" idx="4"/>
+          </p:cNvCxnSpPr>
+          <p:nvPr/>
+        </p:nvCxnSpPr>
+        <p:spPr>
+          <a:xfrm flipH="1" flipV="1">
+            <a:off x="7136300" y="2259865"/>
+            <a:ext cx="3726849" cy="1307880"/>
+          </a:xfrm>
+          <a:prstGeom prst="line">
+            <a:avLst/>
+          </a:prstGeom>
+          <a:ln w="38100"/>
+        </p:spPr>
+        <p:style>
+          <a:lnRef idx="2">
+            <a:schemeClr val="dk1"/>
+          </a:lnRef>
+          <a:fillRef idx="1">
+            <a:schemeClr val="lt1"/>
+          </a:fillRef>
+          <a:effectRef idx="0">
+            <a:schemeClr val="dk1"/>
+          </a:effectRef>
+          <a:fontRef idx="minor">
+            <a:schemeClr val="dk1"/>
+          </a:fontRef>
+        </p:style>
+      </p:cxnSp>
+      <p:cxnSp>
+        <p:nvCxnSpPr>
+          <p:cNvPr id="195" name="直接连接符 194">
+            <a:extLst>
+              <a:ext uri="{FF2B5EF4-FFF2-40B4-BE49-F238E27FC236}">
+                <a16:creationId xmlns:a16="http://schemas.microsoft.com/office/drawing/2014/main" id="{667E2CE2-B306-4F6C-BD66-EB219E8B43A7}"/>
+              </a:ext>
+            </a:extLst>
+          </p:cNvPr>
+          <p:cNvCxnSpPr>
+            <a:cxnSpLocks/>
+            <a:stCxn id="10" idx="0"/>
+            <a:endCxn id="114" idx="4"/>
+          </p:cNvCxnSpPr>
+          <p:nvPr/>
+        </p:nvCxnSpPr>
+        <p:spPr>
+          <a:xfrm flipV="1">
+            <a:off x="5208858" y="2259865"/>
+            <a:ext cx="4428161" cy="1319561"/>
+          </a:xfrm>
+          <a:prstGeom prst="line">
+            <a:avLst/>
+          </a:prstGeom>
+          <a:ln w="38100"/>
+        </p:spPr>
+        <p:style>
+          <a:lnRef idx="2">
+            <a:schemeClr val="dk1"/>
+          </a:lnRef>
+          <a:fillRef idx="1">
+            <a:schemeClr val="lt1"/>
+          </a:fillRef>
+          <a:effectRef idx="0">
+            <a:schemeClr val="dk1"/>
+          </a:effectRef>
+          <a:fontRef idx="minor">
+            <a:schemeClr val="dk1"/>
+          </a:fontRef>
+        </p:style>
+      </p:cxnSp>
+      <p:cxnSp>
+        <p:nvCxnSpPr>
+          <p:cNvPr id="198" name="直接连接符 197">
+            <a:extLst>
+              <a:ext uri="{FF2B5EF4-FFF2-40B4-BE49-F238E27FC236}">
+                <a16:creationId xmlns:a16="http://schemas.microsoft.com/office/drawing/2014/main" id="{440356AD-E77F-4370-A307-F2FEFE0D682F}"/>
+              </a:ext>
+            </a:extLst>
+          </p:cNvPr>
+          <p:cNvCxnSpPr>
+            <a:cxnSpLocks/>
+            <a:stCxn id="93" idx="0"/>
+            <a:endCxn id="114" idx="4"/>
+          </p:cNvCxnSpPr>
+          <p:nvPr/>
+        </p:nvCxnSpPr>
+        <p:spPr>
+          <a:xfrm flipV="1">
+            <a:off x="7930089" y="2259865"/>
+            <a:ext cx="1706930" cy="1293370"/>
+          </a:xfrm>
+          <a:prstGeom prst="line">
+            <a:avLst/>
+          </a:prstGeom>
+          <a:ln w="38100"/>
+        </p:spPr>
+        <p:style>
+          <a:lnRef idx="2">
+            <a:schemeClr val="dk1"/>
+          </a:lnRef>
+          <a:fillRef idx="1">
+            <a:schemeClr val="lt1"/>
+          </a:fillRef>
+          <a:effectRef idx="0">
+            <a:schemeClr val="dk1"/>
+          </a:effectRef>
+          <a:fontRef idx="minor">
+            <a:schemeClr val="dk1"/>
+          </a:fontRef>
+        </p:style>
+      </p:cxnSp>
+      <p:cxnSp>
+        <p:nvCxnSpPr>
+          <p:cNvPr id="201" name="直接连接符 200">
+            <a:extLst>
+              <a:ext uri="{FF2B5EF4-FFF2-40B4-BE49-F238E27FC236}">
+                <a16:creationId xmlns:a16="http://schemas.microsoft.com/office/drawing/2014/main" id="{27C98250-AF41-48A9-B190-4333593CDB27}"/>
+              </a:ext>
+            </a:extLst>
+          </p:cNvPr>
+          <p:cNvCxnSpPr>
+            <a:cxnSpLocks/>
+            <a:stCxn id="108" idx="0"/>
+            <a:endCxn id="114" idx="4"/>
+          </p:cNvCxnSpPr>
+          <p:nvPr/>
+        </p:nvCxnSpPr>
+        <p:spPr>
+          <a:xfrm flipH="1" flipV="1">
+            <a:off x="9637019" y="2259865"/>
+            <a:ext cx="1226130" cy="1307880"/>
+          </a:xfrm>
+          <a:prstGeom prst="line">
+            <a:avLst/>
+          </a:prstGeom>
+          <a:ln w="38100"/>
+        </p:spPr>
+        <p:style>
+          <a:lnRef idx="2">
+            <a:schemeClr val="dk1"/>
+          </a:lnRef>
+          <a:fillRef idx="1">
+            <a:schemeClr val="lt1"/>
+          </a:fillRef>
+          <a:effectRef idx="0">
+            <a:schemeClr val="dk1"/>
+          </a:effectRef>
+          <a:fontRef idx="minor">
+            <a:schemeClr val="dk1"/>
+          </a:fontRef>
+        </p:style>
+      </p:cxnSp>
+    </p:spTree>
+    <p:extLst>
+      <p:ext uri="{BB962C8B-B14F-4D97-AF65-F5344CB8AC3E}">
+        <p14:creationId xmlns:p14="http://schemas.microsoft.com/office/powerpoint/2010/main" val="2586743815"/>
+      </p:ext>
+    </p:extLst>
+  </p:cSld>
+  <p:clrMapOvr>
+    <a:masterClrMapping/>
+  </p:clrMapOvr>
+</p:sld>
+</file>
+
+<file path=ppt/slides/slide4.xml><?xml version="1.0" encoding="utf-8"?>
+<p:sld xmlns:a="http://schemas.openxmlformats.org/drawingml/2006/main" xmlns:r="http://schemas.openxmlformats.org/officeDocument/2006/relationships" xmlns:p="http://schemas.openxmlformats.org/presentationml/2006/main">
+  <p:cSld>
+    <p:spTree>
+      <p:nvGrpSpPr>
+        <p:cNvPr id="1" name=""/>
+        <p:cNvGrpSpPr/>
+        <p:nvPr/>
+      </p:nvGrpSpPr>
+      <p:grpSpPr>
+        <a:xfrm>
+          <a:off x="0" y="0"/>
+          <a:ext cx="0" cy="0"/>
+          <a:chOff x="0" y="0"/>
+          <a:chExt cx="0" cy="0"/>
+        </a:xfrm>
+      </p:grpSpPr>
+      <p:sp>
+        <p:nvSpPr>
+          <p:cNvPr id="2" name="标题 1">
+            <a:extLst>
+              <a:ext uri="{FF2B5EF4-FFF2-40B4-BE49-F238E27FC236}">
+                <a16:creationId xmlns:a16="http://schemas.microsoft.com/office/drawing/2014/main" id="{75FA18FA-C233-48A7-AF85-B2D1F5F89946}"/>
+              </a:ext>
+            </a:extLst>
+          </p:cNvPr>
+          <p:cNvSpPr>
+            <a:spLocks noGrp="1"/>
+          </p:cNvSpPr>
+          <p:nvPr>
+            <p:ph type="title"/>
+          </p:nvPr>
+        </p:nvSpPr>
+        <p:spPr/>
+        <p:txBody>
+          <a:bodyPr/>
+          <a:lstStyle/>
+          <a:p>
+            <a:r>
+              <a:rPr lang="en-US" altLang="zh-CN" dirty="0"/>
+              <a:t>SAM Design – Ryu(border)</a:t>
+            </a:r>
+            <a:endParaRPr lang="zh-CN" altLang="en-US" dirty="0"/>
+          </a:p>
+        </p:txBody>
+      </p:sp>
+      <p:sp>
+        <p:nvSpPr>
+          <p:cNvPr id="4" name="矩形 3">
+            <a:extLst>
+              <a:ext uri="{FF2B5EF4-FFF2-40B4-BE49-F238E27FC236}">
+                <a16:creationId xmlns:a16="http://schemas.microsoft.com/office/drawing/2014/main" id="{4936DC08-1554-470C-A2BD-377C9EF887DD}"/>
+              </a:ext>
+            </a:extLst>
+          </p:cNvPr>
+          <p:cNvSpPr/>
+          <p:nvPr/>
+        </p:nvSpPr>
+        <p:spPr>
+          <a:xfrm>
+            <a:off x="844941" y="2661800"/>
+            <a:ext cx="10644326" cy="3126441"/>
+          </a:xfrm>
+          <a:prstGeom prst="rect">
+            <a:avLst/>
+          </a:prstGeom>
+        </p:spPr>
+        <p:style>
+          <a:lnRef idx="2">
+            <a:schemeClr val="accent6"/>
+          </a:lnRef>
+          <a:fillRef idx="1">
+            <a:schemeClr val="lt1"/>
+          </a:fillRef>
+          <a:effectRef idx="0">
+            <a:schemeClr val="accent6"/>
+          </a:effectRef>
+          <a:fontRef idx="minor">
+            <a:schemeClr val="dk1"/>
+          </a:fontRef>
+        </p:style>
+        <p:txBody>
+          <a:bodyPr rtlCol="0" anchor="ctr"/>
+          <a:lstStyle/>
+          <a:p>
+            <a:pPr algn="ctr"/>
+            <a:endParaRPr lang="zh-CN" altLang="en-US" dirty="0"/>
+          </a:p>
+        </p:txBody>
+      </p:sp>
+      <p:sp>
+        <p:nvSpPr>
+          <p:cNvPr id="5" name="矩形 4">
+            <a:extLst>
+              <a:ext uri="{FF2B5EF4-FFF2-40B4-BE49-F238E27FC236}">
+                <a16:creationId xmlns:a16="http://schemas.microsoft.com/office/drawing/2014/main" id="{D3D897B1-4F28-4913-9605-0F11B3D0EAD4}"/>
+              </a:ext>
+            </a:extLst>
+          </p:cNvPr>
+          <p:cNvSpPr/>
+          <p:nvPr/>
+        </p:nvSpPr>
+        <p:spPr>
+          <a:xfrm>
+            <a:off x="4226124" y="4793010"/>
+            <a:ext cx="2997615" cy="556988"/>
+          </a:xfrm>
+          <a:prstGeom prst="rect">
+            <a:avLst/>
+          </a:prstGeom>
+        </p:spPr>
+        <p:style>
+          <a:lnRef idx="2">
+            <a:schemeClr val="accent1">
+              <a:shade val="50000"/>
+            </a:schemeClr>
+          </a:lnRef>
+          <a:fillRef idx="1">
+            <a:schemeClr val="accent1"/>
+          </a:fillRef>
+          <a:effectRef idx="0">
+            <a:schemeClr val="accent1"/>
+          </a:effectRef>
+          <a:fontRef idx="minor">
+            <a:schemeClr val="lt1"/>
+          </a:fontRef>
+        </p:style>
+        <p:txBody>
+          <a:bodyPr rtlCol="0" anchor="ctr"/>
+          <a:lstStyle/>
+          <a:p>
+            <a:pPr algn="ctr"/>
+            <a:r>
+              <a:rPr lang="en-US" altLang="zh-CN" dirty="0"/>
+              <a:t>Routing command processor </a:t>
+            </a:r>
+            <a:endParaRPr lang="zh-CN" altLang="en-US" dirty="0"/>
+          </a:p>
+        </p:txBody>
+      </p:sp>
+      <p:sp>
+        <p:nvSpPr>
+          <p:cNvPr id="7" name="文本框 6">
+            <a:extLst>
+              <a:ext uri="{FF2B5EF4-FFF2-40B4-BE49-F238E27FC236}">
+                <a16:creationId xmlns:a16="http://schemas.microsoft.com/office/drawing/2014/main" id="{23FC44CC-61B5-48F9-A828-E5266467FEDD}"/>
+              </a:ext>
+            </a:extLst>
+          </p:cNvPr>
+          <p:cNvSpPr txBox="1"/>
+          <p:nvPr/>
+        </p:nvSpPr>
+        <p:spPr>
+          <a:xfrm>
+            <a:off x="5902254" y="2290421"/>
+            <a:ext cx="1053494" cy="369332"/>
+          </a:xfrm>
+          <a:prstGeom prst="rect">
+            <a:avLst/>
+          </a:prstGeom>
+          <a:noFill/>
+        </p:spPr>
+        <p:txBody>
+          <a:bodyPr wrap="none" rtlCol="0">
+            <a:spAutoFit/>
+          </a:bodyPr>
+          <a:lstStyle/>
+          <a:p>
+            <a:r>
+              <a:rPr lang="en-US" altLang="zh-CN" dirty="0"/>
+              <a:t>message</a:t>
+            </a:r>
+            <a:endParaRPr lang="zh-CN" altLang="en-US" dirty="0"/>
+          </a:p>
+        </p:txBody>
+      </p:sp>
+      <p:sp>
+        <p:nvSpPr>
+          <p:cNvPr id="8" name="矩形 7">
+            <a:extLst>
+              <a:ext uri="{FF2B5EF4-FFF2-40B4-BE49-F238E27FC236}">
+                <a16:creationId xmlns:a16="http://schemas.microsoft.com/office/drawing/2014/main" id="{A6C2DB94-9DFA-4E47-A700-016BCB4BA960}"/>
+              </a:ext>
+            </a:extLst>
+          </p:cNvPr>
+          <p:cNvSpPr/>
+          <p:nvPr/>
+        </p:nvSpPr>
+        <p:spPr>
+          <a:xfrm>
+            <a:off x="4770347" y="2822959"/>
+            <a:ext cx="2007831" cy="535762"/>
+          </a:xfrm>
+          <a:prstGeom prst="rect">
+            <a:avLst/>
+          </a:prstGeom>
+        </p:spPr>
+        <p:style>
+          <a:lnRef idx="2">
+            <a:schemeClr val="accent1">
+              <a:shade val="50000"/>
+            </a:schemeClr>
+          </a:lnRef>
+          <a:fillRef idx="1">
+            <a:schemeClr val="accent1"/>
+          </a:fillRef>
+          <a:effectRef idx="0">
+            <a:schemeClr val="accent1"/>
+          </a:effectRef>
+          <a:fontRef idx="minor">
+            <a:schemeClr val="lt1"/>
+          </a:fontRef>
+        </p:style>
+        <p:txBody>
+          <a:bodyPr rtlCol="0" anchor="ctr"/>
+          <a:lstStyle/>
+          <a:p>
+            <a:pPr algn="ctr"/>
+            <a:r>
+              <a:rPr lang="en-US" altLang="zh-CN" dirty="0" err="1"/>
+              <a:t>MessageAgent</a:t>
+            </a:r>
+            <a:endParaRPr lang="zh-CN" altLang="en-US" dirty="0"/>
+          </a:p>
+        </p:txBody>
+      </p:sp>
+      <p:sp>
+        <p:nvSpPr>
+          <p:cNvPr id="6" name="箭头: 右 5">
+            <a:extLst>
+              <a:ext uri="{FF2B5EF4-FFF2-40B4-BE49-F238E27FC236}">
+                <a16:creationId xmlns:a16="http://schemas.microsoft.com/office/drawing/2014/main" id="{AFABD06F-FE3C-44CB-A355-AF185771326E}"/>
+              </a:ext>
+            </a:extLst>
+          </p:cNvPr>
+          <p:cNvSpPr/>
+          <p:nvPr/>
+        </p:nvSpPr>
+        <p:spPr>
+          <a:xfrm rot="5400000">
+            <a:off x="5330278" y="2442053"/>
+            <a:ext cx="673434" cy="470517"/>
+          </a:xfrm>
+          <a:prstGeom prst="rightArrow">
+            <a:avLst/>
+          </a:prstGeom>
+        </p:spPr>
+        <p:style>
+          <a:lnRef idx="2">
+            <a:schemeClr val="accent2">
+              <a:shade val="50000"/>
+            </a:schemeClr>
+          </a:lnRef>
+          <a:fillRef idx="1">
+            <a:schemeClr val="accent2"/>
+          </a:fillRef>
+          <a:effectRef idx="0">
+            <a:schemeClr val="accent2"/>
+          </a:effectRef>
+          <a:fontRef idx="minor">
+            <a:schemeClr val="lt1"/>
+          </a:fontRef>
+        </p:style>
+        <p:txBody>
+          <a:bodyPr rtlCol="0" anchor="ctr"/>
+          <a:lstStyle/>
+          <a:p>
+            <a:pPr algn="ctr"/>
+            <a:endParaRPr lang="zh-CN" altLang="en-US"/>
+          </a:p>
+        </p:txBody>
+      </p:sp>
+      <p:sp>
+        <p:nvSpPr>
+          <p:cNvPr id="9" name="箭头: 右 8">
+            <a:extLst>
+              <a:ext uri="{FF2B5EF4-FFF2-40B4-BE49-F238E27FC236}">
+                <a16:creationId xmlns:a16="http://schemas.microsoft.com/office/drawing/2014/main" id="{2F585151-A179-46E0-9CC1-346AE0024840}"/>
+              </a:ext>
+            </a:extLst>
+          </p:cNvPr>
+          <p:cNvSpPr/>
+          <p:nvPr/>
+        </p:nvSpPr>
+        <p:spPr>
+          <a:xfrm rot="5400000">
+            <a:off x="5024645" y="3757857"/>
+            <a:ext cx="1299811" cy="470517"/>
+          </a:xfrm>
+          <a:prstGeom prst="rightArrow">
+            <a:avLst/>
+          </a:prstGeom>
+        </p:spPr>
+        <p:style>
+          <a:lnRef idx="2">
+            <a:schemeClr val="accent2">
+              <a:shade val="50000"/>
+            </a:schemeClr>
+          </a:lnRef>
+          <a:fillRef idx="1">
+            <a:schemeClr val="accent2"/>
+          </a:fillRef>
+          <a:effectRef idx="0">
+            <a:schemeClr val="accent2"/>
+          </a:effectRef>
+          <a:fontRef idx="minor">
+            <a:schemeClr val="lt1"/>
+          </a:fontRef>
+        </p:style>
+        <p:txBody>
+          <a:bodyPr rtlCol="0" anchor="ctr"/>
+          <a:lstStyle/>
+          <a:p>
+            <a:pPr algn="ctr"/>
+            <a:endParaRPr lang="zh-CN" altLang="en-US"/>
+          </a:p>
+        </p:txBody>
+      </p:sp>
+      <p:sp>
+        <p:nvSpPr>
+          <p:cNvPr id="10" name="文本框 9">
+            <a:extLst>
+              <a:ext uri="{FF2B5EF4-FFF2-40B4-BE49-F238E27FC236}">
+                <a16:creationId xmlns:a16="http://schemas.microsoft.com/office/drawing/2014/main" id="{F34AEDBD-6E79-4E09-A697-32C6CCA48809}"/>
+              </a:ext>
+            </a:extLst>
+          </p:cNvPr>
+          <p:cNvSpPr txBox="1"/>
+          <p:nvPr/>
+        </p:nvSpPr>
+        <p:spPr>
+          <a:xfrm>
+            <a:off x="4471136" y="4089198"/>
+            <a:ext cx="2307042" cy="369332"/>
+          </a:xfrm>
+          <a:prstGeom prst="rect">
+            <a:avLst/>
+          </a:prstGeom>
+          <a:noFill/>
+        </p:spPr>
+        <p:txBody>
+          <a:bodyPr wrap="none" rtlCol="0">
+            <a:spAutoFit/>
+          </a:bodyPr>
+          <a:lstStyle/>
+          <a:p>
+            <a:r>
+              <a:rPr lang="en-US" altLang="zh-CN" dirty="0"/>
+              <a:t>FIB update command</a:t>
+            </a:r>
+            <a:endParaRPr lang="zh-CN" altLang="en-US" dirty="0"/>
+          </a:p>
+        </p:txBody>
+      </p:sp>
+      <p:sp>
+        <p:nvSpPr>
+          <p:cNvPr id="15" name="箭头: 右 14">
+            <a:extLst>
+              <a:ext uri="{FF2B5EF4-FFF2-40B4-BE49-F238E27FC236}">
+                <a16:creationId xmlns:a16="http://schemas.microsoft.com/office/drawing/2014/main" id="{07AD1ED3-A9F9-4AB0-8CF3-F0CDF5D120F7}"/>
+              </a:ext>
+            </a:extLst>
+          </p:cNvPr>
+          <p:cNvSpPr/>
+          <p:nvPr/>
+        </p:nvSpPr>
+        <p:spPr>
+          <a:xfrm rot="8426562">
+            <a:off x="1909336" y="3481173"/>
+            <a:ext cx="2716749" cy="470517"/>
+          </a:xfrm>
+          <a:prstGeom prst="rightArrow">
+            <a:avLst/>
+          </a:prstGeom>
+        </p:spPr>
+        <p:style>
+          <a:lnRef idx="2">
+            <a:schemeClr val="accent2">
+              <a:shade val="50000"/>
+            </a:schemeClr>
+          </a:lnRef>
+          <a:fillRef idx="1">
+            <a:schemeClr val="accent2"/>
+          </a:fillRef>
+          <a:effectRef idx="0">
+            <a:schemeClr val="accent2"/>
+          </a:effectRef>
+          <a:fontRef idx="minor">
+            <a:schemeClr val="lt1"/>
+          </a:fontRef>
+        </p:style>
+        <p:txBody>
+          <a:bodyPr rtlCol="0" anchor="ctr"/>
+          <a:lstStyle/>
+          <a:p>
+            <a:pPr algn="ctr"/>
+            <a:endParaRPr lang="zh-CN" altLang="en-US"/>
+          </a:p>
+        </p:txBody>
+      </p:sp>
+      <p:sp>
+        <p:nvSpPr>
+          <p:cNvPr id="17" name="矩形 16">
+            <a:extLst>
+              <a:ext uri="{FF2B5EF4-FFF2-40B4-BE49-F238E27FC236}">
+                <a16:creationId xmlns:a16="http://schemas.microsoft.com/office/drawing/2014/main" id="{2A017AB5-B7FD-407D-B7D6-CC3CD80B42E4}"/>
+              </a:ext>
+            </a:extLst>
+          </p:cNvPr>
+          <p:cNvSpPr/>
+          <p:nvPr/>
+        </p:nvSpPr>
+        <p:spPr>
+          <a:xfrm>
+            <a:off x="1676288" y="4779781"/>
+            <a:ext cx="2007831" cy="535762"/>
+          </a:xfrm>
+          <a:prstGeom prst="rect">
+            <a:avLst/>
+          </a:prstGeom>
+        </p:spPr>
+        <p:style>
+          <a:lnRef idx="2">
+            <a:schemeClr val="accent1">
+              <a:shade val="50000"/>
+            </a:schemeClr>
+          </a:lnRef>
+          <a:fillRef idx="1">
+            <a:schemeClr val="accent1"/>
+          </a:fillRef>
+          <a:effectRef idx="0">
+            <a:schemeClr val="accent1"/>
+          </a:effectRef>
+          <a:fontRef idx="minor">
+            <a:schemeClr val="lt1"/>
+          </a:fontRef>
+        </p:style>
+        <p:txBody>
+          <a:bodyPr rtlCol="0" anchor="ctr"/>
+          <a:lstStyle/>
+          <a:p>
+            <a:pPr algn="ctr"/>
+            <a:r>
+              <a:rPr lang="en-US" altLang="zh-CN" dirty="0"/>
+              <a:t>network States Manager</a:t>
+            </a:r>
+            <a:endParaRPr lang="zh-CN" altLang="en-US" dirty="0"/>
+          </a:p>
+        </p:txBody>
+      </p:sp>
+      <p:sp>
+        <p:nvSpPr>
+          <p:cNvPr id="22" name="箭头: 右 21">
+            <a:extLst>
+              <a:ext uri="{FF2B5EF4-FFF2-40B4-BE49-F238E27FC236}">
+                <a16:creationId xmlns:a16="http://schemas.microsoft.com/office/drawing/2014/main" id="{1D2DE9E9-CF05-4E33-B5DE-8B46427E9E87}"/>
+              </a:ext>
+            </a:extLst>
+          </p:cNvPr>
+          <p:cNvSpPr/>
+          <p:nvPr/>
+        </p:nvSpPr>
+        <p:spPr>
+          <a:xfrm rot="5400000">
+            <a:off x="5151452" y="5659063"/>
+            <a:ext cx="1046195" cy="470517"/>
+          </a:xfrm>
+          <a:prstGeom prst="rightArrow">
+            <a:avLst/>
+          </a:prstGeom>
+        </p:spPr>
+        <p:style>
+          <a:lnRef idx="2">
+            <a:schemeClr val="accent2">
+              <a:shade val="50000"/>
+            </a:schemeClr>
+          </a:lnRef>
+          <a:fillRef idx="1">
+            <a:schemeClr val="accent2"/>
+          </a:fillRef>
+          <a:effectRef idx="0">
+            <a:schemeClr val="accent2"/>
+          </a:effectRef>
+          <a:fontRef idx="minor">
+            <a:schemeClr val="lt1"/>
+          </a:fontRef>
+        </p:style>
+        <p:txBody>
+          <a:bodyPr rtlCol="0" anchor="ctr"/>
+          <a:lstStyle/>
+          <a:p>
+            <a:pPr algn="ctr"/>
+            <a:endParaRPr lang="zh-CN" altLang="en-US"/>
+          </a:p>
+        </p:txBody>
+      </p:sp>
+      <p:sp>
+        <p:nvSpPr>
+          <p:cNvPr id="23" name="文本框 22">
+            <a:extLst>
+              <a:ext uri="{FF2B5EF4-FFF2-40B4-BE49-F238E27FC236}">
+                <a16:creationId xmlns:a16="http://schemas.microsoft.com/office/drawing/2014/main" id="{29F985CD-57EF-4F39-AAE9-738690372240}"/>
+              </a:ext>
+            </a:extLst>
+          </p:cNvPr>
+          <p:cNvSpPr txBox="1"/>
+          <p:nvPr/>
+        </p:nvSpPr>
+        <p:spPr>
+          <a:xfrm>
+            <a:off x="3698272" y="6005357"/>
+            <a:ext cx="1109599" cy="369332"/>
+          </a:xfrm>
+          <a:prstGeom prst="rect">
+            <a:avLst/>
+          </a:prstGeom>
+          <a:noFill/>
+        </p:spPr>
+        <p:txBody>
+          <a:bodyPr wrap="none" rtlCol="0">
+            <a:spAutoFit/>
+          </a:bodyPr>
+          <a:lstStyle/>
+          <a:p>
+            <a:r>
+              <a:rPr lang="en-US" altLang="zh-CN" dirty="0" err="1"/>
+              <a:t>openflow</a:t>
+            </a:r>
+            <a:endParaRPr lang="zh-CN" altLang="en-US" dirty="0"/>
+          </a:p>
+        </p:txBody>
+      </p:sp>
+      <p:sp>
+        <p:nvSpPr>
+          <p:cNvPr id="25" name="文本框 24">
+            <a:extLst>
+              <a:ext uri="{FF2B5EF4-FFF2-40B4-BE49-F238E27FC236}">
+                <a16:creationId xmlns:a16="http://schemas.microsoft.com/office/drawing/2014/main" id="{CCAE58D7-CE61-4357-B327-E0094950DEAC}"/>
+              </a:ext>
+            </a:extLst>
+          </p:cNvPr>
+          <p:cNvSpPr txBox="1"/>
+          <p:nvPr/>
+        </p:nvSpPr>
+        <p:spPr>
+          <a:xfrm>
+            <a:off x="1024617" y="3327297"/>
+            <a:ext cx="2613216" cy="369332"/>
+          </a:xfrm>
+          <a:prstGeom prst="rect">
+            <a:avLst/>
+          </a:prstGeom>
+          <a:noFill/>
+        </p:spPr>
+        <p:txBody>
+          <a:bodyPr wrap="none" rtlCol="0">
+            <a:spAutoFit/>
+          </a:bodyPr>
+          <a:lstStyle/>
+          <a:p>
+            <a:r>
+              <a:rPr lang="en-US" altLang="zh-CN" dirty="0"/>
+              <a:t>Measurement command</a:t>
+            </a:r>
+            <a:endParaRPr lang="zh-CN" altLang="en-US" dirty="0"/>
+          </a:p>
+        </p:txBody>
+      </p:sp>
+      <p:sp>
+        <p:nvSpPr>
+          <p:cNvPr id="24" name="箭头: 右 23">
+            <a:extLst>
+              <a:ext uri="{FF2B5EF4-FFF2-40B4-BE49-F238E27FC236}">
+                <a16:creationId xmlns:a16="http://schemas.microsoft.com/office/drawing/2014/main" id="{85492DC0-E1C2-4BFF-A955-3B9AD2A60AE0}"/>
+              </a:ext>
+            </a:extLst>
+          </p:cNvPr>
+          <p:cNvSpPr/>
+          <p:nvPr/>
+        </p:nvSpPr>
+        <p:spPr>
+          <a:xfrm rot="5400000">
+            <a:off x="2105195" y="5643442"/>
+            <a:ext cx="1077437" cy="470517"/>
+          </a:xfrm>
+          <a:prstGeom prst="rightArrow">
+            <a:avLst/>
+          </a:prstGeom>
+        </p:spPr>
+        <p:style>
+          <a:lnRef idx="2">
+            <a:schemeClr val="accent2">
+              <a:shade val="50000"/>
+            </a:schemeClr>
+          </a:lnRef>
+          <a:fillRef idx="1">
+            <a:schemeClr val="accent2"/>
+          </a:fillRef>
+          <a:effectRef idx="0">
+            <a:schemeClr val="accent2"/>
+          </a:effectRef>
+          <a:fontRef idx="minor">
+            <a:schemeClr val="lt1"/>
+          </a:fontRef>
+        </p:style>
+        <p:txBody>
+          <a:bodyPr rtlCol="0" anchor="ctr"/>
+          <a:lstStyle/>
+          <a:p>
+            <a:pPr algn="ctr"/>
+            <a:endParaRPr lang="zh-CN" altLang="en-US"/>
+          </a:p>
+        </p:txBody>
+      </p:sp>
+      <p:sp>
+        <p:nvSpPr>
+          <p:cNvPr id="26" name="文本框 25">
+            <a:extLst>
+              <a:ext uri="{FF2B5EF4-FFF2-40B4-BE49-F238E27FC236}">
+                <a16:creationId xmlns:a16="http://schemas.microsoft.com/office/drawing/2014/main" id="{39629660-4674-448D-BC19-7EFD5BFB3910}"/>
+              </a:ext>
+            </a:extLst>
+          </p:cNvPr>
+          <p:cNvSpPr txBox="1"/>
+          <p:nvPr/>
+        </p:nvSpPr>
+        <p:spPr>
+          <a:xfrm>
+            <a:off x="1763127" y="5429522"/>
+            <a:ext cx="1935145" cy="369332"/>
+          </a:xfrm>
+          <a:prstGeom prst="rect">
+            <a:avLst/>
+          </a:prstGeom>
+          <a:noFill/>
+        </p:spPr>
+        <p:txBody>
+          <a:bodyPr wrap="none" rtlCol="0">
+            <a:spAutoFit/>
+          </a:bodyPr>
+          <a:lstStyle/>
+          <a:p>
+            <a:r>
+              <a:rPr lang="en-US" altLang="zh-CN" dirty="0"/>
+              <a:t>Get network state</a:t>
+            </a:r>
+            <a:endParaRPr lang="zh-CN" altLang="en-US" dirty="0"/>
+          </a:p>
+        </p:txBody>
+      </p:sp>
+      <p:sp>
+        <p:nvSpPr>
+          <p:cNvPr id="29" name="文本框 28">
+            <a:extLst>
+              <a:ext uri="{FF2B5EF4-FFF2-40B4-BE49-F238E27FC236}">
+                <a16:creationId xmlns:a16="http://schemas.microsoft.com/office/drawing/2014/main" id="{79AD754F-D05B-438E-86E2-88B3661ABCD8}"/>
+              </a:ext>
+            </a:extLst>
+          </p:cNvPr>
+          <p:cNvSpPr txBox="1"/>
+          <p:nvPr/>
+        </p:nvSpPr>
+        <p:spPr>
+          <a:xfrm>
+            <a:off x="5591379" y="5453364"/>
+            <a:ext cx="1657826" cy="369332"/>
+          </a:xfrm>
+          <a:prstGeom prst="rect">
+            <a:avLst/>
+          </a:prstGeom>
+          <a:noFill/>
+        </p:spPr>
+        <p:txBody>
+          <a:bodyPr wrap="none" rtlCol="0">
+            <a:spAutoFit/>
+          </a:bodyPr>
+          <a:lstStyle/>
+          <a:p>
+            <a:r>
+              <a:rPr lang="en-US" altLang="zh-CN" dirty="0"/>
+              <a:t>Add/delete FIB</a:t>
+            </a:r>
+            <a:endParaRPr lang="zh-CN" altLang="en-US" dirty="0"/>
+          </a:p>
+        </p:txBody>
+      </p:sp>
+      <p:sp>
+        <p:nvSpPr>
+          <p:cNvPr id="30" name="箭头: 右 29">
+            <a:extLst>
+              <a:ext uri="{FF2B5EF4-FFF2-40B4-BE49-F238E27FC236}">
+                <a16:creationId xmlns:a16="http://schemas.microsoft.com/office/drawing/2014/main" id="{DA6C83AD-B90B-4554-85E9-C70AB0209804}"/>
+              </a:ext>
+            </a:extLst>
+          </p:cNvPr>
+          <p:cNvSpPr/>
+          <p:nvPr/>
+        </p:nvSpPr>
+        <p:spPr>
+          <a:xfrm rot="19173331">
+            <a:off x="2731911" y="3609002"/>
+            <a:ext cx="2373043" cy="470517"/>
+          </a:xfrm>
+          <a:prstGeom prst="rightArrow">
+            <a:avLst/>
+          </a:prstGeom>
+        </p:spPr>
+        <p:style>
+          <a:lnRef idx="2">
+            <a:schemeClr val="accent2">
+              <a:shade val="50000"/>
+            </a:schemeClr>
+          </a:lnRef>
+          <a:fillRef idx="1">
+            <a:schemeClr val="accent2"/>
+          </a:fillRef>
+          <a:effectRef idx="0">
+            <a:schemeClr val="accent2"/>
+          </a:effectRef>
+          <a:fontRef idx="minor">
+            <a:schemeClr val="lt1"/>
+          </a:fontRef>
+        </p:style>
+        <p:txBody>
+          <a:bodyPr rtlCol="0" anchor="ctr"/>
+          <a:lstStyle/>
+          <a:p>
+            <a:pPr algn="ctr"/>
+            <a:endParaRPr lang="zh-CN" altLang="en-US"/>
+          </a:p>
+        </p:txBody>
+      </p:sp>
+      <p:sp>
+        <p:nvSpPr>
+          <p:cNvPr id="31" name="文本框 30">
+            <a:extLst>
+              <a:ext uri="{FF2B5EF4-FFF2-40B4-BE49-F238E27FC236}">
+                <a16:creationId xmlns:a16="http://schemas.microsoft.com/office/drawing/2014/main" id="{7AAB98CF-1257-41C2-A537-27B603DFED8E}"/>
+              </a:ext>
+            </a:extLst>
+          </p:cNvPr>
+          <p:cNvSpPr txBox="1"/>
+          <p:nvPr/>
+        </p:nvSpPr>
+        <p:spPr>
+          <a:xfrm>
+            <a:off x="3637833" y="3852921"/>
+            <a:ext cx="728084" cy="369332"/>
+          </a:xfrm>
+          <a:prstGeom prst="rect">
+            <a:avLst/>
+          </a:prstGeom>
+          <a:noFill/>
+        </p:spPr>
+        <p:txBody>
+          <a:bodyPr wrap="none" rtlCol="0">
+            <a:spAutoFit/>
+          </a:bodyPr>
+          <a:lstStyle/>
+          <a:p>
+            <a:r>
+              <a:rPr lang="en-US" altLang="zh-CN" dirty="0"/>
+              <a:t>result</a:t>
+            </a:r>
+            <a:endParaRPr lang="zh-CN" altLang="en-US" dirty="0"/>
+          </a:p>
+        </p:txBody>
+      </p:sp>
+      <p:sp>
+        <p:nvSpPr>
+          <p:cNvPr id="3" name="文本框 2">
+            <a:extLst>
+              <a:ext uri="{FF2B5EF4-FFF2-40B4-BE49-F238E27FC236}">
+                <a16:creationId xmlns:a16="http://schemas.microsoft.com/office/drawing/2014/main" id="{6F916721-FD16-4113-BCDD-BA227813A647}"/>
+              </a:ext>
+            </a:extLst>
+          </p:cNvPr>
+          <p:cNvSpPr txBox="1"/>
+          <p:nvPr/>
+        </p:nvSpPr>
+        <p:spPr>
+          <a:xfrm>
+            <a:off x="1676288" y="3025776"/>
+            <a:ext cx="1588897" cy="369332"/>
+          </a:xfrm>
+          <a:prstGeom prst="rect">
+            <a:avLst/>
+          </a:prstGeom>
+          <a:noFill/>
+        </p:spPr>
+        <p:txBody>
+          <a:bodyPr wrap="none" rtlCol="0">
+            <a:spAutoFit/>
+          </a:bodyPr>
+          <a:lstStyle/>
+          <a:p>
+            <a:r>
+              <a:rPr lang="en-US" altLang="zh-CN" dirty="0" err="1"/>
+              <a:t>getTopology</a:t>
+            </a:r>
+            <a:r>
+              <a:rPr lang="en-US" altLang="zh-CN" dirty="0"/>
+              <a:t>()</a:t>
+            </a:r>
+            <a:endParaRPr lang="zh-CN" altLang="en-US" dirty="0"/>
+          </a:p>
+        </p:txBody>
+      </p:sp>
+      <p:sp>
+        <p:nvSpPr>
+          <p:cNvPr id="21" name="文本框 20">
+            <a:extLst>
+              <a:ext uri="{FF2B5EF4-FFF2-40B4-BE49-F238E27FC236}">
+                <a16:creationId xmlns:a16="http://schemas.microsoft.com/office/drawing/2014/main" id="{764F0103-5F6A-423D-A725-C9383277D425}"/>
+              </a:ext>
+            </a:extLst>
+          </p:cNvPr>
+          <p:cNvSpPr txBox="1"/>
+          <p:nvPr/>
+        </p:nvSpPr>
+        <p:spPr>
+          <a:xfrm>
+            <a:off x="6955748" y="3982551"/>
+            <a:ext cx="2898550" cy="646331"/>
+          </a:xfrm>
+          <a:prstGeom prst="rect">
+            <a:avLst/>
+          </a:prstGeom>
+          <a:noFill/>
+        </p:spPr>
+        <p:txBody>
+          <a:bodyPr wrap="none" rtlCol="0">
+            <a:spAutoFit/>
+          </a:bodyPr>
+          <a:lstStyle/>
+          <a:p>
+            <a:r>
+              <a:rPr lang="en-US" altLang="zh-CN" dirty="0" err="1"/>
+              <a:t>installFIB</a:t>
+            </a:r>
+            <a:r>
+              <a:rPr lang="en-US" altLang="zh-CN" dirty="0"/>
+              <a:t>(</a:t>
+            </a:r>
+            <a:r>
+              <a:rPr lang="en-US" altLang="zh-CN" dirty="0" err="1"/>
+              <a:t>switched,fibEntry</a:t>
+            </a:r>
+            <a:r>
+              <a:rPr lang="en-US" altLang="zh-CN" dirty="0"/>
+              <a:t>)</a:t>
+            </a:r>
+          </a:p>
+          <a:p>
+            <a:r>
+              <a:rPr lang="en-US" altLang="zh-CN" dirty="0" err="1"/>
+              <a:t>deleteFIB</a:t>
+            </a:r>
+            <a:r>
+              <a:rPr lang="en-US" altLang="zh-CN" dirty="0"/>
+              <a:t>(</a:t>
+            </a:r>
+            <a:r>
+              <a:rPr lang="en-US" altLang="zh-CN" dirty="0" err="1"/>
+              <a:t>switched,fibEntry</a:t>
+            </a:r>
+            <a:r>
+              <a:rPr lang="en-US" altLang="zh-CN" dirty="0"/>
+              <a:t>)</a:t>
+            </a:r>
+            <a:endParaRPr lang="zh-CN" altLang="en-US" dirty="0"/>
+          </a:p>
+        </p:txBody>
+      </p:sp>
+      <p:sp>
+        <p:nvSpPr>
+          <p:cNvPr id="11" name="矩形 10">
+            <a:extLst>
+              <a:ext uri="{FF2B5EF4-FFF2-40B4-BE49-F238E27FC236}">
+                <a16:creationId xmlns:a16="http://schemas.microsoft.com/office/drawing/2014/main" id="{A71960F0-59CF-4375-BFB9-2D53A272F2F3}"/>
+              </a:ext>
+            </a:extLst>
+          </p:cNvPr>
+          <p:cNvSpPr/>
+          <p:nvPr/>
+        </p:nvSpPr>
+        <p:spPr>
+          <a:xfrm>
+            <a:off x="1393793" y="4679472"/>
+            <a:ext cx="6711519" cy="773892"/>
+          </a:xfrm>
+          <a:prstGeom prst="rect">
+            <a:avLst/>
+          </a:prstGeom>
+          <a:noFill/>
+          <a:ln w="57150"/>
+        </p:spPr>
+        <p:style>
+          <a:lnRef idx="2">
+            <a:schemeClr val="accent1"/>
+          </a:lnRef>
+          <a:fillRef idx="1">
+            <a:schemeClr val="lt1"/>
+          </a:fillRef>
+          <a:effectRef idx="0">
+            <a:schemeClr val="accent1"/>
+          </a:effectRef>
+          <a:fontRef idx="minor">
+            <a:schemeClr val="dk1"/>
+          </a:fontRef>
+        </p:style>
+        <p:txBody>
+          <a:bodyPr rtlCol="0" anchor="ctr"/>
+          <a:lstStyle/>
+          <a:p>
+            <a:pPr algn="ctr"/>
+            <a:endParaRPr lang="zh-CN" altLang="en-US"/>
+          </a:p>
+        </p:txBody>
+      </p:sp>
+      <p:sp>
+        <p:nvSpPr>
+          <p:cNvPr id="27" name="文本框 26">
+            <a:extLst>
+              <a:ext uri="{FF2B5EF4-FFF2-40B4-BE49-F238E27FC236}">
+                <a16:creationId xmlns:a16="http://schemas.microsoft.com/office/drawing/2014/main" id="{441C906A-C12F-4F88-8A3D-47B266542328}"/>
+              </a:ext>
+            </a:extLst>
+          </p:cNvPr>
+          <p:cNvSpPr txBox="1"/>
+          <p:nvPr/>
+        </p:nvSpPr>
+        <p:spPr>
+          <a:xfrm>
+            <a:off x="5902254" y="495444"/>
+            <a:ext cx="6080511" cy="1477328"/>
+          </a:xfrm>
+          <a:prstGeom prst="rect">
+            <a:avLst/>
+          </a:prstGeom>
+          <a:noFill/>
+        </p:spPr>
+        <p:txBody>
+          <a:bodyPr wrap="none" rtlCol="0">
+            <a:spAutoFit/>
+          </a:bodyPr>
+          <a:lstStyle/>
+          <a:p>
+            <a:pPr marL="285750" indent="-285750">
+              <a:buFont typeface="Arial" panose="020B0604020202020204" pitchFamily="34" charset="0"/>
+              <a:buChar char="•"/>
+            </a:pPr>
+            <a:r>
+              <a:rPr lang="zh-CN" altLang="en-US" dirty="0"/>
+              <a:t>收集拓扑：</a:t>
+            </a:r>
+            <a:r>
+              <a:rPr lang="en-US" altLang="zh-CN" dirty="0"/>
+              <a:t>switch</a:t>
+            </a:r>
+            <a:r>
+              <a:rPr lang="zh-CN" altLang="en-US" dirty="0"/>
+              <a:t>，</a:t>
+            </a:r>
+            <a:r>
+              <a:rPr lang="en-US" altLang="zh-CN" dirty="0"/>
+              <a:t>server</a:t>
+            </a:r>
+            <a:r>
+              <a:rPr lang="zh-CN" altLang="en-US" dirty="0"/>
+              <a:t>；</a:t>
+            </a:r>
+            <a:endParaRPr lang="en-US" altLang="zh-CN" dirty="0"/>
+          </a:p>
+          <a:p>
+            <a:pPr marL="742950" lvl="1" indent="-285750">
+              <a:buFont typeface="Arial" panose="020B0604020202020204" pitchFamily="34" charset="0"/>
+              <a:buChar char="•"/>
+            </a:pPr>
+            <a:r>
+              <a:rPr lang="zh-CN" altLang="en-US" dirty="0"/>
+              <a:t>需要能够发现</a:t>
+            </a:r>
+            <a:r>
+              <a:rPr lang="en-US" altLang="zh-CN" dirty="0"/>
+              <a:t>Server</a:t>
+            </a:r>
+            <a:r>
+              <a:rPr lang="zh-CN" altLang="en-US" dirty="0"/>
+              <a:t>的</a:t>
+            </a:r>
+            <a:r>
+              <a:rPr lang="en-US" altLang="zh-CN" dirty="0" err="1"/>
+              <a:t>datapathNIC</a:t>
+            </a:r>
+            <a:r>
+              <a:rPr lang="zh-CN" altLang="en-US" dirty="0"/>
+              <a:t>（不能用</a:t>
+            </a:r>
+            <a:r>
+              <a:rPr lang="en-US" altLang="zh-CN" dirty="0"/>
+              <a:t>LLDP</a:t>
+            </a:r>
+            <a:r>
+              <a:rPr lang="zh-CN" altLang="en-US" dirty="0"/>
+              <a:t>）</a:t>
+            </a:r>
+            <a:endParaRPr lang="en-US" altLang="zh-CN" dirty="0"/>
+          </a:p>
+          <a:p>
+            <a:pPr marL="742950" lvl="1" indent="-285750">
+              <a:buFont typeface="Arial" panose="020B0604020202020204" pitchFamily="34" charset="0"/>
+              <a:buChar char="•"/>
+            </a:pPr>
+            <a:r>
+              <a:rPr lang="en-US" altLang="zh-CN" dirty="0"/>
+              <a:t>Server</a:t>
+            </a:r>
+            <a:r>
+              <a:rPr lang="zh-CN" altLang="en-US" dirty="0"/>
+              <a:t>的</a:t>
+            </a:r>
+            <a:r>
+              <a:rPr lang="en-US" altLang="zh-CN" dirty="0"/>
+              <a:t>BESS</a:t>
+            </a:r>
+            <a:r>
+              <a:rPr lang="zh-CN" altLang="en-US" dirty="0"/>
+              <a:t>必须能够发送免费</a:t>
+            </a:r>
+            <a:r>
+              <a:rPr lang="en-US" altLang="zh-CN" dirty="0" err="1"/>
+              <a:t>arp</a:t>
+            </a:r>
+            <a:endParaRPr lang="en-US" altLang="zh-CN" dirty="0"/>
+          </a:p>
+          <a:p>
+            <a:pPr marL="285750" indent="-285750">
+              <a:buFont typeface="Arial" panose="020B0604020202020204" pitchFamily="34" charset="0"/>
+              <a:buChar char="•"/>
+            </a:pPr>
+            <a:r>
+              <a:rPr lang="zh-CN" altLang="en-US" dirty="0"/>
+              <a:t>部署</a:t>
+            </a:r>
+            <a:r>
+              <a:rPr lang="en-US" altLang="zh-CN" dirty="0"/>
+              <a:t>/</a:t>
+            </a:r>
+            <a:r>
+              <a:rPr lang="zh-CN" altLang="en-US" dirty="0"/>
+              <a:t>删除</a:t>
+            </a:r>
+            <a:r>
+              <a:rPr lang="en-US" altLang="zh-CN" dirty="0"/>
+              <a:t>SFC</a:t>
+            </a:r>
+          </a:p>
+          <a:p>
+            <a:pPr marL="285750" indent="-285750">
+              <a:buFont typeface="Arial" panose="020B0604020202020204" pitchFamily="34" charset="0"/>
+              <a:buChar char="•"/>
+            </a:pPr>
+            <a:r>
+              <a:rPr lang="zh-CN" altLang="en-US" dirty="0"/>
+              <a:t>静态路由</a:t>
+            </a:r>
+            <a:endParaRPr lang="en-US" altLang="zh-CN" dirty="0"/>
+          </a:p>
+        </p:txBody>
+      </p:sp>
+    </p:spTree>
+    <p:extLst>
+      <p:ext uri="{BB962C8B-B14F-4D97-AF65-F5344CB8AC3E}">
+        <p14:creationId xmlns:p14="http://schemas.microsoft.com/office/powerpoint/2010/main" val="1452941945"/>
+      </p:ext>
+    </p:extLst>
+  </p:cSld>
+  <p:clrMapOvr>
+    <a:masterClrMapping/>
+  </p:clrMapOvr>
+</p:sld>
+</file>
+
+<file path=ppt/slides/slide5.xml><?xml version="1.0" encoding="utf-8"?>
+<p:sld xmlns:a="http://schemas.openxmlformats.org/drawingml/2006/main" xmlns:r="http://schemas.openxmlformats.org/officeDocument/2006/relationships" xmlns:p="http://schemas.openxmlformats.org/presentationml/2006/main">
+  <p:cSld>
+    <p:spTree>
+      <p:nvGrpSpPr>
+        <p:cNvPr id="1" name=""/>
+        <p:cNvGrpSpPr/>
+        <p:nvPr/>
+      </p:nvGrpSpPr>
+      <p:grpSpPr>
+        <a:xfrm>
+          <a:off x="0" y="0"/>
+          <a:ext cx="0" cy="0"/>
+          <a:chOff x="0" y="0"/>
+          <a:chExt cx="0" cy="0"/>
+        </a:xfrm>
+      </p:grpSpPr>
+      <p:sp>
+        <p:nvSpPr>
+          <p:cNvPr id="2" name="标题 1">
+            <a:extLst>
+              <a:ext uri="{FF2B5EF4-FFF2-40B4-BE49-F238E27FC236}">
                 <a16:creationId xmlns:a16="http://schemas.microsoft.com/office/drawing/2014/main" id="{65AC42C1-494F-43CD-A293-E8F80E5EC47F}"/>
               </a:ext>
             </a:extLst>
@@ -4571,7 +9029,7 @@
 </p:sld>
 </file>
 
-<file path=ppt/slides/slide4.xml><?xml version="1.0" encoding="utf-8"?>
+<file path=ppt/slides/slide6.xml><?xml version="1.0" encoding="utf-8"?>
 <p:sld xmlns:a="http://schemas.openxmlformats.org/drawingml/2006/main" xmlns:r="http://schemas.openxmlformats.org/officeDocument/2006/relationships" xmlns:p="http://schemas.openxmlformats.org/presentationml/2006/main">
   <p:cSld>
     <p:spTree>
